--- a/ddd.pptx
+++ b/ddd.pptx
@@ -262,7 +262,7 @@
           <a:p>
             <a:fld id="{3532B83F-F844-4C18-98E8-7C33F4B39DE0}" type="datetimeFigureOut">
               <a:rPr lang="nl-NL" smtClean="0"/>
-              <a:t>10-5-2019</a:t>
+              <a:t>12-3-2020</a:t>
             </a:fld>
             <a:endParaRPr lang="nl-NL"/>
           </a:p>
@@ -439,7 +439,7 @@
           <a:p>
             <a:fld id="{27396D34-C2B8-41FF-AE69-48AE3B3D8E8B}" type="datetimeFigureOut">
               <a:rPr lang="nl-NL" smtClean="0"/>
-              <a:t>10-5-2019</a:t>
+              <a:t>12-3-2020</a:t>
             </a:fld>
             <a:endParaRPr lang="nl-NL"/>
           </a:p>
@@ -36365,11 +36365,7 @@
           <a:p>
             <a:r>
               <a:rPr lang="en-US" dirty="0" smtClean="0"/>
-              <a:t>Value Objects: </a:t>
-            </a:r>
-            <a:r>
-              <a:rPr lang="en-US" dirty="0" smtClean="0"/>
-              <a:t>final class Currency</a:t>
+              <a:t>Value Objects: final class Currency</a:t>
             </a:r>
             <a:endParaRPr lang="en-US" dirty="0"/>
           </a:p>
@@ -36377,18 +36373,16 @@
       </p:sp>
       <p:sp>
         <p:nvSpPr>
-          <p:cNvPr id="8" name="Rectangle 5"/>
+          <p:cNvPr id="7" name="Rectangle 5"/>
           <p:cNvSpPr>
-            <a:spLocks noGrp="1" noChangeArrowheads="1"/>
+            <a:spLocks noChangeArrowheads="1"/>
           </p:cNvSpPr>
-          <p:nvPr>
-            <p:ph type="body" sz="quarter" idx="10"/>
-          </p:nvPr>
+          <p:nvPr/>
         </p:nvSpPr>
         <p:spPr bwMode="auto">
           <a:xfrm>
-            <a:off x="1295400" y="2316510"/>
-            <a:ext cx="10387780" cy="3539430"/>
+            <a:off x="1296000" y="2546096"/>
+            <a:ext cx="10278966" cy="2462213"/>
           </a:xfrm>
           <a:prstGeom prst="rect">
             <a:avLst/>
@@ -36423,7 +36417,7 @@
           </a:extLst>
         </p:spPr>
         <p:txBody>
-          <a:bodyPr vert="horz" wrap="none" lIns="91440" tIns="45720" rIns="91440" bIns="45720" numCol="1" anchor="ctr" anchorCtr="0" compatLnSpc="1">
+          <a:bodyPr vert="horz" wrap="square" lIns="91440" tIns="45720" rIns="91440" bIns="45720" numCol="1" anchor="ctr" anchorCtr="0" compatLnSpc="1">
             <a:prstTxWarp prst="textNoShape">
               <a:avLst/>
             </a:prstTxWarp>
@@ -36448,6 +36442,20 @@
               <a:tabLst/>
             </a:pPr>
             <a:r>
+              <a:rPr kumimoji="0" lang="en-US" altLang="en-US" sz="1400" b="1" i="0" u="none" strike="noStrike" cap="none" normalizeH="0" baseline="0" dirty="0" smtClean="0">
+                <a:ln>
+                  <a:noFill/>
+                </a:ln>
+                <a:solidFill>
+                  <a:srgbClr val="000080"/>
+                </a:solidFill>
+                <a:effectLst/>
+                <a:latin typeface="Courier New" panose="02070309020205020404" pitchFamily="49" charset="0"/>
+                <a:cs typeface="Courier New" panose="02070309020205020404" pitchFamily="49" charset="0"/>
+              </a:rPr>
+              <a:t>private </a:t>
+            </a:r>
+            <a:r>
               <a:rPr kumimoji="0" lang="en-US" altLang="en-US" sz="1400" b="0" i="0" u="none" strike="noStrike" cap="none" normalizeH="0" baseline="0" dirty="0" smtClean="0">
                 <a:ln>
                   <a:noFill/>
@@ -36459,7 +36467,7 @@
                 <a:latin typeface="Courier New" panose="02070309020205020404" pitchFamily="49" charset="0"/>
                 <a:cs typeface="Courier New" panose="02070309020205020404" pitchFamily="49" charset="0"/>
               </a:rPr>
-              <a:t>  </a:t>
+              <a:t>Currency(</a:t>
             </a:r>
             <a:r>
               <a:rPr kumimoji="0" lang="en-US" altLang="en-US" sz="1400" b="1" i="0" u="none" strike="noStrike" cap="none" normalizeH="0" baseline="0" dirty="0" smtClean="0">
@@ -36473,7 +36481,7 @@
                 <a:latin typeface="Courier New" panose="02070309020205020404" pitchFamily="49" charset="0"/>
                 <a:cs typeface="Courier New" panose="02070309020205020404" pitchFamily="49" charset="0"/>
               </a:rPr>
-              <a:t>private </a:t>
+              <a:t>final </a:t>
             </a:r>
             <a:r>
               <a:rPr kumimoji="0" lang="en-US" altLang="en-US" sz="1400" b="0" i="0" u="none" strike="noStrike" cap="none" normalizeH="0" baseline="0" dirty="0" smtClean="0">
@@ -36487,21 +36495,21 @@
                 <a:latin typeface="Courier New" panose="02070309020205020404" pitchFamily="49" charset="0"/>
                 <a:cs typeface="Courier New" panose="02070309020205020404" pitchFamily="49" charset="0"/>
               </a:rPr>
-              <a:t>Currency(</a:t>
-            </a:r>
-            <a:r>
-              <a:rPr kumimoji="0" lang="en-US" altLang="en-US" sz="1400" b="1" i="0" u="none" strike="noStrike" cap="none" normalizeH="0" baseline="0" dirty="0" smtClean="0">
+              <a:t>String </a:t>
+            </a:r>
+            <a:r>
+              <a:rPr kumimoji="0" lang="en-US" altLang="en-US" sz="1400" b="0" i="0" u="none" strike="noStrike" cap="none" normalizeH="0" baseline="0" dirty="0" err="1" smtClean="0">
                 <a:ln>
                   <a:noFill/>
                 </a:ln>
                 <a:solidFill>
-                  <a:srgbClr val="000080"/>
+                  <a:srgbClr val="000000"/>
                 </a:solidFill>
                 <a:effectLst/>
                 <a:latin typeface="Courier New" panose="02070309020205020404" pitchFamily="49" charset="0"/>
                 <a:cs typeface="Courier New" panose="02070309020205020404" pitchFamily="49" charset="0"/>
               </a:rPr>
-              <a:t>final </a:t>
+              <a:t>currencyCode</a:t>
             </a:r>
             <a:r>
               <a:rPr kumimoji="0" lang="en-US" altLang="en-US" sz="1400" b="0" i="0" u="none" strike="noStrike" cap="none" normalizeH="0" baseline="0" dirty="0" smtClean="0">
@@ -36515,77 +36523,7 @@
                 <a:latin typeface="Courier New" panose="02070309020205020404" pitchFamily="49" charset="0"/>
                 <a:cs typeface="Courier New" panose="02070309020205020404" pitchFamily="49" charset="0"/>
               </a:rPr>
-              <a:t>String </a:t>
-            </a:r>
-            <a:r>
-              <a:rPr kumimoji="0" lang="en-US" altLang="en-US" sz="1400" b="0" i="0" u="none" strike="noStrike" cap="none" normalizeH="0" baseline="0" dirty="0" err="1" smtClean="0">
-                <a:ln>
-                  <a:noFill/>
-                </a:ln>
-                <a:solidFill>
-                  <a:srgbClr val="000000"/>
-                </a:solidFill>
-                <a:effectLst/>
-                <a:latin typeface="Courier New" panose="02070309020205020404" pitchFamily="49" charset="0"/>
-                <a:cs typeface="Courier New" panose="02070309020205020404" pitchFamily="49" charset="0"/>
-              </a:rPr>
-              <a:t>currencyCode</a:t>
-            </a:r>
-            <a:r>
-              <a:rPr kumimoji="0" lang="en-US" altLang="en-US" sz="1400" b="0" i="0" u="none" strike="noStrike" cap="none" normalizeH="0" baseline="0" dirty="0" smtClean="0">
-                <a:ln>
-                  <a:noFill/>
-                </a:ln>
-                <a:solidFill>
-                  <a:srgbClr val="000000"/>
-                </a:solidFill>
-                <a:effectLst/>
-                <a:latin typeface="Courier New" panose="02070309020205020404" pitchFamily="49" charset="0"/>
-                <a:cs typeface="Courier New" panose="02070309020205020404" pitchFamily="49" charset="0"/>
-              </a:rPr>
-              <a:t>) </a:t>
-            </a:r>
-            <a:r>
-              <a:rPr kumimoji="0" lang="en-US" altLang="en-US" sz="1400" b="1" i="0" u="none" strike="noStrike" cap="none" normalizeH="0" baseline="0" dirty="0" smtClean="0">
-                <a:ln>
-                  <a:noFill/>
-                </a:ln>
-                <a:solidFill>
-                  <a:srgbClr val="000080"/>
-                </a:solidFill>
-                <a:effectLst/>
-                <a:latin typeface="Courier New" panose="02070309020205020404" pitchFamily="49" charset="0"/>
-                <a:cs typeface="Courier New" panose="02070309020205020404" pitchFamily="49" charset="0"/>
-              </a:rPr>
-              <a:t>throws </a:t>
-            </a:r>
-            <a:r>
-              <a:rPr kumimoji="0" lang="en-US" altLang="en-US" sz="1400" b="0" i="0" u="none" strike="noStrike" cap="none" normalizeH="0" baseline="0" dirty="0" err="1" smtClean="0">
-                <a:ln>
-                  <a:noFill/>
-                </a:ln>
-                <a:solidFill>
-                  <a:srgbClr val="000000"/>
-                </a:solidFill>
-                <a:effectLst/>
-                <a:latin typeface="Courier New" panose="02070309020205020404" pitchFamily="49" charset="0"/>
-                <a:cs typeface="Courier New" panose="02070309020205020404" pitchFamily="49" charset="0"/>
-              </a:rPr>
-              <a:t>BusinessRuleNotSatisfied</a:t>
-            </a:r>
-            <a:r>
-              <a:rPr kumimoji="0" lang="en-US" altLang="en-US" sz="1400" b="0" i="0" u="none" strike="noStrike" cap="none" normalizeH="0" baseline="0" dirty="0" smtClean="0">
-                <a:ln>
-                  <a:noFill/>
-                </a:ln>
-                <a:solidFill>
-                  <a:srgbClr val="000000"/>
-                </a:solidFill>
-                <a:effectLst/>
-                <a:latin typeface="Courier New" panose="02070309020205020404" pitchFamily="49" charset="0"/>
-                <a:cs typeface="Courier New" panose="02070309020205020404" pitchFamily="49" charset="0"/>
-              </a:rPr>
-              <a:t> {</a:t>
+              <a:t>) {</a:t>
             </a:r>
             <a:br>
               <a:rPr kumimoji="0" lang="en-US" altLang="en-US" sz="1400" b="0" i="0" u="none" strike="noStrike" cap="none" normalizeH="0" baseline="0" dirty="0" smtClean="0">
@@ -36612,7 +36550,49 @@
                 <a:latin typeface="Courier New" panose="02070309020205020404" pitchFamily="49" charset="0"/>
                 <a:cs typeface="Courier New" panose="02070309020205020404" pitchFamily="49" charset="0"/>
               </a:rPr>
-              <a:t>   </a:t>
+              <a:t>    </a:t>
+            </a:r>
+            <a:r>
+              <a:rPr kumimoji="0" lang="en-US" altLang="en-US" sz="1400" b="1" i="0" u="none" strike="noStrike" cap="none" normalizeH="0" baseline="0" dirty="0" err="1" smtClean="0">
+                <a:ln>
+                  <a:noFill/>
+                </a:ln>
+                <a:solidFill>
+                  <a:srgbClr val="000080"/>
+                </a:solidFill>
+                <a:effectLst/>
+                <a:latin typeface="Courier New" panose="02070309020205020404" pitchFamily="49" charset="0"/>
+                <a:cs typeface="Courier New" panose="02070309020205020404" pitchFamily="49" charset="0"/>
+              </a:rPr>
+              <a:t>this</a:t>
+            </a:r>
+            <a:r>
+              <a:rPr kumimoji="0" lang="en-US" altLang="en-US" sz="1400" b="0" i="0" u="none" strike="noStrike" cap="none" normalizeH="0" baseline="0" dirty="0" err="1" smtClean="0">
+                <a:ln>
+                  <a:noFill/>
+                </a:ln>
+                <a:solidFill>
+                  <a:srgbClr val="000000"/>
+                </a:solidFill>
+                <a:effectLst/>
+                <a:latin typeface="Courier New" panose="02070309020205020404" pitchFamily="49" charset="0"/>
+                <a:cs typeface="Courier New" panose="02070309020205020404" pitchFamily="49" charset="0"/>
+              </a:rPr>
+              <a:t>.</a:t>
+            </a:r>
+            <a:r>
+              <a:rPr kumimoji="0" lang="en-US" altLang="en-US" sz="1400" b="1" i="0" u="none" strike="noStrike" cap="none" normalizeH="0" baseline="0" dirty="0" err="1" smtClean="0">
+                <a:ln>
+                  <a:noFill/>
+                </a:ln>
+                <a:solidFill>
+                  <a:srgbClr val="660E7A"/>
+                </a:solidFill>
+                <a:effectLst/>
+                <a:latin typeface="Courier New" panose="02070309020205020404" pitchFamily="49" charset="0"/>
+                <a:cs typeface="Courier New" panose="02070309020205020404" pitchFamily="49" charset="0"/>
+              </a:rPr>
+              <a:t>currencyCode</a:t>
             </a:r>
             <a:r>
               <a:rPr kumimoji="0" lang="en-US" altLang="en-US" sz="1400" b="1" i="0" u="none" strike="noStrike" cap="none" normalizeH="0" baseline="0" dirty="0" smtClean="0">
@@ -36620,13 +36600,13 @@
                   <a:noFill/>
                 </a:ln>
                 <a:solidFill>
-                  <a:srgbClr val="000080"/>
+                  <a:srgbClr val="660E7A"/>
                 </a:solidFill>
                 <a:effectLst/>
                 <a:latin typeface="Courier New" panose="02070309020205020404" pitchFamily="49" charset="0"/>
                 <a:cs typeface="Courier New" panose="02070309020205020404" pitchFamily="49" charset="0"/>
               </a:rPr>
-              <a:t>if </a:t>
+              <a:t> </a:t>
             </a:r>
             <a:r>
               <a:rPr kumimoji="0" lang="en-US" altLang="en-US" sz="1400" b="0" i="0" u="none" strike="noStrike" cap="none" normalizeH="0" baseline="0" dirty="0" smtClean="0">
@@ -36640,7 +36620,7 @@
                 <a:latin typeface="Courier New" panose="02070309020205020404" pitchFamily="49" charset="0"/>
                 <a:cs typeface="Courier New" panose="02070309020205020404" pitchFamily="49" charset="0"/>
               </a:rPr>
-              <a:t>(</a:t>
+              <a:t>= </a:t>
             </a:r>
             <a:r>
               <a:rPr kumimoji="0" lang="en-US" altLang="en-US" sz="1400" b="0" i="0" u="none" strike="noStrike" cap="none" normalizeH="0" baseline="0" dirty="0" err="1" smtClean="0">
@@ -36668,91 +36648,7 @@
                 <a:latin typeface="Courier New" panose="02070309020205020404" pitchFamily="49" charset="0"/>
                 <a:cs typeface="Courier New" panose="02070309020205020404" pitchFamily="49" charset="0"/>
               </a:rPr>
-              <a:t> == </a:t>
-            </a:r>
-            <a:r>
-              <a:rPr kumimoji="0" lang="en-US" altLang="en-US" sz="1400" b="1" i="0" u="none" strike="noStrike" cap="none" normalizeH="0" baseline="0" dirty="0" smtClean="0">
-                <a:ln>
-                  <a:noFill/>
-                </a:ln>
-                <a:solidFill>
-                  <a:srgbClr val="000080"/>
-                </a:solidFill>
-                <a:effectLst/>
-                <a:latin typeface="Courier New" panose="02070309020205020404" pitchFamily="49" charset="0"/>
-                <a:cs typeface="Courier New" panose="02070309020205020404" pitchFamily="49" charset="0"/>
-              </a:rPr>
-              <a:t>null </a:t>
-            </a:r>
-            <a:r>
-              <a:rPr kumimoji="0" lang="en-US" altLang="en-US" sz="1400" b="0" i="0" u="none" strike="noStrike" cap="none" normalizeH="0" baseline="0" dirty="0" smtClean="0">
-                <a:ln>
-                  <a:noFill/>
-                </a:ln>
-                <a:solidFill>
-                  <a:srgbClr val="000000"/>
-                </a:solidFill>
-                <a:effectLst/>
-                <a:latin typeface="Courier New" panose="02070309020205020404" pitchFamily="49" charset="0"/>
-                <a:cs typeface="Courier New" panose="02070309020205020404" pitchFamily="49" charset="0"/>
-              </a:rPr>
-              <a:t>|| </a:t>
-            </a:r>
-            <a:r>
-              <a:rPr kumimoji="0" lang="en-US" altLang="en-US" sz="1400" b="0" i="0" u="none" strike="noStrike" cap="none" normalizeH="0" baseline="0" dirty="0" err="1" smtClean="0">
-                <a:ln>
-                  <a:noFill/>
-                </a:ln>
-                <a:solidFill>
-                  <a:srgbClr val="000000"/>
-                </a:solidFill>
-                <a:effectLst/>
-                <a:latin typeface="Courier New" panose="02070309020205020404" pitchFamily="49" charset="0"/>
-                <a:cs typeface="Courier New" panose="02070309020205020404" pitchFamily="49" charset="0"/>
-              </a:rPr>
-              <a:t>currencyCode.length</a:t>
-            </a:r>
-            <a:r>
-              <a:rPr kumimoji="0" lang="en-US" altLang="en-US" sz="1400" b="0" i="0" u="none" strike="noStrike" cap="none" normalizeH="0" baseline="0" dirty="0" smtClean="0">
-                <a:ln>
-                  <a:noFill/>
-                </a:ln>
-                <a:solidFill>
-                  <a:srgbClr val="000000"/>
-                </a:solidFill>
-                <a:effectLst/>
-                <a:latin typeface="Courier New" panose="02070309020205020404" pitchFamily="49" charset="0"/>
-                <a:cs typeface="Courier New" panose="02070309020205020404" pitchFamily="49" charset="0"/>
-              </a:rPr>
-              <a:t>() != </a:t>
-            </a:r>
-            <a:r>
-              <a:rPr kumimoji="0" lang="en-US" altLang="en-US" sz="1400" b="0" i="0" u="none" strike="noStrike" cap="none" normalizeH="0" baseline="0" dirty="0" smtClean="0">
-                <a:ln>
-                  <a:noFill/>
-                </a:ln>
-                <a:solidFill>
-                  <a:srgbClr val="0000FF"/>
-                </a:solidFill>
-                <a:effectLst/>
-                <a:latin typeface="Courier New" panose="02070309020205020404" pitchFamily="49" charset="0"/>
-                <a:cs typeface="Courier New" panose="02070309020205020404" pitchFamily="49" charset="0"/>
-              </a:rPr>
-              <a:t>3</a:t>
-            </a:r>
-            <a:r>
-              <a:rPr kumimoji="0" lang="en-US" altLang="en-US" sz="1400" b="0" i="0" u="none" strike="noStrike" cap="none" normalizeH="0" baseline="0" dirty="0" smtClean="0">
-                <a:ln>
-                  <a:noFill/>
-                </a:ln>
-                <a:solidFill>
-                  <a:srgbClr val="000000"/>
-                </a:solidFill>
-                <a:effectLst/>
-                <a:latin typeface="Courier New" panose="02070309020205020404" pitchFamily="49" charset="0"/>
-                <a:cs typeface="Courier New" panose="02070309020205020404" pitchFamily="49" charset="0"/>
-              </a:rPr>
-              <a:t>) </a:t>
+              <a:t>;</a:t>
             </a:r>
             <a:br>
               <a:rPr kumimoji="0" lang="en-US" altLang="en-US" sz="1400" b="0" i="0" u="none" strike="noStrike" cap="none" normalizeH="0" baseline="0" dirty="0" smtClean="0">
@@ -36779,77 +36675,7 @@
                 <a:latin typeface="Courier New" panose="02070309020205020404" pitchFamily="49" charset="0"/>
                 <a:cs typeface="Courier New" panose="02070309020205020404" pitchFamily="49" charset="0"/>
               </a:rPr>
-              <a:t>      </a:t>
-            </a:r>
-            <a:r>
-              <a:rPr kumimoji="0" lang="en-US" altLang="en-US" sz="1400" b="1" i="0" u="none" strike="noStrike" cap="none" normalizeH="0" baseline="0" dirty="0" smtClean="0">
-                <a:ln>
-                  <a:noFill/>
-                </a:ln>
-                <a:solidFill>
-                  <a:srgbClr val="000080"/>
-                </a:solidFill>
-                <a:effectLst/>
-                <a:latin typeface="Courier New" panose="02070309020205020404" pitchFamily="49" charset="0"/>
-                <a:cs typeface="Courier New" panose="02070309020205020404" pitchFamily="49" charset="0"/>
-              </a:rPr>
-              <a:t>throw new </a:t>
-            </a:r>
-            <a:r>
-              <a:rPr kumimoji="0" lang="en-US" altLang="en-US" sz="1400" b="0" i="0" u="none" strike="noStrike" cap="none" normalizeH="0" baseline="0" dirty="0" err="1" smtClean="0">
-                <a:ln>
-                  <a:noFill/>
-                </a:ln>
-                <a:solidFill>
-                  <a:srgbClr val="000000"/>
-                </a:solidFill>
-                <a:effectLst/>
-                <a:latin typeface="Courier New" panose="02070309020205020404" pitchFamily="49" charset="0"/>
-                <a:cs typeface="Courier New" panose="02070309020205020404" pitchFamily="49" charset="0"/>
-              </a:rPr>
-              <a:t>BusinessRuleNotSatisfied</a:t>
-            </a:r>
-            <a:r>
-              <a:rPr kumimoji="0" lang="en-US" altLang="en-US" sz="1400" b="0" i="0" u="none" strike="noStrike" cap="none" normalizeH="0" baseline="0" dirty="0" smtClean="0">
-                <a:ln>
-                  <a:noFill/>
-                </a:ln>
-                <a:solidFill>
-                  <a:srgbClr val="000000"/>
-                </a:solidFill>
-                <a:effectLst/>
-                <a:latin typeface="Courier New" panose="02070309020205020404" pitchFamily="49" charset="0"/>
-                <a:cs typeface="Courier New" panose="02070309020205020404" pitchFamily="49" charset="0"/>
-              </a:rPr>
-              <a:t>(</a:t>
-            </a:r>
-            <a:r>
-              <a:rPr kumimoji="0" lang="en-US" altLang="en-US" sz="1400" b="1" i="0" u="none" strike="noStrike" cap="none" normalizeH="0" baseline="0" dirty="0" smtClean="0">
-                <a:ln>
-                  <a:noFill/>
-                </a:ln>
-                <a:solidFill>
-                  <a:srgbClr val="008000"/>
-                </a:solidFill>
-                <a:effectLst/>
-                <a:latin typeface="Courier New" panose="02070309020205020404" pitchFamily="49" charset="0"/>
-                <a:cs typeface="Courier New" panose="02070309020205020404" pitchFamily="49" charset="0"/>
-              </a:rPr>
-              <a:t>"Currency code has 3 characters"</a:t>
-            </a:r>
-            <a:r>
-              <a:rPr kumimoji="0" lang="en-US" altLang="en-US" sz="1400" b="0" i="0" u="none" strike="noStrike" cap="none" normalizeH="0" baseline="0" dirty="0" smtClean="0">
-                <a:ln>
-                  <a:noFill/>
-                </a:ln>
-                <a:solidFill>
-                  <a:srgbClr val="000000"/>
-                </a:solidFill>
-                <a:effectLst/>
-                <a:latin typeface="Courier New" panose="02070309020205020404" pitchFamily="49" charset="0"/>
-                <a:cs typeface="Courier New" panose="02070309020205020404" pitchFamily="49" charset="0"/>
-              </a:rPr>
-              <a:t>);</a:t>
+              <a:t>}</a:t>
             </a:r>
             <a:br>
               <a:rPr kumimoji="0" lang="en-US" altLang="en-US" sz="1400" b="0" i="0" u="none" strike="noStrike" cap="none" normalizeH="0" baseline="0" dirty="0" smtClean="0">
@@ -36865,20 +36691,6 @@
               </a:rPr>
             </a:br>
             <a:r>
-              <a:rPr kumimoji="0" lang="en-US" altLang="en-US" sz="1400" b="0" i="0" u="none" strike="noStrike" cap="none" normalizeH="0" dirty="0" smtClean="0">
-                <a:ln>
-                  <a:noFill/>
-                </a:ln>
-                <a:solidFill>
-                  <a:srgbClr val="000000"/>
-                </a:solidFill>
-                <a:effectLst/>
-                <a:latin typeface="Courier New" panose="02070309020205020404" pitchFamily="49" charset="0"/>
-                <a:cs typeface="Courier New" panose="02070309020205020404" pitchFamily="49" charset="0"/>
-              </a:rPr>
-              <a:t>   </a:t>
-            </a:r>
-            <a:r>
               <a:rPr kumimoji="0" lang="en-US" altLang="en-US" sz="1400" b="0" i="0" u="none" strike="noStrike" cap="none" normalizeH="0" baseline="0" dirty="0" smtClean="0">
                 <a:ln>
                   <a:noFill/>
@@ -36906,6 +36718,20 @@
               </a:rPr>
             </a:br>
             <a:r>
+              <a:rPr kumimoji="0" lang="en-US" altLang="en-US" sz="1400" b="1" i="0" u="none" strike="noStrike" cap="none" normalizeH="0" baseline="0" dirty="0" smtClean="0">
+                <a:ln>
+                  <a:noFill/>
+                </a:ln>
+                <a:solidFill>
+                  <a:srgbClr val="000080"/>
+                </a:solidFill>
+                <a:effectLst/>
+                <a:latin typeface="Courier New" panose="02070309020205020404" pitchFamily="49" charset="0"/>
+                <a:cs typeface="Courier New" panose="02070309020205020404" pitchFamily="49" charset="0"/>
+              </a:rPr>
+              <a:t>public static </a:t>
+            </a:r>
+            <a:r>
               <a:rPr kumimoji="0" lang="en-US" altLang="en-US" sz="1400" b="0" i="0" u="none" strike="noStrike" cap="none" normalizeH="0" baseline="0" dirty="0" smtClean="0">
                 <a:ln>
                   <a:noFill/>
@@ -36917,10 +36743,10 @@
                 <a:latin typeface="Courier New" panose="02070309020205020404" pitchFamily="49" charset="0"/>
                 <a:cs typeface="Courier New" panose="02070309020205020404" pitchFamily="49" charset="0"/>
               </a:rPr>
-              <a:t>      </a:t>
-            </a:r>
-            <a:r>
-              <a:rPr kumimoji="0" lang="en-US" altLang="en-US" sz="1400" b="1" i="0" u="none" strike="noStrike" cap="none" normalizeH="0" baseline="0" dirty="0" err="1" smtClean="0">
+              <a:t>Optional&lt;Currency&gt; create(</a:t>
+            </a:r>
+            <a:r>
+              <a:rPr kumimoji="0" lang="en-US" altLang="en-US" sz="1400" b="1" i="0" u="none" strike="noStrike" cap="none" normalizeH="0" baseline="0" dirty="0" smtClean="0">
                 <a:ln>
                   <a:noFill/>
                 </a:ln>
@@ -36931,7 +36757,21 @@
                 <a:latin typeface="Courier New" panose="02070309020205020404" pitchFamily="49" charset="0"/>
                 <a:cs typeface="Courier New" panose="02070309020205020404" pitchFamily="49" charset="0"/>
               </a:rPr>
-              <a:t>this</a:t>
+              <a:t>final </a:t>
+            </a:r>
+            <a:r>
+              <a:rPr kumimoji="0" lang="en-US" altLang="en-US" sz="1400" b="0" i="0" u="none" strike="noStrike" cap="none" normalizeH="0" baseline="0" dirty="0" smtClean="0">
+                <a:ln>
+                  <a:noFill/>
+                </a:ln>
+                <a:solidFill>
+                  <a:srgbClr val="000000"/>
+                </a:solidFill>
+                <a:effectLst/>
+                <a:latin typeface="Courier New" panose="02070309020205020404" pitchFamily="49" charset="0"/>
+                <a:cs typeface="Courier New" panose="02070309020205020404" pitchFamily="49" charset="0"/>
+              </a:rPr>
+              <a:t>String </a:t>
             </a:r>
             <a:r>
               <a:rPr kumimoji="0" lang="en-US" altLang="en-US" sz="1400" b="0" i="0" u="none" strike="noStrike" cap="none" normalizeH="0" baseline="0" dirty="0" err="1" smtClean="0">
@@ -36945,21 +36785,21 @@
                 <a:latin typeface="Courier New" panose="02070309020205020404" pitchFamily="49" charset="0"/>
                 <a:cs typeface="Courier New" panose="02070309020205020404" pitchFamily="49" charset="0"/>
               </a:rPr>
-              <a:t>.</a:t>
-            </a:r>
-            <a:r>
-              <a:rPr kumimoji="0" lang="en-US" altLang="en-US" sz="1400" b="1" i="0" u="none" strike="noStrike" cap="none" normalizeH="0" baseline="0" dirty="0" err="1" smtClean="0">
+              <a:t>currencyCode</a:t>
+            </a:r>
+            <a:r>
+              <a:rPr kumimoji="0" lang="en-US" altLang="en-US" sz="1400" b="0" i="0" u="none" strike="noStrike" cap="none" normalizeH="0" baseline="0" dirty="0" smtClean="0">
                 <a:ln>
                   <a:noFill/>
                 </a:ln>
                 <a:solidFill>
-                  <a:srgbClr val="660E7A"/>
+                  <a:srgbClr val="000000"/>
                 </a:solidFill>
                 <a:effectLst/>
                 <a:latin typeface="Courier New" panose="02070309020205020404" pitchFamily="49" charset="0"/>
                 <a:cs typeface="Courier New" panose="02070309020205020404" pitchFamily="49" charset="0"/>
               </a:rPr>
-              <a:t>currencyCode</a:t>
+              <a:t>, </a:t>
             </a:r>
             <a:r>
               <a:rPr kumimoji="0" lang="en-US" altLang="en-US" sz="1400" b="1" i="0" u="none" strike="noStrike" cap="none" normalizeH="0" baseline="0" dirty="0" smtClean="0">
@@ -36967,13 +36807,13 @@
                   <a:noFill/>
                 </a:ln>
                 <a:solidFill>
-                  <a:srgbClr val="660E7A"/>
+                  <a:srgbClr val="000080"/>
                 </a:solidFill>
                 <a:effectLst/>
                 <a:latin typeface="Courier New" panose="02070309020205020404" pitchFamily="49" charset="0"/>
                 <a:cs typeface="Courier New" panose="02070309020205020404" pitchFamily="49" charset="0"/>
               </a:rPr>
-              <a:t> </a:t>
+              <a:t>final </a:t>
             </a:r>
             <a:r>
               <a:rPr kumimoji="0" lang="en-US" altLang="en-US" sz="1400" b="0" i="0" u="none" strike="noStrike" cap="none" normalizeH="0" baseline="0" dirty="0" smtClean="0">
@@ -36987,7 +36827,7 @@
                 <a:latin typeface="Courier New" panose="02070309020205020404" pitchFamily="49" charset="0"/>
                 <a:cs typeface="Courier New" panose="02070309020205020404" pitchFamily="49" charset="0"/>
               </a:rPr>
-              <a:t>= </a:t>
+              <a:t>List&lt;String&gt; </a:t>
             </a:r>
             <a:r>
               <a:rPr kumimoji="0" lang="en-US" altLang="en-US" sz="1400" b="0" i="0" u="none" strike="noStrike" cap="none" normalizeH="0" baseline="0" dirty="0" err="1" smtClean="0">
@@ -37001,7 +36841,7 @@
                 <a:latin typeface="Courier New" panose="02070309020205020404" pitchFamily="49" charset="0"/>
                 <a:cs typeface="Courier New" panose="02070309020205020404" pitchFamily="49" charset="0"/>
               </a:rPr>
-              <a:t>currencyCode</a:t>
+              <a:t>msgs</a:t>
             </a:r>
             <a:r>
               <a:rPr kumimoji="0" lang="en-US" altLang="en-US" sz="1400" b="0" i="0" u="none" strike="noStrike" cap="none" normalizeH="0" baseline="0" dirty="0" smtClean="0">
@@ -37015,7 +36855,7 @@
                 <a:latin typeface="Courier New" panose="02070309020205020404" pitchFamily="49" charset="0"/>
                 <a:cs typeface="Courier New" panose="02070309020205020404" pitchFamily="49" charset="0"/>
               </a:rPr>
-              <a:t>;</a:t>
+              <a:t>) {</a:t>
             </a:r>
             <a:br>
               <a:rPr kumimoji="0" lang="en-US" altLang="en-US" sz="1400" b="0" i="0" u="none" strike="noStrike" cap="none" normalizeH="0" baseline="0" dirty="0" smtClean="0">
@@ -37042,26 +36882,22 @@
                 <a:latin typeface="Courier New" panose="02070309020205020404" pitchFamily="49" charset="0"/>
                 <a:cs typeface="Courier New" panose="02070309020205020404" pitchFamily="49" charset="0"/>
               </a:rPr>
-              <a:t>  }</a:t>
-            </a:r>
-          </a:p>
-          <a:p>
-            <a:pPr marL="0" marR="0" lvl="0" indent="0" algn="l" defTabSz="914400" rtl="0" eaLnBrk="0" fontAlgn="base" latinLnBrk="0" hangingPunct="0">
-              <a:lnSpc>
-                <a:spcPct val="100000"/>
-              </a:lnSpc>
-              <a:spcBef>
-                <a:spcPct val="0"/>
-              </a:spcBef>
-              <a:spcAft>
-                <a:spcPct val="0"/>
-              </a:spcAft>
-              <a:buClrTx/>
-              <a:buSzTx/>
-              <a:buFontTx/>
-              <a:buNone/>
-              <a:tabLst/>
-            </a:pPr>
+              <a:t>    </a:t>
+            </a:r>
+            <a:r>
+              <a:rPr kumimoji="0" lang="en-US" altLang="en-US" sz="1400" b="1" i="0" u="none" strike="noStrike" cap="none" normalizeH="0" baseline="0" dirty="0" smtClean="0">
+                <a:ln>
+                  <a:noFill/>
+                </a:ln>
+                <a:solidFill>
+                  <a:srgbClr val="000080"/>
+                </a:solidFill>
+                <a:effectLst/>
+                <a:latin typeface="Courier New" panose="02070309020205020404" pitchFamily="49" charset="0"/>
+                <a:cs typeface="Courier New" panose="02070309020205020404" pitchFamily="49" charset="0"/>
+              </a:rPr>
+              <a:t>if </a:t>
+            </a:r>
             <a:r>
               <a:rPr kumimoji="0" lang="en-US" altLang="en-US" sz="1400" b="0" i="0" u="none" strike="noStrike" cap="none" normalizeH="0" baseline="0" dirty="0" smtClean="0">
                 <a:ln>
@@ -37074,7 +36910,119 @@
                 <a:latin typeface="Courier New" panose="02070309020205020404" pitchFamily="49" charset="0"/>
                 <a:cs typeface="Courier New" panose="02070309020205020404" pitchFamily="49" charset="0"/>
               </a:rPr>
-              <a:t/>
+              <a:t>(</a:t>
+            </a:r>
+            <a:r>
+              <a:rPr kumimoji="0" lang="en-US" altLang="en-US" sz="1400" b="0" i="0" u="none" strike="noStrike" cap="none" normalizeH="0" baseline="0" dirty="0" err="1" smtClean="0">
+                <a:ln>
+                  <a:noFill/>
+                </a:ln>
+                <a:solidFill>
+                  <a:srgbClr val="000000"/>
+                </a:solidFill>
+                <a:effectLst/>
+                <a:latin typeface="Courier New" panose="02070309020205020404" pitchFamily="49" charset="0"/>
+                <a:cs typeface="Courier New" panose="02070309020205020404" pitchFamily="49" charset="0"/>
+              </a:rPr>
+              <a:t>currencyCode</a:t>
+            </a:r>
+            <a:r>
+              <a:rPr kumimoji="0" lang="en-US" altLang="en-US" sz="1400" b="0" i="0" u="none" strike="noStrike" cap="none" normalizeH="0" baseline="0" dirty="0" smtClean="0">
+                <a:ln>
+                  <a:noFill/>
+                </a:ln>
+                <a:solidFill>
+                  <a:srgbClr val="000000"/>
+                </a:solidFill>
+                <a:effectLst/>
+                <a:latin typeface="Courier New" panose="02070309020205020404" pitchFamily="49" charset="0"/>
+                <a:cs typeface="Courier New" panose="02070309020205020404" pitchFamily="49" charset="0"/>
+              </a:rPr>
+              <a:t> == </a:t>
+            </a:r>
+            <a:r>
+              <a:rPr kumimoji="0" lang="en-US" altLang="en-US" sz="1400" b="1" i="0" u="none" strike="noStrike" cap="none" normalizeH="0" baseline="0" dirty="0" smtClean="0">
+                <a:ln>
+                  <a:noFill/>
+                </a:ln>
+                <a:solidFill>
+                  <a:srgbClr val="000080"/>
+                </a:solidFill>
+                <a:effectLst/>
+                <a:latin typeface="Courier New" panose="02070309020205020404" pitchFamily="49" charset="0"/>
+                <a:cs typeface="Courier New" panose="02070309020205020404" pitchFamily="49" charset="0"/>
+              </a:rPr>
+              <a:t>null </a:t>
+            </a:r>
+            <a:r>
+              <a:rPr kumimoji="0" lang="en-US" altLang="en-US" sz="1400" b="0" i="0" u="none" strike="noStrike" cap="none" normalizeH="0" baseline="0" dirty="0" smtClean="0">
+                <a:ln>
+                  <a:noFill/>
+                </a:ln>
+                <a:solidFill>
+                  <a:srgbClr val="000000"/>
+                </a:solidFill>
+                <a:effectLst/>
+                <a:latin typeface="Courier New" panose="02070309020205020404" pitchFamily="49" charset="0"/>
+                <a:cs typeface="Courier New" panose="02070309020205020404" pitchFamily="49" charset="0"/>
+              </a:rPr>
+              <a:t>|| </a:t>
+            </a:r>
+            <a:r>
+              <a:rPr kumimoji="0" lang="en-US" altLang="en-US" sz="1400" b="0" i="0" u="none" strike="noStrike" cap="none" normalizeH="0" baseline="0" dirty="0" err="1" smtClean="0">
+                <a:ln>
+                  <a:noFill/>
+                </a:ln>
+                <a:solidFill>
+                  <a:srgbClr val="000000"/>
+                </a:solidFill>
+                <a:effectLst/>
+                <a:latin typeface="Courier New" panose="02070309020205020404" pitchFamily="49" charset="0"/>
+                <a:cs typeface="Courier New" panose="02070309020205020404" pitchFamily="49" charset="0"/>
+              </a:rPr>
+              <a:t>currencyCode.length</a:t>
+            </a:r>
+            <a:r>
+              <a:rPr kumimoji="0" lang="en-US" altLang="en-US" sz="1400" b="0" i="0" u="none" strike="noStrike" cap="none" normalizeH="0" baseline="0" dirty="0" smtClean="0">
+                <a:ln>
+                  <a:noFill/>
+                </a:ln>
+                <a:solidFill>
+                  <a:srgbClr val="000000"/>
+                </a:solidFill>
+                <a:effectLst/>
+                <a:latin typeface="Courier New" panose="02070309020205020404" pitchFamily="49" charset="0"/>
+                <a:cs typeface="Courier New" panose="02070309020205020404" pitchFamily="49" charset="0"/>
+              </a:rPr>
+              <a:t>() != </a:t>
+            </a:r>
+            <a:r>
+              <a:rPr kumimoji="0" lang="en-US" altLang="en-US" sz="1400" b="0" i="0" u="none" strike="noStrike" cap="none" normalizeH="0" baseline="0" dirty="0" smtClean="0">
+                <a:ln>
+                  <a:noFill/>
+                </a:ln>
+                <a:solidFill>
+                  <a:srgbClr val="0000FF"/>
+                </a:solidFill>
+                <a:effectLst/>
+                <a:latin typeface="Courier New" panose="02070309020205020404" pitchFamily="49" charset="0"/>
+                <a:cs typeface="Courier New" panose="02070309020205020404" pitchFamily="49" charset="0"/>
+              </a:rPr>
+              <a:t>3</a:t>
+            </a:r>
+            <a:r>
+              <a:rPr kumimoji="0" lang="en-US" altLang="en-US" sz="1400" b="0" i="0" u="none" strike="noStrike" cap="none" normalizeH="0" baseline="0" dirty="0" smtClean="0">
+                <a:ln>
+                  <a:noFill/>
+                </a:ln>
+                <a:solidFill>
+                  <a:srgbClr val="000000"/>
+                </a:solidFill>
+                <a:effectLst/>
+                <a:latin typeface="Courier New" panose="02070309020205020404" pitchFamily="49" charset="0"/>
+                <a:cs typeface="Courier New" panose="02070309020205020404" pitchFamily="49" charset="0"/>
+              </a:rPr>
+              <a:t>) {</a:t>
             </a:r>
             <a:br>
               <a:rPr kumimoji="0" lang="en-US" altLang="en-US" sz="1400" b="0" i="0" u="none" strike="noStrike" cap="none" normalizeH="0" baseline="0" dirty="0" smtClean="0">
@@ -37101,7 +37049,63 @@
                 <a:latin typeface="Courier New" panose="02070309020205020404" pitchFamily="49" charset="0"/>
                 <a:cs typeface="Courier New" panose="02070309020205020404" pitchFamily="49" charset="0"/>
               </a:rPr>
-              <a:t/>
+              <a:t>        </a:t>
+            </a:r>
+            <a:r>
+              <a:rPr kumimoji="0" lang="en-US" altLang="en-US" sz="1400" b="0" i="0" u="none" strike="noStrike" cap="none" normalizeH="0" baseline="0" dirty="0" err="1" smtClean="0">
+                <a:ln>
+                  <a:noFill/>
+                </a:ln>
+                <a:solidFill>
+                  <a:srgbClr val="000000"/>
+                </a:solidFill>
+                <a:effectLst/>
+                <a:latin typeface="Courier New" panose="02070309020205020404" pitchFamily="49" charset="0"/>
+                <a:cs typeface="Courier New" panose="02070309020205020404" pitchFamily="49" charset="0"/>
+              </a:rPr>
+              <a:t>msgs.add</a:t>
+            </a:r>
+            <a:r>
+              <a:rPr kumimoji="0" lang="en-US" altLang="en-US" sz="1400" b="0" i="0" u="none" strike="noStrike" cap="none" normalizeH="0" baseline="0" dirty="0" smtClean="0">
+                <a:ln>
+                  <a:noFill/>
+                </a:ln>
+                <a:solidFill>
+                  <a:srgbClr val="000000"/>
+                </a:solidFill>
+                <a:effectLst/>
+                <a:latin typeface="Courier New" panose="02070309020205020404" pitchFamily="49" charset="0"/>
+                <a:cs typeface="Courier New" panose="02070309020205020404" pitchFamily="49" charset="0"/>
+              </a:rPr>
+              <a:t>(</a:t>
+            </a:r>
+            <a:r>
+              <a:rPr kumimoji="0" lang="en-US" altLang="en-US" sz="1400" b="1" i="0" u="none" strike="noStrike" cap="none" normalizeH="0" baseline="0" dirty="0" smtClean="0">
+                <a:ln>
+                  <a:noFill/>
+                </a:ln>
+                <a:solidFill>
+                  <a:srgbClr val="008000"/>
+                </a:solidFill>
+                <a:effectLst/>
+                <a:latin typeface="Courier New" panose="02070309020205020404" pitchFamily="49" charset="0"/>
+                <a:cs typeface="Courier New" panose="02070309020205020404" pitchFamily="49" charset="0"/>
+              </a:rPr>
+              <a:t>"Currency code has 3 characters"</a:t>
+            </a:r>
+            <a:r>
+              <a:rPr kumimoji="0" lang="en-US" altLang="en-US" sz="1400" b="0" i="0" u="none" strike="noStrike" cap="none" normalizeH="0" baseline="0" dirty="0" smtClean="0">
+                <a:ln>
+                  <a:noFill/>
+                </a:ln>
+                <a:solidFill>
+                  <a:srgbClr val="000000"/>
+                </a:solidFill>
+                <a:effectLst/>
+                <a:latin typeface="Courier New" panose="02070309020205020404" pitchFamily="49" charset="0"/>
+                <a:cs typeface="Courier New" panose="02070309020205020404" pitchFamily="49" charset="0"/>
+              </a:rPr>
+              <a:t>);</a:t>
             </a:r>
             <a:br>
               <a:rPr kumimoji="0" lang="en-US" altLang="en-US" sz="1400" b="0" i="0" u="none" strike="noStrike" cap="none" normalizeH="0" baseline="0" dirty="0" smtClean="0">
@@ -37128,7 +37132,7 @@
                 <a:latin typeface="Courier New" panose="02070309020205020404" pitchFamily="49" charset="0"/>
                 <a:cs typeface="Courier New" panose="02070309020205020404" pitchFamily="49" charset="0"/>
               </a:rPr>
-              <a:t>  </a:t>
+              <a:t>        </a:t>
             </a:r>
             <a:r>
               <a:rPr kumimoji="0" lang="en-US" altLang="en-US" sz="1400" b="1" i="0" u="none" strike="noStrike" cap="none" normalizeH="0" baseline="0" dirty="0" smtClean="0">
@@ -37142,7 +37146,35 @@
                 <a:latin typeface="Courier New" panose="02070309020205020404" pitchFamily="49" charset="0"/>
                 <a:cs typeface="Courier New" panose="02070309020205020404" pitchFamily="49" charset="0"/>
               </a:rPr>
-              <a:t>public static </a:t>
+              <a:t>return </a:t>
+            </a:r>
+            <a:r>
+              <a:rPr kumimoji="0" lang="en-US" altLang="en-US" sz="1400" b="0" i="0" u="none" strike="noStrike" cap="none" normalizeH="0" baseline="0" dirty="0" err="1" smtClean="0">
+                <a:ln>
+                  <a:noFill/>
+                </a:ln>
+                <a:solidFill>
+                  <a:srgbClr val="000000"/>
+                </a:solidFill>
+                <a:effectLst/>
+                <a:latin typeface="Courier New" panose="02070309020205020404" pitchFamily="49" charset="0"/>
+                <a:cs typeface="Courier New" panose="02070309020205020404" pitchFamily="49" charset="0"/>
+              </a:rPr>
+              <a:t>Optional.</a:t>
+            </a:r>
+            <a:r>
+              <a:rPr kumimoji="0" lang="en-US" altLang="en-US" sz="1400" b="0" i="1" u="none" strike="noStrike" cap="none" normalizeH="0" baseline="0" dirty="0" err="1" smtClean="0">
+                <a:ln>
+                  <a:noFill/>
+                </a:ln>
+                <a:solidFill>
+                  <a:srgbClr val="000000"/>
+                </a:solidFill>
+                <a:effectLst/>
+                <a:latin typeface="Courier New" panose="02070309020205020404" pitchFamily="49" charset="0"/>
+                <a:cs typeface="Courier New" panose="02070309020205020404" pitchFamily="49" charset="0"/>
+              </a:rPr>
+              <a:t>empty</a:t>
             </a:r>
             <a:r>
               <a:rPr kumimoji="0" lang="en-US" altLang="en-US" sz="1400" b="0" i="0" u="none" strike="noStrike" cap="none" normalizeH="0" baseline="0" dirty="0" smtClean="0">
@@ -37156,91 +37188,7 @@
                 <a:latin typeface="Courier New" panose="02070309020205020404" pitchFamily="49" charset="0"/>
                 <a:cs typeface="Courier New" panose="02070309020205020404" pitchFamily="49" charset="0"/>
               </a:rPr>
-              <a:t>Currency create(</a:t>
-            </a:r>
-            <a:r>
-              <a:rPr kumimoji="0" lang="en-US" altLang="en-US" sz="1400" b="1" i="0" u="none" strike="noStrike" cap="none" normalizeH="0" baseline="0" dirty="0" smtClean="0">
-                <a:ln>
-                  <a:noFill/>
-                </a:ln>
-                <a:solidFill>
-                  <a:srgbClr val="000080"/>
-                </a:solidFill>
-                <a:effectLst/>
-                <a:latin typeface="Courier New" panose="02070309020205020404" pitchFamily="49" charset="0"/>
-                <a:cs typeface="Courier New" panose="02070309020205020404" pitchFamily="49" charset="0"/>
-              </a:rPr>
-              <a:t>final </a:t>
-            </a:r>
-            <a:r>
-              <a:rPr kumimoji="0" lang="en-US" altLang="en-US" sz="1400" b="0" i="0" u="none" strike="noStrike" cap="none" normalizeH="0" baseline="0" dirty="0" smtClean="0">
-                <a:ln>
-                  <a:noFill/>
-                </a:ln>
-                <a:solidFill>
-                  <a:srgbClr val="000000"/>
-                </a:solidFill>
-                <a:effectLst/>
-                <a:latin typeface="Courier New" panose="02070309020205020404" pitchFamily="49" charset="0"/>
-                <a:cs typeface="Courier New" panose="02070309020205020404" pitchFamily="49" charset="0"/>
-              </a:rPr>
-              <a:t>String currency, </a:t>
-            </a:r>
-            <a:r>
-              <a:rPr kumimoji="0" lang="en-US" altLang="en-US" sz="1400" b="1" i="0" u="none" strike="noStrike" cap="none" normalizeH="0" baseline="0" dirty="0" smtClean="0">
-                <a:ln>
-                  <a:noFill/>
-                </a:ln>
-                <a:solidFill>
-                  <a:srgbClr val="000080"/>
-                </a:solidFill>
-                <a:effectLst/>
-                <a:latin typeface="Courier New" panose="02070309020205020404" pitchFamily="49" charset="0"/>
-                <a:cs typeface="Courier New" panose="02070309020205020404" pitchFamily="49" charset="0"/>
-              </a:rPr>
-              <a:t>final </a:t>
-            </a:r>
-            <a:r>
-              <a:rPr kumimoji="0" lang="en-US" altLang="en-US" sz="1400" b="0" i="0" u="none" strike="noStrike" cap="none" normalizeH="0" baseline="0" dirty="0" smtClean="0">
-                <a:ln>
-                  <a:noFill/>
-                </a:ln>
-                <a:solidFill>
-                  <a:srgbClr val="000000"/>
-                </a:solidFill>
-                <a:effectLst/>
-                <a:latin typeface="Courier New" panose="02070309020205020404" pitchFamily="49" charset="0"/>
-                <a:cs typeface="Courier New" panose="02070309020205020404" pitchFamily="49" charset="0"/>
-              </a:rPr>
-              <a:t>List&lt;String&gt; </a:t>
-            </a:r>
-            <a:r>
-              <a:rPr kumimoji="0" lang="en-US" altLang="en-US" sz="1400" b="0" i="0" u="none" strike="noStrike" cap="none" normalizeH="0" baseline="0" dirty="0" err="1" smtClean="0">
-                <a:ln>
-                  <a:noFill/>
-                </a:ln>
-                <a:solidFill>
-                  <a:srgbClr val="000000"/>
-                </a:solidFill>
-                <a:effectLst/>
-                <a:latin typeface="Courier New" panose="02070309020205020404" pitchFamily="49" charset="0"/>
-                <a:cs typeface="Courier New" panose="02070309020205020404" pitchFamily="49" charset="0"/>
-              </a:rPr>
-              <a:t>validationMessages</a:t>
-            </a:r>
-            <a:r>
-              <a:rPr kumimoji="0" lang="en-US" altLang="en-US" sz="1400" b="0" i="0" u="none" strike="noStrike" cap="none" normalizeH="0" baseline="0" dirty="0" smtClean="0">
-                <a:ln>
-                  <a:noFill/>
-                </a:ln>
-                <a:solidFill>
-                  <a:srgbClr val="000000"/>
-                </a:solidFill>
-                <a:effectLst/>
-                <a:latin typeface="Courier New" panose="02070309020205020404" pitchFamily="49" charset="0"/>
-                <a:cs typeface="Courier New" panose="02070309020205020404" pitchFamily="49" charset="0"/>
-              </a:rPr>
-              <a:t>) {</a:t>
+              <a:t>();</a:t>
             </a:r>
             <a:br>
               <a:rPr kumimoji="0" lang="en-US" altLang="en-US" sz="1400" b="0" i="0" u="none" strike="noStrike" cap="none" normalizeH="0" baseline="0" dirty="0" smtClean="0">
@@ -37267,63 +37215,7 @@
                 <a:latin typeface="Courier New" panose="02070309020205020404" pitchFamily="49" charset="0"/>
                 <a:cs typeface="Courier New" panose="02070309020205020404" pitchFamily="49" charset="0"/>
               </a:rPr>
-              <a:t>      </a:t>
-            </a:r>
-            <a:r>
-              <a:rPr kumimoji="0" lang="en-US" altLang="en-US" sz="1400" b="1" i="0" u="none" strike="noStrike" cap="none" normalizeH="0" baseline="0" dirty="0" smtClean="0">
-                <a:ln>
-                  <a:noFill/>
-                </a:ln>
-                <a:solidFill>
-                  <a:srgbClr val="000080"/>
-                </a:solidFill>
-                <a:effectLst/>
-                <a:latin typeface="Courier New" panose="02070309020205020404" pitchFamily="49" charset="0"/>
-                <a:cs typeface="Courier New" panose="02070309020205020404" pitchFamily="49" charset="0"/>
-              </a:rPr>
-              <a:t>try </a:t>
-            </a:r>
-            <a:r>
-              <a:rPr kumimoji="0" lang="en-US" altLang="en-US" sz="1400" b="0" i="0" u="none" strike="noStrike" cap="none" normalizeH="0" baseline="0" dirty="0" smtClean="0">
-                <a:ln>
-                  <a:noFill/>
-                </a:ln>
-                <a:solidFill>
-                  <a:srgbClr val="000000"/>
-                </a:solidFill>
-                <a:effectLst/>
-                <a:latin typeface="Courier New" panose="02070309020205020404" pitchFamily="49" charset="0"/>
-                <a:cs typeface="Courier New" panose="02070309020205020404" pitchFamily="49" charset="0"/>
-              </a:rPr>
-              <a:t>{ </a:t>
-            </a:r>
-            <a:r>
-              <a:rPr kumimoji="0" lang="en-US" altLang="en-US" sz="1400" b="1" i="0" u="none" strike="noStrike" cap="none" normalizeH="0" baseline="0" dirty="0" smtClean="0">
-                <a:ln>
-                  <a:noFill/>
-                </a:ln>
-                <a:solidFill>
-                  <a:srgbClr val="000080"/>
-                </a:solidFill>
-                <a:effectLst/>
-                <a:latin typeface="Courier New" panose="02070309020205020404" pitchFamily="49" charset="0"/>
-                <a:cs typeface="Courier New" panose="02070309020205020404" pitchFamily="49" charset="0"/>
-              </a:rPr>
-              <a:t>return new </a:t>
-            </a:r>
-            <a:r>
-              <a:rPr kumimoji="0" lang="en-US" altLang="en-US" sz="1400" b="0" i="0" u="none" strike="noStrike" cap="none" normalizeH="0" baseline="0" dirty="0" smtClean="0">
-                <a:ln>
-                  <a:noFill/>
-                </a:ln>
-                <a:solidFill>
-                  <a:srgbClr val="000000"/>
-                </a:solidFill>
-                <a:effectLst/>
-                <a:latin typeface="Courier New" panose="02070309020205020404" pitchFamily="49" charset="0"/>
-                <a:cs typeface="Courier New" panose="02070309020205020404" pitchFamily="49" charset="0"/>
-              </a:rPr>
-              <a:t>Currency(currency); }</a:t>
+              <a:t>    }</a:t>
             </a:r>
             <a:br>
               <a:rPr kumimoji="0" lang="en-US" altLang="en-US" sz="1400" b="0" i="0" u="none" strike="noStrike" cap="none" normalizeH="0" baseline="0" dirty="0" smtClean="0">
@@ -37338,45 +37230,6 @@
                 <a:cs typeface="Courier New" panose="02070309020205020404" pitchFamily="49" charset="0"/>
               </a:rPr>
             </a:br>
-            <a:endParaRPr kumimoji="0" lang="en-US" altLang="en-US" sz="1400" b="0" i="0" u="none" strike="noStrike" cap="none" normalizeH="0" baseline="0" dirty="0" smtClean="0">
-              <a:ln>
-                <a:noFill/>
-              </a:ln>
-              <a:solidFill>
-                <a:srgbClr val="000000"/>
-              </a:solidFill>
-              <a:effectLst/>
-              <a:latin typeface="Courier New" panose="02070309020205020404" pitchFamily="49" charset="0"/>
-              <a:cs typeface="Courier New" panose="02070309020205020404" pitchFamily="49" charset="0"/>
-            </a:endParaRPr>
-          </a:p>
-          <a:p>
-            <a:pPr marL="0" marR="0" lvl="0" indent="0" algn="l" defTabSz="914400" rtl="0" eaLnBrk="0" fontAlgn="base" latinLnBrk="0" hangingPunct="0">
-              <a:lnSpc>
-                <a:spcPct val="100000"/>
-              </a:lnSpc>
-              <a:spcBef>
-                <a:spcPct val="0"/>
-              </a:spcBef>
-              <a:spcAft>
-                <a:spcPct val="0"/>
-              </a:spcAft>
-              <a:buClrTx/>
-              <a:buSzTx/>
-              <a:buFontTx/>
-              <a:buNone/>
-              <a:tabLst/>
-            </a:pPr>
-            <a:r>
-              <a:rPr lang="en-US" altLang="en-US" sz="1400" dirty="0" smtClean="0">
-                <a:solidFill>
-                  <a:srgbClr val="000000"/>
-                </a:solidFill>
-                <a:latin typeface="Courier New" panose="02070309020205020404" pitchFamily="49" charset="0"/>
-                <a:cs typeface="Courier New" panose="02070309020205020404" pitchFamily="49" charset="0"/>
-              </a:rPr>
-              <a:t>     </a:t>
-            </a:r>
             <a:r>
               <a:rPr kumimoji="0" lang="en-US" altLang="en-US" sz="1400" b="0" i="0" u="none" strike="noStrike" cap="none" normalizeH="0" baseline="0" dirty="0" smtClean="0">
                 <a:ln>
@@ -37389,7 +37242,7 @@
                 <a:latin typeface="Courier New" panose="02070309020205020404" pitchFamily="49" charset="0"/>
                 <a:cs typeface="Courier New" panose="02070309020205020404" pitchFamily="49" charset="0"/>
               </a:rPr>
-              <a:t> </a:t>
+              <a:t>    </a:t>
             </a:r>
             <a:r>
               <a:rPr kumimoji="0" lang="en-US" altLang="en-US" sz="1400" b="1" i="0" u="none" strike="noStrike" cap="none" normalizeH="0" baseline="0" dirty="0" smtClean="0">
@@ -37403,7 +37256,35 @@
                 <a:latin typeface="Courier New" panose="02070309020205020404" pitchFamily="49" charset="0"/>
                 <a:cs typeface="Courier New" panose="02070309020205020404" pitchFamily="49" charset="0"/>
               </a:rPr>
-              <a:t>catch </a:t>
+              <a:t>return </a:t>
+            </a:r>
+            <a:r>
+              <a:rPr kumimoji="0" lang="en-US" altLang="en-US" sz="1400" b="0" i="0" u="none" strike="noStrike" cap="none" normalizeH="0" baseline="0" dirty="0" err="1" smtClean="0">
+                <a:ln>
+                  <a:noFill/>
+                </a:ln>
+                <a:solidFill>
+                  <a:srgbClr val="000000"/>
+                </a:solidFill>
+                <a:effectLst/>
+                <a:latin typeface="Courier New" panose="02070309020205020404" pitchFamily="49" charset="0"/>
+                <a:cs typeface="Courier New" panose="02070309020205020404" pitchFamily="49" charset="0"/>
+              </a:rPr>
+              <a:t>Optional.</a:t>
+            </a:r>
+            <a:r>
+              <a:rPr kumimoji="0" lang="en-US" altLang="en-US" sz="1400" b="0" i="1" u="none" strike="noStrike" cap="none" normalizeH="0" baseline="0" dirty="0" err="1" smtClean="0">
+                <a:ln>
+                  <a:noFill/>
+                </a:ln>
+                <a:solidFill>
+                  <a:srgbClr val="000000"/>
+                </a:solidFill>
+                <a:effectLst/>
+                <a:latin typeface="Courier New" panose="02070309020205020404" pitchFamily="49" charset="0"/>
+                <a:cs typeface="Courier New" panose="02070309020205020404" pitchFamily="49" charset="0"/>
+              </a:rPr>
+              <a:t>of</a:t>
             </a:r>
             <a:r>
               <a:rPr kumimoji="0" lang="en-US" altLang="en-US" sz="1400" b="0" i="0" u="none" strike="noStrike" cap="none" normalizeH="0" baseline="0" dirty="0" smtClean="0">
@@ -37431,7 +37312,21 @@
                 <a:latin typeface="Courier New" panose="02070309020205020404" pitchFamily="49" charset="0"/>
                 <a:cs typeface="Courier New" panose="02070309020205020404" pitchFamily="49" charset="0"/>
               </a:rPr>
-              <a:t>final </a:t>
+              <a:t>new </a:t>
+            </a:r>
+            <a:r>
+              <a:rPr kumimoji="0" lang="en-US" altLang="en-US" sz="1400" b="0" i="0" u="none" strike="noStrike" cap="none" normalizeH="0" baseline="0" dirty="0" smtClean="0">
+                <a:ln>
+                  <a:noFill/>
+                </a:ln>
+                <a:solidFill>
+                  <a:srgbClr val="000000"/>
+                </a:solidFill>
+                <a:effectLst/>
+                <a:latin typeface="Courier New" panose="02070309020205020404" pitchFamily="49" charset="0"/>
+                <a:cs typeface="Courier New" panose="02070309020205020404" pitchFamily="49" charset="0"/>
+              </a:rPr>
+              <a:t>Currency(</a:t>
             </a:r>
             <a:r>
               <a:rPr kumimoji="0" lang="en-US" altLang="en-US" sz="1400" b="0" i="0" u="none" strike="noStrike" cap="none" normalizeH="0" baseline="0" dirty="0" err="1" smtClean="0">
@@ -37445,7 +37340,7 @@
                 <a:latin typeface="Courier New" panose="02070309020205020404" pitchFamily="49" charset="0"/>
                 <a:cs typeface="Courier New" panose="02070309020205020404" pitchFamily="49" charset="0"/>
               </a:rPr>
-              <a:t>BusinessRuleNotSatisfied</a:t>
+              <a:t>currencyCode</a:t>
             </a:r>
             <a:r>
               <a:rPr kumimoji="0" lang="en-US" altLang="en-US" sz="1400" b="0" i="0" u="none" strike="noStrike" cap="none" normalizeH="0" baseline="0" dirty="0" smtClean="0">
@@ -37459,35 +37354,7 @@
                 <a:latin typeface="Courier New" panose="02070309020205020404" pitchFamily="49" charset="0"/>
                 <a:cs typeface="Courier New" panose="02070309020205020404" pitchFamily="49" charset="0"/>
               </a:rPr>
-              <a:t> </a:t>
-            </a:r>
-            <a:r>
-              <a:rPr kumimoji="0" lang="en-US" altLang="en-US" sz="1400" b="0" i="0" u="none" strike="noStrike" cap="none" normalizeH="0" baseline="0" dirty="0" err="1" smtClean="0">
-                <a:ln>
-                  <a:noFill/>
-                </a:ln>
-                <a:solidFill>
-                  <a:srgbClr val="000000"/>
-                </a:solidFill>
-                <a:effectLst/>
-                <a:latin typeface="Courier New" panose="02070309020205020404" pitchFamily="49" charset="0"/>
-                <a:cs typeface="Courier New" panose="02070309020205020404" pitchFamily="49" charset="0"/>
-              </a:rPr>
-              <a:t>businessRuleNotSatisfied</a:t>
-            </a:r>
-            <a:r>
-              <a:rPr kumimoji="0" lang="en-US" altLang="en-US" sz="1400" b="0" i="0" u="none" strike="noStrike" cap="none" normalizeH="0" baseline="0" dirty="0" smtClean="0">
-                <a:ln>
-                  <a:noFill/>
-                </a:ln>
-                <a:solidFill>
-                  <a:srgbClr val="000000"/>
-                </a:solidFill>
-                <a:effectLst/>
-                <a:latin typeface="Courier New" panose="02070309020205020404" pitchFamily="49" charset="0"/>
-                <a:cs typeface="Courier New" panose="02070309020205020404" pitchFamily="49" charset="0"/>
-              </a:rPr>
-              <a:t>) {</a:t>
+              <a:t>));</a:t>
             </a:r>
             <a:br>
               <a:rPr kumimoji="0" lang="en-US" altLang="en-US" sz="1400" b="0" i="0" u="none" strike="noStrike" cap="none" normalizeH="0" baseline="0" dirty="0" smtClean="0">
@@ -37514,174 +37381,9 @@
                 <a:latin typeface="Courier New" panose="02070309020205020404" pitchFamily="49" charset="0"/>
                 <a:cs typeface="Courier New" panose="02070309020205020404" pitchFamily="49" charset="0"/>
               </a:rPr>
-              <a:t>          </a:t>
-            </a:r>
-            <a:r>
-              <a:rPr kumimoji="0" lang="en-US" altLang="en-US" sz="1400" b="0" i="0" u="none" strike="noStrike" cap="none" normalizeH="0" baseline="0" dirty="0" err="1" smtClean="0">
-                <a:ln>
-                  <a:noFill/>
-                </a:ln>
-                <a:solidFill>
-                  <a:srgbClr val="000000"/>
-                </a:solidFill>
-                <a:effectLst/>
-                <a:latin typeface="Courier New" panose="02070309020205020404" pitchFamily="49" charset="0"/>
-                <a:cs typeface="Courier New" panose="02070309020205020404" pitchFamily="49" charset="0"/>
-              </a:rPr>
-              <a:t>validationMessages.addAll</a:t>
-            </a:r>
-            <a:r>
-              <a:rPr kumimoji="0" lang="en-US" altLang="en-US" sz="1400" b="0" i="0" u="none" strike="noStrike" cap="none" normalizeH="0" baseline="0" dirty="0" smtClean="0">
-                <a:ln>
-                  <a:noFill/>
-                </a:ln>
-                <a:solidFill>
-                  <a:srgbClr val="000000"/>
-                </a:solidFill>
-                <a:effectLst/>
-                <a:latin typeface="Courier New" panose="02070309020205020404" pitchFamily="49" charset="0"/>
-                <a:cs typeface="Courier New" panose="02070309020205020404" pitchFamily="49" charset="0"/>
-              </a:rPr>
-              <a:t>(</a:t>
-            </a:r>
-            <a:r>
-              <a:rPr kumimoji="0" lang="en-US" altLang="en-US" sz="1400" b="0" i="0" u="none" strike="noStrike" cap="none" normalizeH="0" baseline="0" dirty="0" err="1" smtClean="0">
-                <a:ln>
-                  <a:noFill/>
-                </a:ln>
-                <a:solidFill>
-                  <a:srgbClr val="000000"/>
-                </a:solidFill>
-                <a:effectLst/>
-                <a:latin typeface="Courier New" panose="02070309020205020404" pitchFamily="49" charset="0"/>
-                <a:cs typeface="Courier New" panose="02070309020205020404" pitchFamily="49" charset="0"/>
-              </a:rPr>
-              <a:t>businessRuleNotSatisfied.getValidationMessages</a:t>
-            </a:r>
-            <a:r>
-              <a:rPr kumimoji="0" lang="en-US" altLang="en-US" sz="1400" b="0" i="0" u="none" strike="noStrike" cap="none" normalizeH="0" baseline="0" dirty="0" smtClean="0">
-                <a:ln>
-                  <a:noFill/>
-                </a:ln>
-                <a:solidFill>
-                  <a:srgbClr val="000000"/>
-                </a:solidFill>
-                <a:effectLst/>
-                <a:latin typeface="Courier New" panose="02070309020205020404" pitchFamily="49" charset="0"/>
-                <a:cs typeface="Courier New" panose="02070309020205020404" pitchFamily="49" charset="0"/>
-              </a:rPr>
-              <a:t>());</a:t>
-            </a:r>
-            <a:br>
-              <a:rPr kumimoji="0" lang="en-US" altLang="en-US" sz="1400" b="0" i="0" u="none" strike="noStrike" cap="none" normalizeH="0" baseline="0" dirty="0" smtClean="0">
-                <a:ln>
-                  <a:noFill/>
-                </a:ln>
-                <a:solidFill>
-                  <a:srgbClr val="000000"/>
-                </a:solidFill>
-                <a:effectLst/>
-                <a:latin typeface="Courier New" panose="02070309020205020404" pitchFamily="49" charset="0"/>
-                <a:cs typeface="Courier New" panose="02070309020205020404" pitchFamily="49" charset="0"/>
-              </a:rPr>
-            </a:br>
-            <a:r>
-              <a:rPr kumimoji="0" lang="en-US" altLang="en-US" sz="1400" b="0" i="0" u="none" strike="noStrike" cap="none" normalizeH="0" baseline="0" dirty="0" smtClean="0">
-                <a:ln>
-                  <a:noFill/>
-                </a:ln>
-                <a:solidFill>
-                  <a:srgbClr val="000000"/>
-                </a:solidFill>
-                <a:effectLst/>
-                <a:latin typeface="Courier New" panose="02070309020205020404" pitchFamily="49" charset="0"/>
-                <a:cs typeface="Courier New" panose="02070309020205020404" pitchFamily="49" charset="0"/>
-              </a:rPr>
-              <a:t>      }</a:t>
-            </a:r>
-            <a:br>
-              <a:rPr kumimoji="0" lang="en-US" altLang="en-US" sz="1400" b="0" i="0" u="none" strike="noStrike" cap="none" normalizeH="0" baseline="0" dirty="0" smtClean="0">
-                <a:ln>
-                  <a:noFill/>
-                </a:ln>
-                <a:solidFill>
-                  <a:srgbClr val="000000"/>
-                </a:solidFill>
-                <a:effectLst/>
-                <a:latin typeface="Courier New" panose="02070309020205020404" pitchFamily="49" charset="0"/>
-                <a:cs typeface="Courier New" panose="02070309020205020404" pitchFamily="49" charset="0"/>
-              </a:rPr>
-            </a:br>
-            <a:r>
-              <a:rPr kumimoji="0" lang="en-US" altLang="en-US" sz="1400" b="0" i="0" u="none" strike="noStrike" cap="none" normalizeH="0" baseline="0" dirty="0" smtClean="0">
-                <a:ln>
-                  <a:noFill/>
-                </a:ln>
-                <a:solidFill>
-                  <a:srgbClr val="000000"/>
-                </a:solidFill>
-                <a:effectLst/>
-                <a:latin typeface="Courier New" panose="02070309020205020404" pitchFamily="49" charset="0"/>
-                <a:cs typeface="Courier New" panose="02070309020205020404" pitchFamily="49" charset="0"/>
-              </a:rPr>
-              <a:t>      </a:t>
-            </a:r>
-            <a:r>
-              <a:rPr kumimoji="0" lang="en-US" altLang="en-US" sz="1400" b="1" i="0" u="none" strike="noStrike" cap="none" normalizeH="0" baseline="0" dirty="0" smtClean="0">
-                <a:ln>
-                  <a:noFill/>
-                </a:ln>
-                <a:solidFill>
-                  <a:srgbClr val="000080"/>
-                </a:solidFill>
-                <a:effectLst/>
-                <a:latin typeface="Courier New" panose="02070309020205020404" pitchFamily="49" charset="0"/>
-                <a:cs typeface="Courier New" panose="02070309020205020404" pitchFamily="49" charset="0"/>
-              </a:rPr>
-              <a:t>return null</a:t>
-            </a:r>
-            <a:r>
-              <a:rPr kumimoji="0" lang="en-US" altLang="en-US" sz="1400" b="0" i="0" u="none" strike="noStrike" cap="none" normalizeH="0" baseline="0" dirty="0" smtClean="0">
-                <a:ln>
-                  <a:noFill/>
-                </a:ln>
-                <a:solidFill>
-                  <a:srgbClr val="000000"/>
-                </a:solidFill>
-                <a:effectLst/>
-                <a:latin typeface="Courier New" panose="02070309020205020404" pitchFamily="49" charset="0"/>
-                <a:cs typeface="Courier New" panose="02070309020205020404" pitchFamily="49" charset="0"/>
-              </a:rPr>
-              <a:t>;</a:t>
-            </a:r>
-            <a:br>
-              <a:rPr kumimoji="0" lang="en-US" altLang="en-US" sz="1400" b="0" i="0" u="none" strike="noStrike" cap="none" normalizeH="0" baseline="0" dirty="0" smtClean="0">
-                <a:ln>
-                  <a:noFill/>
-                </a:ln>
-                <a:solidFill>
-                  <a:srgbClr val="000000"/>
-                </a:solidFill>
-                <a:effectLst/>
-                <a:latin typeface="Courier New" panose="02070309020205020404" pitchFamily="49" charset="0"/>
-                <a:cs typeface="Courier New" panose="02070309020205020404" pitchFamily="49" charset="0"/>
-              </a:rPr>
-            </a:br>
-            <a:r>
-              <a:rPr kumimoji="0" lang="en-US" altLang="en-US" sz="1400" b="0" i="0" u="none" strike="noStrike" cap="none" normalizeH="0" baseline="0" dirty="0" smtClean="0">
-                <a:ln>
-                  <a:noFill/>
-                </a:ln>
-                <a:solidFill>
-                  <a:srgbClr val="000000"/>
-                </a:solidFill>
-                <a:effectLst/>
-                <a:latin typeface="Courier New" panose="02070309020205020404" pitchFamily="49" charset="0"/>
-                <a:cs typeface="Courier New" panose="02070309020205020404" pitchFamily="49" charset="0"/>
-              </a:rPr>
-              <a:t>  }</a:t>
-            </a:r>
-            <a:endParaRPr kumimoji="0" lang="en-US" altLang="en-US" sz="1800" b="0" i="0" u="none" strike="noStrike" cap="none" normalizeH="0" baseline="0" dirty="0" smtClean="0">
+              <a:t>}</a:t>
+            </a:r>
+            <a:endParaRPr kumimoji="0" lang="en-US" altLang="en-US" sz="3600" b="0" i="0" u="none" strike="noStrike" cap="none" normalizeH="0" baseline="0" dirty="0" smtClean="0">
               <a:ln>
                 <a:noFill/>
               </a:ln>
@@ -37707,275 +37409,9 @@
   <p:timing>
     <p:tnLst>
       <p:par>
-        <p:cTn id="1" dur="indefinite" restart="never" nodeType="tmRoot">
-          <p:childTnLst>
-            <p:seq concurrent="1" nextAc="seek">
-              <p:cTn id="2" dur="indefinite" nodeType="mainSeq">
-                <p:childTnLst>
-                  <p:par>
-                    <p:cTn id="3" fill="hold">
-                      <p:stCondLst>
-                        <p:cond delay="indefinite"/>
-                      </p:stCondLst>
-                      <p:childTnLst>
-                        <p:par>
-                          <p:cTn id="4" fill="hold">
-                            <p:stCondLst>
-                              <p:cond delay="0"/>
-                            </p:stCondLst>
-                            <p:childTnLst>
-                              <p:par>
-                                <p:cTn id="5" presetID="10" presetClass="entr" presetSubtype="0" fill="hold" grpId="0" nodeType="clickEffect">
-                                  <p:stCondLst>
-                                    <p:cond delay="0"/>
-                                  </p:stCondLst>
-                                  <p:childTnLst>
-                                    <p:set>
-                                      <p:cBhvr>
-                                        <p:cTn id="6" dur="1" fill="hold">
-                                          <p:stCondLst>
-                                            <p:cond delay="0"/>
-                                          </p:stCondLst>
-                                        </p:cTn>
-                                        <p:tgtEl>
-                                          <p:spTgt spid="8">
-                                            <p:bg/>
-                                          </p:spTgt>
-                                        </p:tgtEl>
-                                        <p:attrNameLst>
-                                          <p:attrName>style.visibility</p:attrName>
-                                        </p:attrNameLst>
-                                      </p:cBhvr>
-                                      <p:to>
-                                        <p:strVal val="visible"/>
-                                      </p:to>
-                                    </p:set>
-                                    <p:animEffect transition="in" filter="fade">
-                                      <p:cBhvr>
-                                        <p:cTn id="7" dur="500"/>
-                                        <p:tgtEl>
-                                          <p:spTgt spid="8">
-                                            <p:bg/>
-                                          </p:spTgt>
-                                        </p:tgtEl>
-                                      </p:cBhvr>
-                                    </p:animEffect>
-                                  </p:childTnLst>
-                                </p:cTn>
-                              </p:par>
-                            </p:childTnLst>
-                          </p:cTn>
-                        </p:par>
-                      </p:childTnLst>
-                    </p:cTn>
-                  </p:par>
-                  <p:par>
-                    <p:cTn id="8" fill="hold">
-                      <p:stCondLst>
-                        <p:cond delay="indefinite"/>
-                      </p:stCondLst>
-                      <p:childTnLst>
-                        <p:par>
-                          <p:cTn id="9" fill="hold">
-                            <p:stCondLst>
-                              <p:cond delay="0"/>
-                            </p:stCondLst>
-                            <p:childTnLst>
-                              <p:par>
-                                <p:cTn id="10" presetID="10" presetClass="entr" presetSubtype="0" fill="hold" grpId="0" nodeType="clickEffect">
-                                  <p:stCondLst>
-                                    <p:cond delay="0"/>
-                                  </p:stCondLst>
-                                  <p:childTnLst>
-                                    <p:set>
-                                      <p:cBhvr>
-                                        <p:cTn id="11" dur="1" fill="hold">
-                                          <p:stCondLst>
-                                            <p:cond delay="0"/>
-                                          </p:stCondLst>
-                                        </p:cTn>
-                                        <p:tgtEl>
-                                          <p:spTgt spid="8">
-                                            <p:txEl>
-                                              <p:pRg st="0" end="0"/>
-                                            </p:txEl>
-                                          </p:spTgt>
-                                        </p:tgtEl>
-                                        <p:attrNameLst>
-                                          <p:attrName>style.visibility</p:attrName>
-                                        </p:attrNameLst>
-                                      </p:cBhvr>
-                                      <p:to>
-                                        <p:strVal val="visible"/>
-                                      </p:to>
-                                    </p:set>
-                                    <p:animEffect transition="in" filter="fade">
-                                      <p:cBhvr>
-                                        <p:cTn id="12" dur="500"/>
-                                        <p:tgtEl>
-                                          <p:spTgt spid="8">
-                                            <p:txEl>
-                                              <p:pRg st="0" end="0"/>
-                                            </p:txEl>
-                                          </p:spTgt>
-                                        </p:tgtEl>
-                                      </p:cBhvr>
-                                    </p:animEffect>
-                                  </p:childTnLst>
-                                </p:cTn>
-                              </p:par>
-                            </p:childTnLst>
-                          </p:cTn>
-                        </p:par>
-                      </p:childTnLst>
-                    </p:cTn>
-                  </p:par>
-                  <p:par>
-                    <p:cTn id="13" fill="hold">
-                      <p:stCondLst>
-                        <p:cond delay="indefinite"/>
-                      </p:stCondLst>
-                      <p:childTnLst>
-                        <p:par>
-                          <p:cTn id="14" fill="hold">
-                            <p:stCondLst>
-                              <p:cond delay="0"/>
-                            </p:stCondLst>
-                            <p:childTnLst>
-                              <p:par>
-                                <p:cTn id="15" presetID="10" presetClass="entr" presetSubtype="0" fill="hold" grpId="0" nodeType="clickEffect">
-                                  <p:stCondLst>
-                                    <p:cond delay="0"/>
-                                  </p:stCondLst>
-                                  <p:childTnLst>
-                                    <p:set>
-                                      <p:cBhvr>
-                                        <p:cTn id="16" dur="1" fill="hold">
-                                          <p:stCondLst>
-                                            <p:cond delay="0"/>
-                                          </p:stCondLst>
-                                        </p:cTn>
-                                        <p:tgtEl>
-                                          <p:spTgt spid="8">
-                                            <p:txEl>
-                                              <p:pRg st="1" end="1"/>
-                                            </p:txEl>
-                                          </p:spTgt>
-                                        </p:tgtEl>
-                                        <p:attrNameLst>
-                                          <p:attrName>style.visibility</p:attrName>
-                                        </p:attrNameLst>
-                                      </p:cBhvr>
-                                      <p:to>
-                                        <p:strVal val="visible"/>
-                                      </p:to>
-                                    </p:set>
-                                    <p:animEffect transition="in" filter="fade">
-                                      <p:cBhvr>
-                                        <p:cTn id="17" dur="500"/>
-                                        <p:tgtEl>
-                                          <p:spTgt spid="8">
-                                            <p:txEl>
-                                              <p:pRg st="1" end="1"/>
-                                            </p:txEl>
-                                          </p:spTgt>
-                                        </p:tgtEl>
-                                      </p:cBhvr>
-                                    </p:animEffect>
-                                  </p:childTnLst>
-                                </p:cTn>
-                              </p:par>
-                            </p:childTnLst>
-                          </p:cTn>
-                        </p:par>
-                      </p:childTnLst>
-                    </p:cTn>
-                  </p:par>
-                  <p:par>
-                    <p:cTn id="18" fill="hold">
-                      <p:stCondLst>
-                        <p:cond delay="indefinite"/>
-                      </p:stCondLst>
-                      <p:childTnLst>
-                        <p:par>
-                          <p:cTn id="19" fill="hold">
-                            <p:stCondLst>
-                              <p:cond delay="0"/>
-                            </p:stCondLst>
-                            <p:childTnLst>
-                              <p:par>
-                                <p:cTn id="20" presetID="10" presetClass="entr" presetSubtype="0" fill="hold" grpId="0" nodeType="clickEffect">
-                                  <p:stCondLst>
-                                    <p:cond delay="0"/>
-                                  </p:stCondLst>
-                                  <p:childTnLst>
-                                    <p:set>
-                                      <p:cBhvr>
-                                        <p:cTn id="21" dur="1" fill="hold">
-                                          <p:stCondLst>
-                                            <p:cond delay="0"/>
-                                          </p:stCondLst>
-                                        </p:cTn>
-                                        <p:tgtEl>
-                                          <p:spTgt spid="8">
-                                            <p:txEl>
-                                              <p:pRg st="2" end="2"/>
-                                            </p:txEl>
-                                          </p:spTgt>
-                                        </p:tgtEl>
-                                        <p:attrNameLst>
-                                          <p:attrName>style.visibility</p:attrName>
-                                        </p:attrNameLst>
-                                      </p:cBhvr>
-                                      <p:to>
-                                        <p:strVal val="visible"/>
-                                      </p:to>
-                                    </p:set>
-                                    <p:animEffect transition="in" filter="fade">
-                                      <p:cBhvr>
-                                        <p:cTn id="22" dur="500"/>
-                                        <p:tgtEl>
-                                          <p:spTgt spid="8">
-                                            <p:txEl>
-                                              <p:pRg st="2" end="2"/>
-                                            </p:txEl>
-                                          </p:spTgt>
-                                        </p:tgtEl>
-                                      </p:cBhvr>
-                                    </p:animEffect>
-                                  </p:childTnLst>
-                                </p:cTn>
-                              </p:par>
-                            </p:childTnLst>
-                          </p:cTn>
-                        </p:par>
-                      </p:childTnLst>
-                    </p:cTn>
-                  </p:par>
-                </p:childTnLst>
-              </p:cTn>
-              <p:prevCondLst>
-                <p:cond evt="onPrev" delay="0">
-                  <p:tgtEl>
-                    <p:sldTgt/>
-                  </p:tgtEl>
-                </p:cond>
-              </p:prevCondLst>
-              <p:nextCondLst>
-                <p:cond evt="onNext" delay="0">
-                  <p:tgtEl>
-                    <p:sldTgt/>
-                  </p:tgtEl>
-                </p:cond>
-              </p:nextCondLst>
-            </p:seq>
-          </p:childTnLst>
-        </p:cTn>
+        <p:cTn id="1" dur="indefinite" restart="never" nodeType="tmRoot"/>
       </p:par>
     </p:tnLst>
-    <p:bldLst>
-      <p:bldP spid="8" grpId="0" build="p" animBg="1"/>
-    </p:bldLst>
   </p:timing>
 </p:sld>
 </file>
@@ -48357,11 +47793,7 @@
           <a:p>
             <a:r>
               <a:rPr lang="en-US" dirty="0" smtClean="0"/>
-              <a:t>What developers need to </a:t>
-            </a:r>
-            <a:r>
-              <a:rPr lang="en-US" dirty="0" smtClean="0"/>
-              <a:t>do as well</a:t>
+              <a:t>What developers need to do as well</a:t>
             </a:r>
             <a:r>
               <a:rPr lang="en-NL" dirty="0" smtClean="0"/>
@@ -51815,6 +51247,12 @@
 </file>
 
 <file path=customXml/item1.xml><?xml version="1.0" encoding="utf-8"?>
+<p:properties xmlns:p="http://schemas.microsoft.com/office/2006/metadata/properties" xmlns:xsi="http://www.w3.org/2001/XMLSchema-instance" xmlns:pc="http://schemas.microsoft.com/office/infopath/2007/PartnerControls">
+  <documentManagement/>
+</p:properties>
+</file>
+
+<file path=customXml/item2.xml><?xml version="1.0" encoding="utf-8"?>
 <ct:contentTypeSchema xmlns:ct="http://schemas.microsoft.com/office/2006/metadata/contentType" xmlns:ma="http://schemas.microsoft.com/office/2006/metadata/properties/metaAttributes" ct:_="" ma:_="" ma:contentTypeName="Document" ma:contentTypeID="0x0101000858805C9A31ED4698AA5994F7540466" ma:contentTypeVersion="1" ma:contentTypeDescription="Een nieuw document maken." ma:contentTypeScope="" ma:versionID="5cab34e6f8d54d32c51f192539e9981c">
   <xsd:schema xmlns:xsd="http://www.w3.org/2001/XMLSchema" xmlns:xs="http://www.w3.org/2001/XMLSchema" xmlns:p="http://schemas.microsoft.com/office/2006/metadata/properties" xmlns:ns2="a73fd6a0-a740-4ca0-a47f-6beba88ccc77" targetNamespace="http://schemas.microsoft.com/office/2006/metadata/properties" ma:root="true" ma:fieldsID="10b3ae9c115bae24efdfd9076c93080b" ns2:_="">
     <xsd:import namespace="a73fd6a0-a740-4ca0-a47f-6beba88ccc77"/>
@@ -51954,12 +51392,6 @@
 </ct:contentTypeSchema>
 </file>
 
-<file path=customXml/item2.xml><?xml version="1.0" encoding="utf-8"?>
-<p:properties xmlns:p="http://schemas.microsoft.com/office/2006/metadata/properties" xmlns:xsi="http://www.w3.org/2001/XMLSchema-instance" xmlns:pc="http://schemas.microsoft.com/office/infopath/2007/PartnerControls">
-  <documentManagement/>
-</p:properties>
-</file>
-
 <file path=customXml/item3.xml><?xml version="1.0" encoding="utf-8"?>
 <?mso-contentType ?>
 <FormTemplates xmlns="http://schemas.microsoft.com/sharepoint/v3/contenttype/forms">
@@ -51970,6 +51402,22 @@
 </file>
 
 <file path=customXml/itemProps1.xml><?xml version="1.0" encoding="utf-8"?>
+<ds:datastoreItem xmlns:ds="http://schemas.openxmlformats.org/officeDocument/2006/customXml" ds:itemID="{F8AE8C2F-0717-4D42-B44A-CAECCF122A1A}">
+  <ds:schemaRefs>
+    <ds:schemaRef ds:uri="http://schemas.microsoft.com/office/2006/documentManagement/types"/>
+    <ds:schemaRef ds:uri="http://purl.org/dc/terms/"/>
+    <ds:schemaRef ds:uri="http://schemas.openxmlformats.org/package/2006/metadata/core-properties"/>
+    <ds:schemaRef ds:uri="http://purl.org/dc/dcmitype/"/>
+    <ds:schemaRef ds:uri="http://schemas.microsoft.com/office/infopath/2007/PartnerControls"/>
+    <ds:schemaRef ds:uri="http://purl.org/dc/elements/1.1/"/>
+    <ds:schemaRef ds:uri="http://schemas.microsoft.com/office/2006/metadata/properties"/>
+    <ds:schemaRef ds:uri="a73fd6a0-a740-4ca0-a47f-6beba88ccc77"/>
+    <ds:schemaRef ds:uri="http://www.w3.org/XML/1998/namespace"/>
+  </ds:schemaRefs>
+</ds:datastoreItem>
+</file>
+
+<file path=customXml/itemProps2.xml><?xml version="1.0" encoding="utf-8"?>
 <ds:datastoreItem xmlns:ds="http://schemas.openxmlformats.org/officeDocument/2006/customXml" ds:itemID="{9AC0CDE9-3E35-44FD-A63A-9795CF527D47}">
   <ds:schemaRefs>
     <ds:schemaRef ds:uri="http://schemas.microsoft.com/office/2006/metadata/contentType"/>
@@ -51987,22 +51435,6 @@
 </ds:datastoreItem>
 </file>
 
-<file path=customXml/itemProps2.xml><?xml version="1.0" encoding="utf-8"?>
-<ds:datastoreItem xmlns:ds="http://schemas.openxmlformats.org/officeDocument/2006/customXml" ds:itemID="{F8AE8C2F-0717-4D42-B44A-CAECCF122A1A}">
-  <ds:schemaRefs>
-    <ds:schemaRef ds:uri="http://schemas.microsoft.com/office/2006/documentManagement/types"/>
-    <ds:schemaRef ds:uri="http://purl.org/dc/terms/"/>
-    <ds:schemaRef ds:uri="http://schemas.openxmlformats.org/package/2006/metadata/core-properties"/>
-    <ds:schemaRef ds:uri="http://purl.org/dc/dcmitype/"/>
-    <ds:schemaRef ds:uri="http://schemas.microsoft.com/office/infopath/2007/PartnerControls"/>
-    <ds:schemaRef ds:uri="http://purl.org/dc/elements/1.1/"/>
-    <ds:schemaRef ds:uri="http://schemas.microsoft.com/office/2006/metadata/properties"/>
-    <ds:schemaRef ds:uri="a73fd6a0-a740-4ca0-a47f-6beba88ccc77"/>
-    <ds:schemaRef ds:uri="http://www.w3.org/XML/1998/namespace"/>
-  </ds:schemaRefs>
-</ds:datastoreItem>
-</file>
-
 <file path=customXml/itemProps3.xml><?xml version="1.0" encoding="utf-8"?>
 <ds:datastoreItem xmlns:ds="http://schemas.openxmlformats.org/officeDocument/2006/customXml" ds:itemID="{4522A51C-073F-4C45-9170-ECE5951F4DEA}">
   <ds:schemaRefs>

--- a/ddd.pptx
+++ b/ddd.pptx
@@ -6,10 +6,10 @@
     <p:sldMasterId id="2147483669" r:id="rId5"/>
   </p:sldMasterIdLst>
   <p:notesMasterIdLst>
-    <p:notesMasterId r:id="rId42"/>
+    <p:notesMasterId r:id="rId44"/>
   </p:notesMasterIdLst>
   <p:handoutMasterIdLst>
-    <p:handoutMasterId r:id="rId43"/>
+    <p:handoutMasterId r:id="rId45"/>
   </p:handoutMasterIdLst>
   <p:sldIdLst>
     <p:sldId id="256" r:id="rId6"/>
@@ -38,16 +38,18 @@
     <p:sldId id="278" r:id="rId29"/>
     <p:sldId id="279" r:id="rId30"/>
     <p:sldId id="280" r:id="rId31"/>
-    <p:sldId id="281" r:id="rId32"/>
-    <p:sldId id="282" r:id="rId33"/>
-    <p:sldId id="283" r:id="rId34"/>
-    <p:sldId id="284" r:id="rId35"/>
-    <p:sldId id="285" r:id="rId36"/>
-    <p:sldId id="286" r:id="rId37"/>
-    <p:sldId id="290" r:id="rId38"/>
-    <p:sldId id="287" r:id="rId39"/>
-    <p:sldId id="288" r:id="rId40"/>
-    <p:sldId id="289" r:id="rId41"/>
+    <p:sldId id="294" r:id="rId32"/>
+    <p:sldId id="293" r:id="rId33"/>
+    <p:sldId id="281" r:id="rId34"/>
+    <p:sldId id="282" r:id="rId35"/>
+    <p:sldId id="283" r:id="rId36"/>
+    <p:sldId id="284" r:id="rId37"/>
+    <p:sldId id="285" r:id="rId38"/>
+    <p:sldId id="286" r:id="rId39"/>
+    <p:sldId id="290" r:id="rId40"/>
+    <p:sldId id="287" r:id="rId41"/>
+    <p:sldId id="288" r:id="rId42"/>
+    <p:sldId id="289" r:id="rId43"/>
   </p:sldIdLst>
   <p:sldSz cx="12192000" cy="6858000"/>
   <p:notesSz cx="6858000" cy="9144000"/>
@@ -2898,14 +2900,16 @@
           <a:lstStyle/>
           <a:p>
             <a:r>
-              <a:rPr lang="en-US" dirty="0" smtClean="0"/>
-              <a:t>TODO: hide</a:t>
-            </a:r>
-          </a:p>
-          <a:p>
-            <a:endParaRPr lang="en-US" dirty="0" smtClean="0"/>
-          </a:p>
-          <a:p>
+              <a:rPr lang="en-US" sz="1200" b="0" i="0" u="none" strike="noStrike" kern="1200" baseline="0" dirty="0" smtClean="0">
+                <a:solidFill>
+                  <a:schemeClr val="tx1"/>
+                </a:solidFill>
+                <a:latin typeface="+mn-lt"/>
+                <a:ea typeface="+mn-ea"/>
+                <a:cs typeface="+mn-cs"/>
+              </a:rPr>
+              <a:t>Calling constructors sacrifices encapsulation of the Aggregates and it clouds the design of your objects.</a:t>
+            </a:r>
             <a:endParaRPr lang="en-US" dirty="0"/>
           </a:p>
         </p:txBody>
@@ -2936,7 +2940,7 @@
     </p:spTree>
     <p:extLst>
       <p:ext uri="{BB962C8B-B14F-4D97-AF65-F5344CB8AC3E}">
-        <p14:creationId xmlns:p14="http://schemas.microsoft.com/office/powerpoint/2010/main" val="1445756525"/>
+        <p14:creationId xmlns:p14="http://schemas.microsoft.com/office/powerpoint/2010/main" val="1674508130"/>
       </p:ext>
     </p:extLst>
   </p:cSld>
@@ -2992,29 +2996,29 @@
           <a:p>
             <a:r>
               <a:rPr lang="en-US" dirty="0" smtClean="0"/>
-              <a:t>Separated</a:t>
-            </a:r>
-            <a:r>
-              <a:rPr lang="en-US" baseline="0" dirty="0" smtClean="0"/>
-              <a:t> Interface pattern</a:t>
-            </a:r>
-          </a:p>
-          <a:p>
-            <a:endParaRPr lang="en-US" baseline="0" dirty="0" smtClean="0"/>
-          </a:p>
-          <a:p>
-            <a:r>
-              <a:rPr lang="en-US" baseline="0" dirty="0" smtClean="0"/>
-              <a:t>Lives in Domain</a:t>
-            </a:r>
-          </a:p>
-          <a:p>
-            <a:endParaRPr lang="en-US" baseline="0" dirty="0" smtClean="0"/>
-          </a:p>
-          <a:p>
-            <a:r>
-              <a:rPr lang="en-US" baseline="0" dirty="0" smtClean="0"/>
-              <a:t>Implementation outside Domain</a:t>
+              <a:t>- BMG Payment system: </a:t>
+            </a:r>
+            <a:r>
+              <a:rPr lang="en-US" dirty="0" err="1" smtClean="0"/>
+              <a:t>PaymentInstruction</a:t>
+            </a:r>
+            <a:r>
+              <a:rPr lang="en-US" dirty="0" smtClean="0"/>
+              <a:t> had a lifecycle with editing/approving the payment</a:t>
+            </a:r>
+          </a:p>
+          <a:p>
+            <a:r>
+              <a:rPr lang="en-US" dirty="0" smtClean="0"/>
+              <a:t>- BMG Payment system: </a:t>
+            </a:r>
+            <a:r>
+              <a:rPr lang="en-US" dirty="0" err="1" smtClean="0"/>
+              <a:t>OrderingAccount</a:t>
+            </a:r>
+            <a:r>
+              <a:rPr lang="en-US" dirty="0" smtClean="0"/>
+              <a:t> had a lifecycle managing customer accounts</a:t>
             </a:r>
             <a:endParaRPr lang="en-US" dirty="0"/>
           </a:p>
@@ -3037,7 +3041,7 @@
           <a:p>
             <a:fld id="{4970B036-1422-4C36-8158-C30E1C0769EB}" type="slidenum">
               <a:rPr lang="nl-NL" smtClean="0"/>
-              <a:t>29</a:t>
+              <a:t>28</a:t>
             </a:fld>
             <a:endParaRPr lang="nl-NL"/>
           </a:p>
@@ -3046,7 +3050,7 @@
     </p:spTree>
     <p:extLst>
       <p:ext uri="{BB962C8B-B14F-4D97-AF65-F5344CB8AC3E}">
-        <p14:creationId xmlns:p14="http://schemas.microsoft.com/office/powerpoint/2010/main" val="384582681"/>
+        <p14:creationId xmlns:p14="http://schemas.microsoft.com/office/powerpoint/2010/main" val="3409315071"/>
       </p:ext>
     </p:extLst>
   </p:cSld>
@@ -3100,6 +3104,15 @@
           <a:bodyPr/>
           <a:lstStyle/>
           <a:p>
+            <a:r>
+              <a:rPr lang="en-US" dirty="0" smtClean="0"/>
+              <a:t>TODO: hide</a:t>
+            </a:r>
+          </a:p>
+          <a:p>
+            <a:endParaRPr lang="en-US" dirty="0" smtClean="0"/>
+          </a:p>
+          <a:p>
             <a:endParaRPr lang="en-US" dirty="0"/>
           </a:p>
         </p:txBody>
@@ -3121,7 +3134,7 @@
           <a:p>
             <a:fld id="{4970B036-1422-4C36-8158-C30E1C0769EB}" type="slidenum">
               <a:rPr lang="nl-NL" smtClean="0"/>
-              <a:t>30</a:t>
+              <a:t>29</a:t>
             </a:fld>
             <a:endParaRPr lang="nl-NL"/>
           </a:p>
@@ -3130,7 +3143,7 @@
     </p:spTree>
     <p:extLst>
       <p:ext uri="{BB962C8B-B14F-4D97-AF65-F5344CB8AC3E}">
-        <p14:creationId xmlns:p14="http://schemas.microsoft.com/office/powerpoint/2010/main" val="137765759"/>
+        <p14:creationId xmlns:p14="http://schemas.microsoft.com/office/powerpoint/2010/main" val="1445756525"/>
       </p:ext>
     </p:extLst>
   </p:cSld>
@@ -3313,13 +3326,30 @@
           <a:p>
             <a:r>
               <a:rPr lang="en-US" dirty="0" smtClean="0"/>
-              <a:t>TODO: hide</a:t>
-            </a:r>
-          </a:p>
-          <a:p>
-            <a:endParaRPr lang="en-US" dirty="0" smtClean="0"/>
-          </a:p>
-          <a:p>
+              <a:t>Separated</a:t>
+            </a:r>
+            <a:r>
+              <a:rPr lang="en-US" baseline="0" dirty="0" smtClean="0"/>
+              <a:t> Interface pattern</a:t>
+            </a:r>
+          </a:p>
+          <a:p>
+            <a:endParaRPr lang="en-US" baseline="0" dirty="0" smtClean="0"/>
+          </a:p>
+          <a:p>
+            <a:r>
+              <a:rPr lang="en-US" baseline="0" dirty="0" smtClean="0"/>
+              <a:t>Lives in Domain</a:t>
+            </a:r>
+          </a:p>
+          <a:p>
+            <a:endParaRPr lang="en-US" baseline="0" dirty="0" smtClean="0"/>
+          </a:p>
+          <a:p>
+            <a:r>
+              <a:rPr lang="en-US" baseline="0" dirty="0" smtClean="0"/>
+              <a:t>Implementation outside Domain</a:t>
+            </a:r>
             <a:endParaRPr lang="en-US" dirty="0"/>
           </a:p>
         </p:txBody>
@@ -3339,78 +3369,18 @@
           <a:bodyPr/>
           <a:lstStyle/>
           <a:p>
-            <a:pPr marL="0" marR="0" lvl="0" indent="0" algn="r" defTabSz="914400" rtl="0" eaLnBrk="1" fontAlgn="auto" latinLnBrk="0" hangingPunct="1">
-              <a:lnSpc>
-                <a:spcPct val="100000"/>
-              </a:lnSpc>
-              <a:spcBef>
-                <a:spcPts val="0"/>
-              </a:spcBef>
-              <a:spcAft>
-                <a:spcPts val="0"/>
-              </a:spcAft>
-              <a:buClrTx/>
-              <a:buSzTx/>
-              <a:buFontTx/>
-              <a:buNone/>
-              <a:tabLst/>
-              <a:defRPr/>
-            </a:pPr>
             <a:fld id="{4970B036-1422-4C36-8158-C30E1C0769EB}" type="slidenum">
-              <a:rPr kumimoji="0" lang="nl-NL" sz="1200" b="0" i="0" u="none" strike="noStrike" kern="1200" cap="none" spc="0" normalizeH="0" baseline="0" noProof="0" smtClean="0">
-                <a:ln>
-                  <a:noFill/>
-                </a:ln>
-                <a:solidFill>
-                  <a:srgbClr val="133561"/>
-                </a:solidFill>
-                <a:effectLst/>
-                <a:uLnTx/>
-                <a:uFillTx/>
-                <a:latin typeface="Arial"/>
-                <a:ea typeface="+mn-ea"/>
-                <a:cs typeface="+mn-cs"/>
-              </a:rPr>
-              <a:pPr marL="0" marR="0" lvl="0" indent="0" algn="r" defTabSz="914400" rtl="0" eaLnBrk="1" fontAlgn="auto" latinLnBrk="0" hangingPunct="1">
-                <a:lnSpc>
-                  <a:spcPct val="100000"/>
-                </a:lnSpc>
-                <a:spcBef>
-                  <a:spcPts val="0"/>
-                </a:spcBef>
-                <a:spcAft>
-                  <a:spcPts val="0"/>
-                </a:spcAft>
-                <a:buClrTx/>
-                <a:buSzTx/>
-                <a:buFontTx/>
-                <a:buNone/>
-                <a:tabLst/>
-                <a:defRPr/>
-              </a:pPr>
+              <a:rPr lang="nl-NL" smtClean="0"/>
               <a:t>31</a:t>
             </a:fld>
-            <a:endParaRPr kumimoji="0" lang="nl-NL" sz="1200" b="0" i="0" u="none" strike="noStrike" kern="1200" cap="none" spc="0" normalizeH="0" baseline="0" noProof="0">
-              <a:ln>
-                <a:noFill/>
-              </a:ln>
-              <a:solidFill>
-                <a:srgbClr val="133561"/>
-              </a:solidFill>
-              <a:effectLst/>
-              <a:uLnTx/>
-              <a:uFillTx/>
-              <a:latin typeface="Arial"/>
-              <a:ea typeface="+mn-ea"/>
-              <a:cs typeface="+mn-cs"/>
-            </a:endParaRPr>
+            <a:endParaRPr lang="nl-NL"/>
           </a:p>
         </p:txBody>
       </p:sp>
     </p:spTree>
     <p:extLst>
       <p:ext uri="{BB962C8B-B14F-4D97-AF65-F5344CB8AC3E}">
-        <p14:creationId xmlns:p14="http://schemas.microsoft.com/office/powerpoint/2010/main" val="2412783136"/>
+        <p14:creationId xmlns:p14="http://schemas.microsoft.com/office/powerpoint/2010/main" val="384582681"/>
       </p:ext>
     </p:extLst>
   </p:cSld>
@@ -3464,14 +3434,6 @@
           <a:bodyPr/>
           <a:lstStyle/>
           <a:p>
-            <a:r>
-              <a:rPr lang="en-US" dirty="0" smtClean="0"/>
-              <a:t>Not responsibility because</a:t>
-            </a:r>
-            <a:r>
-              <a:rPr lang="en-US" baseline="0" dirty="0" smtClean="0"/>
-              <a:t> of added noise / dependencies</a:t>
-            </a:r>
             <a:endParaRPr lang="en-US" dirty="0"/>
           </a:p>
         </p:txBody>
@@ -3502,7 +3464,7 @@
     </p:spTree>
     <p:extLst>
       <p:ext uri="{BB962C8B-B14F-4D97-AF65-F5344CB8AC3E}">
-        <p14:creationId xmlns:p14="http://schemas.microsoft.com/office/powerpoint/2010/main" val="414721725"/>
+        <p14:creationId xmlns:p14="http://schemas.microsoft.com/office/powerpoint/2010/main" val="137765759"/>
       </p:ext>
     </p:extLst>
   </p:cSld>
@@ -3558,32 +3520,13 @@
           <a:p>
             <a:r>
               <a:rPr lang="en-US" dirty="0" smtClean="0"/>
-              <a:t>- CTRL + ALT + M</a:t>
-            </a:r>
-          </a:p>
-          <a:p>
-            <a:r>
-              <a:rPr lang="en-US" dirty="0" smtClean="0"/>
-              <a:t>	</a:t>
-            </a:r>
-          </a:p>
-          <a:p>
-            <a:r>
-              <a:rPr lang="en-US" dirty="0" smtClean="0"/>
-              <a:t>- Identify Domain Objects to get rid of Fat Service layer and e2e primitive types</a:t>
-            </a:r>
-          </a:p>
-          <a:p>
-            <a:r>
-              <a:rPr lang="en-US" dirty="0" smtClean="0"/>
-              <a:t>	</a:t>
-            </a:r>
-          </a:p>
-          <a:p>
-            <a:r>
-              <a:rPr lang="en-US" dirty="0" smtClean="0"/>
-              <a:t>- Creating metrics to measure how Domain-driven your design is // TODO</a:t>
-            </a:r>
+              <a:t>TODO: hide</a:t>
+            </a:r>
+          </a:p>
+          <a:p>
+            <a:endParaRPr lang="en-US" dirty="0" smtClean="0"/>
+          </a:p>
+          <a:p>
             <a:endParaRPr lang="en-US" dirty="0"/>
           </a:p>
         </p:txBody>
@@ -3603,9 +3546,273 @@
           <a:bodyPr/>
           <a:lstStyle/>
           <a:p>
+            <a:pPr marL="0" marR="0" lvl="0" indent="0" algn="r" defTabSz="914400" rtl="0" eaLnBrk="1" fontAlgn="auto" latinLnBrk="0" hangingPunct="1">
+              <a:lnSpc>
+                <a:spcPct val="100000"/>
+              </a:lnSpc>
+              <a:spcBef>
+                <a:spcPts val="0"/>
+              </a:spcBef>
+              <a:spcAft>
+                <a:spcPts val="0"/>
+              </a:spcAft>
+              <a:buClrTx/>
+              <a:buSzTx/>
+              <a:buFontTx/>
+              <a:buNone/>
+              <a:tabLst/>
+              <a:defRPr/>
+            </a:pPr>
+            <a:fld id="{4970B036-1422-4C36-8158-C30E1C0769EB}" type="slidenum">
+              <a:rPr kumimoji="0" lang="nl-NL" sz="1200" b="0" i="0" u="none" strike="noStrike" kern="1200" cap="none" spc="0" normalizeH="0" baseline="0" noProof="0" smtClean="0">
+                <a:ln>
+                  <a:noFill/>
+                </a:ln>
+                <a:solidFill>
+                  <a:srgbClr val="133561"/>
+                </a:solidFill>
+                <a:effectLst/>
+                <a:uLnTx/>
+                <a:uFillTx/>
+                <a:latin typeface="Arial"/>
+                <a:ea typeface="+mn-ea"/>
+                <a:cs typeface="+mn-cs"/>
+              </a:rPr>
+              <a:pPr marL="0" marR="0" lvl="0" indent="0" algn="r" defTabSz="914400" rtl="0" eaLnBrk="1" fontAlgn="auto" latinLnBrk="0" hangingPunct="1">
+                <a:lnSpc>
+                  <a:spcPct val="100000"/>
+                </a:lnSpc>
+                <a:spcBef>
+                  <a:spcPts val="0"/>
+                </a:spcBef>
+                <a:spcAft>
+                  <a:spcPts val="0"/>
+                </a:spcAft>
+                <a:buClrTx/>
+                <a:buSzTx/>
+                <a:buFontTx/>
+                <a:buNone/>
+                <a:tabLst/>
+                <a:defRPr/>
+              </a:pPr>
+              <a:t>33</a:t>
+            </a:fld>
+            <a:endParaRPr kumimoji="0" lang="nl-NL" sz="1200" b="0" i="0" u="none" strike="noStrike" kern="1200" cap="none" spc="0" normalizeH="0" baseline="0" noProof="0">
+              <a:ln>
+                <a:noFill/>
+              </a:ln>
+              <a:solidFill>
+                <a:srgbClr val="133561"/>
+              </a:solidFill>
+              <a:effectLst/>
+              <a:uLnTx/>
+              <a:uFillTx/>
+              <a:latin typeface="Arial"/>
+              <a:ea typeface="+mn-ea"/>
+              <a:cs typeface="+mn-cs"/>
+            </a:endParaRPr>
+          </a:p>
+        </p:txBody>
+      </p:sp>
+    </p:spTree>
+    <p:extLst>
+      <p:ext uri="{BB962C8B-B14F-4D97-AF65-F5344CB8AC3E}">
+        <p14:creationId xmlns:p14="http://schemas.microsoft.com/office/powerpoint/2010/main" val="2412783136"/>
+      </p:ext>
+    </p:extLst>
+  </p:cSld>
+  <p:clrMapOvr>
+    <a:masterClrMapping/>
+  </p:clrMapOvr>
+</p:notes>
+</file>
+
+<file path=ppt/notesSlides/notesSlide33.xml><?xml version="1.0" encoding="utf-8"?>
+<p:notes xmlns:a="http://schemas.openxmlformats.org/drawingml/2006/main" xmlns:r="http://schemas.openxmlformats.org/officeDocument/2006/relationships" xmlns:p="http://schemas.openxmlformats.org/presentationml/2006/main">
+  <p:cSld>
+    <p:spTree>
+      <p:nvGrpSpPr>
+        <p:cNvPr id="1" name=""/>
+        <p:cNvGrpSpPr/>
+        <p:nvPr/>
+      </p:nvGrpSpPr>
+      <p:grpSpPr>
+        <a:xfrm>
+          <a:off x="0" y="0"/>
+          <a:ext cx="0" cy="0"/>
+          <a:chOff x="0" y="0"/>
+          <a:chExt cx="0" cy="0"/>
+        </a:xfrm>
+      </p:grpSpPr>
+      <p:sp>
+        <p:nvSpPr>
+          <p:cNvPr id="2" name="Slide Image Placeholder 1"/>
+          <p:cNvSpPr>
+            <a:spLocks noGrp="1" noRot="1" noChangeAspect="1"/>
+          </p:cNvSpPr>
+          <p:nvPr>
+            <p:ph type="sldImg"/>
+          </p:nvPr>
+        </p:nvSpPr>
+        <p:spPr/>
+      </p:sp>
+      <p:sp>
+        <p:nvSpPr>
+          <p:cNvPr id="3" name="Notes Placeholder 2"/>
+          <p:cNvSpPr>
+            <a:spLocks noGrp="1"/>
+          </p:cNvSpPr>
+          <p:nvPr>
+            <p:ph type="body" idx="1"/>
+          </p:nvPr>
+        </p:nvSpPr>
+        <p:spPr/>
+        <p:txBody>
+          <a:bodyPr/>
+          <a:lstStyle/>
+          <a:p>
+            <a:r>
+              <a:rPr lang="en-US" dirty="0" smtClean="0"/>
+              <a:t>Not responsibility because</a:t>
+            </a:r>
+            <a:r>
+              <a:rPr lang="en-US" baseline="0" dirty="0" smtClean="0"/>
+              <a:t> of added noise / dependencies</a:t>
+            </a:r>
+            <a:endParaRPr lang="en-US" dirty="0"/>
+          </a:p>
+        </p:txBody>
+      </p:sp>
+      <p:sp>
+        <p:nvSpPr>
+          <p:cNvPr id="4" name="Slide Number Placeholder 3"/>
+          <p:cNvSpPr>
+            <a:spLocks noGrp="1"/>
+          </p:cNvSpPr>
+          <p:nvPr>
+            <p:ph type="sldNum" sz="quarter" idx="10"/>
+          </p:nvPr>
+        </p:nvSpPr>
+        <p:spPr/>
+        <p:txBody>
+          <a:bodyPr/>
+          <a:lstStyle/>
+          <a:p>
             <a:fld id="{4970B036-1422-4C36-8158-C30E1C0769EB}" type="slidenum">
               <a:rPr lang="nl-NL" smtClean="0"/>
-              <a:t>35</a:t>
+              <a:t>34</a:t>
+            </a:fld>
+            <a:endParaRPr lang="nl-NL"/>
+          </a:p>
+        </p:txBody>
+      </p:sp>
+    </p:spTree>
+    <p:extLst>
+      <p:ext uri="{BB962C8B-B14F-4D97-AF65-F5344CB8AC3E}">
+        <p14:creationId xmlns:p14="http://schemas.microsoft.com/office/powerpoint/2010/main" val="414721725"/>
+      </p:ext>
+    </p:extLst>
+  </p:cSld>
+  <p:clrMapOvr>
+    <a:masterClrMapping/>
+  </p:clrMapOvr>
+</p:notes>
+</file>
+
+<file path=ppt/notesSlides/notesSlide34.xml><?xml version="1.0" encoding="utf-8"?>
+<p:notes xmlns:a="http://schemas.openxmlformats.org/drawingml/2006/main" xmlns:r="http://schemas.openxmlformats.org/officeDocument/2006/relationships" xmlns:p="http://schemas.openxmlformats.org/presentationml/2006/main">
+  <p:cSld>
+    <p:spTree>
+      <p:nvGrpSpPr>
+        <p:cNvPr id="1" name=""/>
+        <p:cNvGrpSpPr/>
+        <p:nvPr/>
+      </p:nvGrpSpPr>
+      <p:grpSpPr>
+        <a:xfrm>
+          <a:off x="0" y="0"/>
+          <a:ext cx="0" cy="0"/>
+          <a:chOff x="0" y="0"/>
+          <a:chExt cx="0" cy="0"/>
+        </a:xfrm>
+      </p:grpSpPr>
+      <p:sp>
+        <p:nvSpPr>
+          <p:cNvPr id="2" name="Slide Image Placeholder 1"/>
+          <p:cNvSpPr>
+            <a:spLocks noGrp="1" noRot="1" noChangeAspect="1"/>
+          </p:cNvSpPr>
+          <p:nvPr>
+            <p:ph type="sldImg"/>
+          </p:nvPr>
+        </p:nvSpPr>
+        <p:spPr/>
+      </p:sp>
+      <p:sp>
+        <p:nvSpPr>
+          <p:cNvPr id="3" name="Notes Placeholder 2"/>
+          <p:cNvSpPr>
+            <a:spLocks noGrp="1"/>
+          </p:cNvSpPr>
+          <p:nvPr>
+            <p:ph type="body" idx="1"/>
+          </p:nvPr>
+        </p:nvSpPr>
+        <p:spPr/>
+        <p:txBody>
+          <a:bodyPr/>
+          <a:lstStyle/>
+          <a:p>
+            <a:r>
+              <a:rPr lang="en-US" dirty="0" smtClean="0"/>
+              <a:t>- CTRL + ALT + M</a:t>
+            </a:r>
+          </a:p>
+          <a:p>
+            <a:r>
+              <a:rPr lang="en-US" dirty="0" smtClean="0"/>
+              <a:t>	</a:t>
+            </a:r>
+          </a:p>
+          <a:p>
+            <a:r>
+              <a:rPr lang="en-US" dirty="0" smtClean="0"/>
+              <a:t>- Identify Domain Objects to get rid of Fat Service layer and e2e primitive types</a:t>
+            </a:r>
+          </a:p>
+          <a:p>
+            <a:r>
+              <a:rPr lang="en-US" dirty="0" smtClean="0"/>
+              <a:t>	</a:t>
+            </a:r>
+          </a:p>
+          <a:p>
+            <a:r>
+              <a:rPr lang="en-US" dirty="0" smtClean="0"/>
+              <a:t>- Creating metrics to measure how Domain-driven your design is // TODO</a:t>
+            </a:r>
+            <a:endParaRPr lang="en-US" dirty="0"/>
+          </a:p>
+        </p:txBody>
+      </p:sp>
+      <p:sp>
+        <p:nvSpPr>
+          <p:cNvPr id="4" name="Slide Number Placeholder 3"/>
+          <p:cNvSpPr>
+            <a:spLocks noGrp="1"/>
+          </p:cNvSpPr>
+          <p:nvPr>
+            <p:ph type="sldNum" sz="quarter" idx="10"/>
+          </p:nvPr>
+        </p:nvSpPr>
+        <p:spPr/>
+        <p:txBody>
+          <a:bodyPr/>
+          <a:lstStyle/>
+          <a:p>
+            <a:fld id="{4970B036-1422-4C36-8158-C30E1C0769EB}" type="slidenum">
+              <a:rPr lang="nl-NL" smtClean="0"/>
+              <a:t>37</a:t>
             </a:fld>
             <a:endParaRPr lang="nl-NL"/>
           </a:p>
@@ -28710,7 +28917,7 @@
           <a:p>
             <a:r>
               <a:rPr lang="en-US" dirty="0" smtClean="0"/>
-              <a:t>Domain-driven design</a:t>
+              <a:t>Domain-Driven Design</a:t>
             </a:r>
             <a:endParaRPr lang="en-US" dirty="0"/>
           </a:p>
@@ -33327,7 +33534,15 @@
                   <a:schemeClr val="tx1"/>
                 </a:solidFill>
               </a:rPr>
-              <a:t>Layered Architecture</a:t>
+              <a:t>Layered </a:t>
+            </a:r>
+            <a:r>
+              <a:rPr lang="en-US" dirty="0" smtClean="0">
+                <a:solidFill>
+                  <a:schemeClr val="tx1"/>
+                </a:solidFill>
+              </a:rPr>
+              <a:t>Architecture</a:t>
             </a:r>
             <a:endParaRPr lang="en-US" dirty="0">
               <a:solidFill>
@@ -36365,7 +36580,11 @@
           <a:p>
             <a:r>
               <a:rPr lang="en-US" dirty="0" smtClean="0"/>
-              <a:t>Value Objects: final class Currency</a:t>
+              <a:t>Value Objects: </a:t>
+            </a:r>
+            <a:r>
+              <a:rPr lang="en-US" dirty="0" smtClean="0"/>
+              <a:t>Currency</a:t>
             </a:r>
             <a:endParaRPr lang="en-US" dirty="0"/>
           </a:p>
@@ -42390,6 +42609,3027 @@
           <a:p>
             <a:r>
               <a:rPr lang="en-US" dirty="0" smtClean="0"/>
+              <a:t>Factories: </a:t>
+            </a:r>
+            <a:r>
+              <a:rPr lang="en-US" dirty="0" err="1" smtClean="0"/>
+              <a:t>PaymentInstructionFactory</a:t>
+            </a:r>
+            <a:endParaRPr lang="en-US" dirty="0"/>
+          </a:p>
+        </p:txBody>
+      </p:sp>
+      <p:sp>
+        <p:nvSpPr>
+          <p:cNvPr id="5" name="Rectangle 1"/>
+          <p:cNvSpPr>
+            <a:spLocks noChangeArrowheads="1"/>
+          </p:cNvSpPr>
+          <p:nvPr/>
+        </p:nvSpPr>
+        <p:spPr bwMode="auto">
+          <a:xfrm>
+            <a:off x="468352" y="3046723"/>
+            <a:ext cx="11385394" cy="2492990"/>
+          </a:xfrm>
+          <a:prstGeom prst="rect">
+            <a:avLst/>
+          </a:prstGeom>
+          <a:solidFill>
+            <a:srgbClr val="FFFFFF"/>
+          </a:solidFill>
+          <a:ln>
+            <a:noFill/>
+          </a:ln>
+          <a:effectLst/>
+          <a:extLst>
+            <a:ext uri="{91240B29-F687-4F45-9708-019B960494DF}">
+              <a14:hiddenLine xmlns:a14="http://schemas.microsoft.com/office/drawing/2010/main" w="9525">
+                <a:solidFill>
+                  <a:schemeClr val="tx1"/>
+                </a:solidFill>
+                <a:miter lim="800000"/>
+                <a:headEnd/>
+                <a:tailEnd/>
+              </a14:hiddenLine>
+            </a:ext>
+            <a:ext uri="{AF507438-7753-43E0-B8FC-AC1667EBCBE1}">
+              <a14:hiddenEffects xmlns:a14="http://schemas.microsoft.com/office/drawing/2010/main">
+                <a:effectLst>
+                  <a:outerShdw dist="35921" dir="2700000" algn="ctr" rotWithShape="0">
+                    <a:schemeClr val="bg2"/>
+                  </a:outerShdw>
+                </a:effectLst>
+              </a14:hiddenEffects>
+            </a:ext>
+          </a:extLst>
+        </p:spPr>
+        <p:txBody>
+          <a:bodyPr vert="horz" wrap="square" lIns="91440" tIns="45720" rIns="91440" bIns="45720" numCol="1" anchor="ctr" anchorCtr="0" compatLnSpc="1">
+            <a:prstTxWarp prst="textNoShape">
+              <a:avLst/>
+            </a:prstTxWarp>
+            <a:spAutoFit/>
+          </a:bodyPr>
+          <a:lstStyle/>
+          <a:p>
+            <a:pPr marL="0" marR="0" lvl="0" indent="0" algn="l" defTabSz="914400" rtl="0" eaLnBrk="0" fontAlgn="base" latinLnBrk="0" hangingPunct="0">
+              <a:lnSpc>
+                <a:spcPct val="100000"/>
+              </a:lnSpc>
+              <a:spcBef>
+                <a:spcPct val="0"/>
+              </a:spcBef>
+              <a:spcAft>
+                <a:spcPct val="0"/>
+              </a:spcAft>
+              <a:buClrTx/>
+              <a:buSzTx/>
+              <a:buFontTx/>
+              <a:buNone/>
+              <a:tabLst/>
+            </a:pPr>
+            <a:r>
+              <a:rPr kumimoji="0" lang="en-US" altLang="en-US" sz="1200" b="1" i="0" u="none" strike="noStrike" cap="none" normalizeH="0" baseline="0" dirty="0" smtClean="0">
+                <a:ln>
+                  <a:noFill/>
+                </a:ln>
+                <a:solidFill>
+                  <a:srgbClr val="000080"/>
+                </a:solidFill>
+                <a:effectLst/>
+                <a:latin typeface="Courier New" panose="02070309020205020404" pitchFamily="49" charset="0"/>
+                <a:cs typeface="Courier New" panose="02070309020205020404" pitchFamily="49" charset="0"/>
+              </a:rPr>
+              <a:t>public </a:t>
+            </a:r>
+            <a:r>
+              <a:rPr kumimoji="0" lang="en-US" altLang="en-US" sz="1200" b="0" i="0" u="none" strike="noStrike" cap="none" normalizeH="0" baseline="0" dirty="0" err="1" smtClean="0">
+                <a:ln>
+                  <a:noFill/>
+                </a:ln>
+                <a:solidFill>
+                  <a:srgbClr val="000000"/>
+                </a:solidFill>
+                <a:effectLst/>
+                <a:latin typeface="Courier New" panose="02070309020205020404" pitchFamily="49" charset="0"/>
+                <a:cs typeface="Courier New" panose="02070309020205020404" pitchFamily="49" charset="0"/>
+              </a:rPr>
+              <a:t>PaymentInstruction</a:t>
+            </a:r>
+            <a:r>
+              <a:rPr kumimoji="0" lang="en-US" altLang="en-US" sz="1200" b="0" i="0" u="none" strike="noStrike" cap="none" normalizeH="0" baseline="0" dirty="0" smtClean="0">
+                <a:ln>
+                  <a:noFill/>
+                </a:ln>
+                <a:solidFill>
+                  <a:srgbClr val="000000"/>
+                </a:solidFill>
+                <a:effectLst/>
+                <a:latin typeface="Courier New" panose="02070309020205020404" pitchFamily="49" charset="0"/>
+                <a:cs typeface="Courier New" panose="02070309020205020404" pitchFamily="49" charset="0"/>
+              </a:rPr>
+              <a:t> </a:t>
+            </a:r>
+            <a:r>
+              <a:rPr kumimoji="0" lang="en-US" altLang="en-US" sz="1200" b="0" i="0" u="none" strike="noStrike" cap="none" normalizeH="0" baseline="0" dirty="0" err="1" smtClean="0">
+                <a:ln>
+                  <a:noFill/>
+                </a:ln>
+                <a:solidFill>
+                  <a:srgbClr val="000000"/>
+                </a:solidFill>
+                <a:effectLst/>
+                <a:latin typeface="Courier New" panose="02070309020205020404" pitchFamily="49" charset="0"/>
+                <a:cs typeface="Courier New" panose="02070309020205020404" pitchFamily="49" charset="0"/>
+              </a:rPr>
+              <a:t>createPaymentInstructionDO</a:t>
+            </a:r>
+            <a:r>
+              <a:rPr kumimoji="0" lang="en-US" altLang="en-US" sz="1200" b="0" i="0" u="none" strike="noStrike" cap="none" normalizeH="0" baseline="0" dirty="0" smtClean="0">
+                <a:ln>
+                  <a:noFill/>
+                </a:ln>
+                <a:solidFill>
+                  <a:srgbClr val="000000"/>
+                </a:solidFill>
+                <a:effectLst/>
+                <a:latin typeface="Courier New" panose="02070309020205020404" pitchFamily="49" charset="0"/>
+                <a:cs typeface="Courier New" panose="02070309020205020404" pitchFamily="49" charset="0"/>
+              </a:rPr>
+              <a:t>(</a:t>
+            </a:r>
+            <a:r>
+              <a:rPr kumimoji="0" lang="en-US" altLang="en-US" sz="1200" b="1" i="0" u="none" strike="noStrike" cap="none" normalizeH="0" baseline="0" dirty="0" smtClean="0">
+                <a:ln>
+                  <a:noFill/>
+                </a:ln>
+                <a:solidFill>
+                  <a:srgbClr val="000080"/>
+                </a:solidFill>
+                <a:effectLst/>
+                <a:latin typeface="Courier New" panose="02070309020205020404" pitchFamily="49" charset="0"/>
+                <a:cs typeface="Courier New" panose="02070309020205020404" pitchFamily="49" charset="0"/>
+              </a:rPr>
+              <a:t>final </a:t>
+            </a:r>
+            <a:r>
+              <a:rPr kumimoji="0" lang="en-US" altLang="en-US" sz="1200" b="0" i="0" u="none" strike="noStrike" cap="none" normalizeH="0" baseline="0" dirty="0" err="1" smtClean="0">
+                <a:ln>
+                  <a:noFill/>
+                </a:ln>
+                <a:solidFill>
+                  <a:srgbClr val="000000"/>
+                </a:solidFill>
+                <a:effectLst/>
+                <a:latin typeface="Courier New" panose="02070309020205020404" pitchFamily="49" charset="0"/>
+                <a:cs typeface="Courier New" panose="02070309020205020404" pitchFamily="49" charset="0"/>
+              </a:rPr>
+              <a:t>PaymentInstructionDTO</a:t>
+            </a:r>
+            <a:r>
+              <a:rPr kumimoji="0" lang="en-US" altLang="en-US" sz="1200" b="0" i="0" u="none" strike="noStrike" cap="none" normalizeH="0" baseline="0" dirty="0" smtClean="0">
+                <a:ln>
+                  <a:noFill/>
+                </a:ln>
+                <a:solidFill>
+                  <a:srgbClr val="000000"/>
+                </a:solidFill>
+                <a:effectLst/>
+                <a:latin typeface="Courier New" panose="02070309020205020404" pitchFamily="49" charset="0"/>
+                <a:cs typeface="Courier New" panose="02070309020205020404" pitchFamily="49" charset="0"/>
+              </a:rPr>
+              <a:t> </a:t>
+            </a:r>
+            <a:r>
+              <a:rPr kumimoji="0" lang="en-US" altLang="en-US" sz="1200" b="0" i="0" u="none" strike="noStrike" cap="none" normalizeH="0" baseline="0" dirty="0" err="1" smtClean="0">
+                <a:ln>
+                  <a:noFill/>
+                </a:ln>
+                <a:solidFill>
+                  <a:srgbClr val="000000"/>
+                </a:solidFill>
+                <a:effectLst/>
+                <a:latin typeface="Courier New" panose="02070309020205020404" pitchFamily="49" charset="0"/>
+                <a:cs typeface="Courier New" panose="02070309020205020404" pitchFamily="49" charset="0"/>
+              </a:rPr>
+              <a:t>dto</a:t>
+            </a:r>
+            <a:r>
+              <a:rPr kumimoji="0" lang="en-US" altLang="en-US" sz="1200" b="0" i="0" u="none" strike="noStrike" cap="none" normalizeH="0" baseline="0" dirty="0" smtClean="0">
+                <a:ln>
+                  <a:noFill/>
+                </a:ln>
+                <a:solidFill>
+                  <a:srgbClr val="000000"/>
+                </a:solidFill>
+                <a:effectLst/>
+                <a:latin typeface="Courier New" panose="02070309020205020404" pitchFamily="49" charset="0"/>
+                <a:cs typeface="Courier New" panose="02070309020205020404" pitchFamily="49" charset="0"/>
+              </a:rPr>
+              <a:t>) </a:t>
+            </a:r>
+            <a:r>
+              <a:rPr kumimoji="0" lang="en-US" altLang="en-US" sz="1200" b="1" i="0" u="none" strike="noStrike" cap="none" normalizeH="0" baseline="0" dirty="0" smtClean="0">
+                <a:ln>
+                  <a:noFill/>
+                </a:ln>
+                <a:solidFill>
+                  <a:srgbClr val="000080"/>
+                </a:solidFill>
+                <a:effectLst/>
+                <a:latin typeface="Courier New" panose="02070309020205020404" pitchFamily="49" charset="0"/>
+                <a:cs typeface="Courier New" panose="02070309020205020404" pitchFamily="49" charset="0"/>
+              </a:rPr>
+              <a:t>throws </a:t>
+            </a:r>
+            <a:r>
+              <a:rPr kumimoji="0" lang="en-US" altLang="en-US" sz="1200" b="0" i="0" u="none" strike="noStrike" cap="none" normalizeH="0" baseline="0" dirty="0" err="1" smtClean="0">
+                <a:ln>
+                  <a:noFill/>
+                </a:ln>
+                <a:solidFill>
+                  <a:srgbClr val="000000"/>
+                </a:solidFill>
+                <a:effectLst/>
+                <a:latin typeface="Courier New" panose="02070309020205020404" pitchFamily="49" charset="0"/>
+                <a:cs typeface="Courier New" panose="02070309020205020404" pitchFamily="49" charset="0"/>
+              </a:rPr>
+              <a:t>BusinessRuleNotSatisfied</a:t>
+            </a:r>
+            <a:r>
+              <a:rPr kumimoji="0" lang="en-US" altLang="en-US" sz="1200" b="0" i="0" u="none" strike="noStrike" cap="none" normalizeH="0" baseline="0" dirty="0" smtClean="0">
+                <a:ln>
+                  <a:noFill/>
+                </a:ln>
+                <a:solidFill>
+                  <a:srgbClr val="000000"/>
+                </a:solidFill>
+                <a:effectLst/>
+                <a:latin typeface="Courier New" panose="02070309020205020404" pitchFamily="49" charset="0"/>
+                <a:cs typeface="Courier New" panose="02070309020205020404" pitchFamily="49" charset="0"/>
+              </a:rPr>
+              <a:t> {</a:t>
+            </a:r>
+            <a:br>
+              <a:rPr kumimoji="0" lang="en-US" altLang="en-US" sz="1200" b="0" i="0" u="none" strike="noStrike" cap="none" normalizeH="0" baseline="0" dirty="0" smtClean="0">
+                <a:ln>
+                  <a:noFill/>
+                </a:ln>
+                <a:solidFill>
+                  <a:srgbClr val="000000"/>
+                </a:solidFill>
+                <a:effectLst/>
+                <a:latin typeface="Courier New" panose="02070309020205020404" pitchFamily="49" charset="0"/>
+                <a:cs typeface="Courier New" panose="02070309020205020404" pitchFamily="49" charset="0"/>
+              </a:rPr>
+            </a:br>
+            <a:r>
+              <a:rPr kumimoji="0" lang="en-US" altLang="en-US" sz="1200" b="0" i="0" u="none" strike="noStrike" cap="none" normalizeH="0" baseline="0" dirty="0" smtClean="0">
+                <a:ln>
+                  <a:noFill/>
+                </a:ln>
+                <a:solidFill>
+                  <a:srgbClr val="000000"/>
+                </a:solidFill>
+                <a:effectLst/>
+                <a:latin typeface="Courier New" panose="02070309020205020404" pitchFamily="49" charset="0"/>
+                <a:cs typeface="Courier New" panose="02070309020205020404" pitchFamily="49" charset="0"/>
+              </a:rPr>
+              <a:t/>
+            </a:r>
+            <a:br>
+              <a:rPr kumimoji="0" lang="en-US" altLang="en-US" sz="1200" b="0" i="0" u="none" strike="noStrike" cap="none" normalizeH="0" baseline="0" dirty="0" smtClean="0">
+                <a:ln>
+                  <a:noFill/>
+                </a:ln>
+                <a:solidFill>
+                  <a:srgbClr val="000000"/>
+                </a:solidFill>
+                <a:effectLst/>
+                <a:latin typeface="Courier New" panose="02070309020205020404" pitchFamily="49" charset="0"/>
+                <a:cs typeface="Courier New" panose="02070309020205020404" pitchFamily="49" charset="0"/>
+              </a:rPr>
+            </a:br>
+            <a:r>
+              <a:rPr kumimoji="0" lang="en-US" altLang="en-US" sz="1200" b="0" i="0" u="none" strike="noStrike" cap="none" normalizeH="0" baseline="0" dirty="0" smtClean="0">
+                <a:ln>
+                  <a:noFill/>
+                </a:ln>
+                <a:solidFill>
+                  <a:srgbClr val="000000"/>
+                </a:solidFill>
+                <a:effectLst/>
+                <a:latin typeface="Courier New" panose="02070309020205020404" pitchFamily="49" charset="0"/>
+                <a:cs typeface="Courier New" panose="02070309020205020404" pitchFamily="49" charset="0"/>
+              </a:rPr>
+              <a:t>   </a:t>
+            </a:r>
+            <a:r>
+              <a:rPr kumimoji="0" lang="en-US" altLang="en-US" sz="1200" b="1" i="0" u="none" strike="noStrike" cap="none" normalizeH="0" baseline="0" dirty="0" smtClean="0">
+                <a:ln>
+                  <a:noFill/>
+                </a:ln>
+                <a:solidFill>
+                  <a:srgbClr val="000080"/>
+                </a:solidFill>
+                <a:effectLst/>
+                <a:latin typeface="Courier New" panose="02070309020205020404" pitchFamily="49" charset="0"/>
+                <a:cs typeface="Courier New" panose="02070309020205020404" pitchFamily="49" charset="0"/>
+              </a:rPr>
+              <a:t>final </a:t>
+            </a:r>
+            <a:r>
+              <a:rPr kumimoji="0" lang="en-US" altLang="en-US" sz="1200" b="0" i="0" u="none" strike="noStrike" cap="none" normalizeH="0" baseline="0" dirty="0" smtClean="0">
+                <a:ln>
+                  <a:noFill/>
+                </a:ln>
+                <a:solidFill>
+                  <a:srgbClr val="000000"/>
+                </a:solidFill>
+                <a:effectLst/>
+                <a:latin typeface="Courier New" panose="02070309020205020404" pitchFamily="49" charset="0"/>
+                <a:cs typeface="Courier New" panose="02070309020205020404" pitchFamily="49" charset="0"/>
+              </a:rPr>
+              <a:t>List&lt;String&gt; </a:t>
+            </a:r>
+            <a:r>
+              <a:rPr kumimoji="0" lang="en-US" altLang="en-US" sz="1200" b="0" i="0" u="none" strike="noStrike" cap="none" normalizeH="0" baseline="0" dirty="0" err="1" smtClean="0">
+                <a:ln>
+                  <a:noFill/>
+                </a:ln>
+                <a:solidFill>
+                  <a:srgbClr val="000000"/>
+                </a:solidFill>
+                <a:effectLst/>
+                <a:latin typeface="Courier New" panose="02070309020205020404" pitchFamily="49" charset="0"/>
+                <a:cs typeface="Courier New" panose="02070309020205020404" pitchFamily="49" charset="0"/>
+              </a:rPr>
+              <a:t>msgs</a:t>
+            </a:r>
+            <a:r>
+              <a:rPr kumimoji="0" lang="en-US" altLang="en-US" sz="1200" b="0" i="0" u="none" strike="noStrike" cap="none" normalizeH="0" baseline="0" dirty="0" smtClean="0">
+                <a:ln>
+                  <a:noFill/>
+                </a:ln>
+                <a:solidFill>
+                  <a:srgbClr val="000000"/>
+                </a:solidFill>
+                <a:effectLst/>
+                <a:latin typeface="Courier New" panose="02070309020205020404" pitchFamily="49" charset="0"/>
+                <a:cs typeface="Courier New" panose="02070309020205020404" pitchFamily="49" charset="0"/>
+              </a:rPr>
+              <a:t> = </a:t>
+            </a:r>
+            <a:r>
+              <a:rPr kumimoji="0" lang="en-US" altLang="en-US" sz="1200" b="1" i="0" u="none" strike="noStrike" cap="none" normalizeH="0" baseline="0" dirty="0" smtClean="0">
+                <a:ln>
+                  <a:noFill/>
+                </a:ln>
+                <a:solidFill>
+                  <a:srgbClr val="000080"/>
+                </a:solidFill>
+                <a:effectLst/>
+                <a:latin typeface="Courier New" panose="02070309020205020404" pitchFamily="49" charset="0"/>
+                <a:cs typeface="Courier New" panose="02070309020205020404" pitchFamily="49" charset="0"/>
+              </a:rPr>
+              <a:t>new </a:t>
+            </a:r>
+            <a:r>
+              <a:rPr kumimoji="0" lang="en-US" altLang="en-US" sz="1200" b="0" i="0" u="none" strike="noStrike" cap="none" normalizeH="0" baseline="0" dirty="0" err="1" smtClean="0">
+                <a:ln>
+                  <a:noFill/>
+                </a:ln>
+                <a:solidFill>
+                  <a:srgbClr val="000000"/>
+                </a:solidFill>
+                <a:effectLst/>
+                <a:latin typeface="Courier New" panose="02070309020205020404" pitchFamily="49" charset="0"/>
+                <a:cs typeface="Courier New" panose="02070309020205020404" pitchFamily="49" charset="0"/>
+              </a:rPr>
+              <a:t>ArrayList</a:t>
+            </a:r>
+            <a:r>
+              <a:rPr kumimoji="0" lang="en-US" altLang="en-US" sz="1200" b="0" i="0" u="none" strike="noStrike" cap="none" normalizeH="0" baseline="0" dirty="0" smtClean="0">
+                <a:ln>
+                  <a:noFill/>
+                </a:ln>
+                <a:solidFill>
+                  <a:srgbClr val="000000"/>
+                </a:solidFill>
+                <a:effectLst/>
+                <a:latin typeface="Courier New" panose="02070309020205020404" pitchFamily="49" charset="0"/>
+                <a:cs typeface="Courier New" panose="02070309020205020404" pitchFamily="49" charset="0"/>
+              </a:rPr>
+              <a:t>&lt;&gt;();</a:t>
+            </a:r>
+            <a:br>
+              <a:rPr kumimoji="0" lang="en-US" altLang="en-US" sz="1200" b="0" i="0" u="none" strike="noStrike" cap="none" normalizeH="0" baseline="0" dirty="0" smtClean="0">
+                <a:ln>
+                  <a:noFill/>
+                </a:ln>
+                <a:solidFill>
+                  <a:srgbClr val="000000"/>
+                </a:solidFill>
+                <a:effectLst/>
+                <a:latin typeface="Courier New" panose="02070309020205020404" pitchFamily="49" charset="0"/>
+                <a:cs typeface="Courier New" panose="02070309020205020404" pitchFamily="49" charset="0"/>
+              </a:rPr>
+            </a:br>
+            <a:r>
+              <a:rPr kumimoji="0" lang="en-US" altLang="en-US" sz="1200" b="0" i="0" u="none" strike="noStrike" cap="none" normalizeH="0" baseline="0" dirty="0" smtClean="0">
+                <a:ln>
+                  <a:noFill/>
+                </a:ln>
+                <a:solidFill>
+                  <a:srgbClr val="000000"/>
+                </a:solidFill>
+                <a:effectLst/>
+                <a:latin typeface="Courier New" panose="02070309020205020404" pitchFamily="49" charset="0"/>
+                <a:cs typeface="Courier New" panose="02070309020205020404" pitchFamily="49" charset="0"/>
+              </a:rPr>
+              <a:t/>
+            </a:r>
+            <a:br>
+              <a:rPr kumimoji="0" lang="en-US" altLang="en-US" sz="1200" b="0" i="0" u="none" strike="noStrike" cap="none" normalizeH="0" baseline="0" dirty="0" smtClean="0">
+                <a:ln>
+                  <a:noFill/>
+                </a:ln>
+                <a:solidFill>
+                  <a:srgbClr val="000000"/>
+                </a:solidFill>
+                <a:effectLst/>
+                <a:latin typeface="Courier New" panose="02070309020205020404" pitchFamily="49" charset="0"/>
+                <a:cs typeface="Courier New" panose="02070309020205020404" pitchFamily="49" charset="0"/>
+              </a:rPr>
+            </a:br>
+            <a:r>
+              <a:rPr kumimoji="0" lang="en-US" altLang="en-US" sz="1200" b="0" i="0" u="none" strike="noStrike" cap="none" normalizeH="0" baseline="0" dirty="0" smtClean="0">
+                <a:ln>
+                  <a:noFill/>
+                </a:ln>
+                <a:solidFill>
+                  <a:srgbClr val="000000"/>
+                </a:solidFill>
+                <a:effectLst/>
+                <a:latin typeface="Courier New" panose="02070309020205020404" pitchFamily="49" charset="0"/>
+                <a:cs typeface="Courier New" panose="02070309020205020404" pitchFamily="49" charset="0"/>
+              </a:rPr>
+              <a:t>   </a:t>
+            </a:r>
+            <a:r>
+              <a:rPr kumimoji="0" lang="en-US" altLang="en-US" sz="1200" b="1" i="0" u="none" strike="noStrike" cap="none" normalizeH="0" baseline="0" dirty="0" smtClean="0">
+                <a:ln>
+                  <a:noFill/>
+                </a:ln>
+                <a:solidFill>
+                  <a:srgbClr val="000080"/>
+                </a:solidFill>
+                <a:effectLst/>
+                <a:latin typeface="Courier New" panose="02070309020205020404" pitchFamily="49" charset="0"/>
+                <a:cs typeface="Courier New" panose="02070309020205020404" pitchFamily="49" charset="0"/>
+              </a:rPr>
+              <a:t>final </a:t>
+            </a:r>
+            <a:r>
+              <a:rPr kumimoji="0" lang="en-US" altLang="en-US" sz="1200" b="0" i="0" u="none" strike="noStrike" cap="none" normalizeH="0" baseline="0" dirty="0" smtClean="0">
+                <a:ln>
+                  <a:noFill/>
+                </a:ln>
+                <a:solidFill>
+                  <a:srgbClr val="000000"/>
+                </a:solidFill>
+                <a:effectLst/>
+                <a:latin typeface="Courier New" panose="02070309020205020404" pitchFamily="49" charset="0"/>
+                <a:cs typeface="Courier New" panose="02070309020205020404" pitchFamily="49" charset="0"/>
+              </a:rPr>
+              <a:t>Optional&lt;Currency&gt; </a:t>
+            </a:r>
+            <a:r>
+              <a:rPr kumimoji="0" lang="en-US" altLang="en-US" sz="1200" b="0" i="0" u="none" strike="noStrike" cap="none" normalizeH="0" baseline="0" dirty="0" err="1" smtClean="0">
+                <a:ln>
+                  <a:noFill/>
+                </a:ln>
+                <a:solidFill>
+                  <a:srgbClr val="000000"/>
+                </a:solidFill>
+                <a:effectLst/>
+                <a:latin typeface="Courier New" panose="02070309020205020404" pitchFamily="49" charset="0"/>
+                <a:cs typeface="Courier New" panose="02070309020205020404" pitchFamily="49" charset="0"/>
+              </a:rPr>
+              <a:t>paymentCurrency</a:t>
+            </a:r>
+            <a:r>
+              <a:rPr kumimoji="0" lang="en-US" altLang="en-US" sz="1200" b="0" i="0" u="none" strike="noStrike" cap="none" normalizeH="0" baseline="0" dirty="0" smtClean="0">
+                <a:ln>
+                  <a:noFill/>
+                </a:ln>
+                <a:solidFill>
+                  <a:srgbClr val="000000"/>
+                </a:solidFill>
+                <a:effectLst/>
+                <a:latin typeface="Courier New" panose="02070309020205020404" pitchFamily="49" charset="0"/>
+                <a:cs typeface="Courier New" panose="02070309020205020404" pitchFamily="49" charset="0"/>
+              </a:rPr>
+              <a:t> = </a:t>
+            </a:r>
+            <a:r>
+              <a:rPr kumimoji="0" lang="en-US" altLang="en-US" sz="1200" b="0" i="0" u="none" strike="noStrike" cap="none" normalizeH="0" baseline="0" dirty="0" err="1" smtClean="0">
+                <a:ln>
+                  <a:noFill/>
+                </a:ln>
+                <a:solidFill>
+                  <a:srgbClr val="000000"/>
+                </a:solidFill>
+                <a:effectLst/>
+                <a:latin typeface="Courier New" panose="02070309020205020404" pitchFamily="49" charset="0"/>
+                <a:cs typeface="Courier New" panose="02070309020205020404" pitchFamily="49" charset="0"/>
+              </a:rPr>
+              <a:t>Currency.</a:t>
+            </a:r>
+            <a:r>
+              <a:rPr kumimoji="0" lang="en-US" altLang="en-US" sz="1200" b="0" i="1" u="none" strike="noStrike" cap="none" normalizeH="0" baseline="0" dirty="0" err="1" smtClean="0">
+                <a:ln>
+                  <a:noFill/>
+                </a:ln>
+                <a:solidFill>
+                  <a:srgbClr val="000000"/>
+                </a:solidFill>
+                <a:effectLst/>
+                <a:latin typeface="Courier New" panose="02070309020205020404" pitchFamily="49" charset="0"/>
+                <a:cs typeface="Courier New" panose="02070309020205020404" pitchFamily="49" charset="0"/>
+              </a:rPr>
+              <a:t>create</a:t>
+            </a:r>
+            <a:r>
+              <a:rPr kumimoji="0" lang="en-US" altLang="en-US" sz="1200" b="0" i="0" u="none" strike="noStrike" cap="none" normalizeH="0" baseline="0" dirty="0" smtClean="0">
+                <a:ln>
+                  <a:noFill/>
+                </a:ln>
+                <a:solidFill>
+                  <a:srgbClr val="000000"/>
+                </a:solidFill>
+                <a:effectLst/>
+                <a:latin typeface="Courier New" panose="02070309020205020404" pitchFamily="49" charset="0"/>
+                <a:cs typeface="Courier New" panose="02070309020205020404" pitchFamily="49" charset="0"/>
+              </a:rPr>
+              <a:t>(</a:t>
+            </a:r>
+            <a:r>
+              <a:rPr kumimoji="0" lang="en-US" altLang="en-US" sz="1200" b="0" i="0" u="none" strike="noStrike" cap="none" normalizeH="0" baseline="0" dirty="0" err="1" smtClean="0">
+                <a:ln>
+                  <a:noFill/>
+                </a:ln>
+                <a:solidFill>
+                  <a:srgbClr val="000000"/>
+                </a:solidFill>
+                <a:effectLst/>
+                <a:latin typeface="Courier New" panose="02070309020205020404" pitchFamily="49" charset="0"/>
+                <a:cs typeface="Courier New" panose="02070309020205020404" pitchFamily="49" charset="0"/>
+              </a:rPr>
+              <a:t>dto.getPaymentCurrency</a:t>
+            </a:r>
+            <a:r>
+              <a:rPr kumimoji="0" lang="en-US" altLang="en-US" sz="1200" b="0" i="0" u="none" strike="noStrike" cap="none" normalizeH="0" baseline="0" dirty="0" smtClean="0">
+                <a:ln>
+                  <a:noFill/>
+                </a:ln>
+                <a:solidFill>
+                  <a:srgbClr val="000000"/>
+                </a:solidFill>
+                <a:effectLst/>
+                <a:latin typeface="Courier New" panose="02070309020205020404" pitchFamily="49" charset="0"/>
+                <a:cs typeface="Courier New" panose="02070309020205020404" pitchFamily="49" charset="0"/>
+              </a:rPr>
+              <a:t>(),</a:t>
+            </a:r>
+            <a:r>
+              <a:rPr kumimoji="0" lang="en-US" altLang="en-US" sz="1200" b="0" i="0" u="none" strike="noStrike" cap="none" normalizeH="0" baseline="0" dirty="0" err="1" smtClean="0">
+                <a:ln>
+                  <a:noFill/>
+                </a:ln>
+                <a:solidFill>
+                  <a:srgbClr val="000000"/>
+                </a:solidFill>
+                <a:effectLst/>
+                <a:latin typeface="Courier New" panose="02070309020205020404" pitchFamily="49" charset="0"/>
+                <a:cs typeface="Courier New" panose="02070309020205020404" pitchFamily="49" charset="0"/>
+              </a:rPr>
+              <a:t>msgs</a:t>
+            </a:r>
+            <a:r>
+              <a:rPr kumimoji="0" lang="en-US" altLang="en-US" sz="1200" b="0" i="0" u="none" strike="noStrike" cap="none" normalizeH="0" baseline="0" dirty="0" smtClean="0">
+                <a:ln>
+                  <a:noFill/>
+                </a:ln>
+                <a:solidFill>
+                  <a:srgbClr val="000000"/>
+                </a:solidFill>
+                <a:effectLst/>
+                <a:latin typeface="Courier New" panose="02070309020205020404" pitchFamily="49" charset="0"/>
+                <a:cs typeface="Courier New" panose="02070309020205020404" pitchFamily="49" charset="0"/>
+              </a:rPr>
+              <a:t>);</a:t>
+            </a:r>
+            <a:br>
+              <a:rPr kumimoji="0" lang="en-US" altLang="en-US" sz="1200" b="0" i="0" u="none" strike="noStrike" cap="none" normalizeH="0" baseline="0" dirty="0" smtClean="0">
+                <a:ln>
+                  <a:noFill/>
+                </a:ln>
+                <a:solidFill>
+                  <a:srgbClr val="000000"/>
+                </a:solidFill>
+                <a:effectLst/>
+                <a:latin typeface="Courier New" panose="02070309020205020404" pitchFamily="49" charset="0"/>
+                <a:cs typeface="Courier New" panose="02070309020205020404" pitchFamily="49" charset="0"/>
+              </a:rPr>
+            </a:br>
+            <a:r>
+              <a:rPr kumimoji="0" lang="en-US" altLang="en-US" sz="1200" b="0" i="0" u="none" strike="noStrike" cap="none" normalizeH="0" dirty="0" smtClean="0">
+                <a:ln>
+                  <a:noFill/>
+                </a:ln>
+                <a:solidFill>
+                  <a:srgbClr val="000000"/>
+                </a:solidFill>
+                <a:effectLst/>
+                <a:latin typeface="Courier New" panose="02070309020205020404" pitchFamily="49" charset="0"/>
+                <a:cs typeface="Courier New" panose="02070309020205020404" pitchFamily="49" charset="0"/>
+              </a:rPr>
+              <a:t>   </a:t>
+            </a:r>
+            <a:r>
+              <a:rPr kumimoji="0" lang="en-US" altLang="en-US" sz="1200" b="1" i="0" u="none" strike="noStrike" cap="none" normalizeH="0" baseline="0" dirty="0" smtClean="0">
+                <a:ln>
+                  <a:noFill/>
+                </a:ln>
+                <a:solidFill>
+                  <a:srgbClr val="000080"/>
+                </a:solidFill>
+                <a:effectLst/>
+                <a:latin typeface="Courier New" panose="02070309020205020404" pitchFamily="49" charset="0"/>
+                <a:cs typeface="Courier New" panose="02070309020205020404" pitchFamily="49" charset="0"/>
+              </a:rPr>
+              <a:t>final </a:t>
+            </a:r>
+            <a:r>
+              <a:rPr kumimoji="0" lang="en-US" altLang="en-US" sz="1200" b="0" i="0" u="none" strike="noStrike" cap="none" normalizeH="0" baseline="0" dirty="0" smtClean="0">
+                <a:ln>
+                  <a:noFill/>
+                </a:ln>
+                <a:solidFill>
+                  <a:srgbClr val="000000"/>
+                </a:solidFill>
+                <a:effectLst/>
+                <a:latin typeface="Courier New" panose="02070309020205020404" pitchFamily="49" charset="0"/>
+                <a:cs typeface="Courier New" panose="02070309020205020404" pitchFamily="49" charset="0"/>
+              </a:rPr>
+              <a:t>Optional&lt;</a:t>
+            </a:r>
+            <a:r>
+              <a:rPr kumimoji="0" lang="en-US" altLang="en-US" sz="1200" b="0" i="0" u="none" strike="noStrike" cap="none" normalizeH="0" baseline="0" dirty="0" err="1" smtClean="0">
+                <a:ln>
+                  <a:noFill/>
+                </a:ln>
+                <a:solidFill>
+                  <a:srgbClr val="000000"/>
+                </a:solidFill>
+                <a:effectLst/>
+                <a:latin typeface="Courier New" panose="02070309020205020404" pitchFamily="49" charset="0"/>
+                <a:cs typeface="Courier New" panose="02070309020205020404" pitchFamily="49" charset="0"/>
+              </a:rPr>
+              <a:t>Fedwire</a:t>
+            </a:r>
+            <a:r>
+              <a:rPr kumimoji="0" lang="en-US" altLang="en-US" sz="1200" b="0" i="0" u="none" strike="noStrike" cap="none" normalizeH="0" baseline="0" dirty="0" smtClean="0">
+                <a:ln>
+                  <a:noFill/>
+                </a:ln>
+                <a:solidFill>
+                  <a:srgbClr val="000000"/>
+                </a:solidFill>
+                <a:effectLst/>
+                <a:latin typeface="Courier New" panose="02070309020205020404" pitchFamily="49" charset="0"/>
+                <a:cs typeface="Courier New" panose="02070309020205020404" pitchFamily="49" charset="0"/>
+              </a:rPr>
+              <a:t>&gt; </a:t>
+            </a:r>
+            <a:r>
+              <a:rPr kumimoji="0" lang="en-US" altLang="en-US" sz="1200" b="0" i="0" u="none" strike="noStrike" cap="none" normalizeH="0" baseline="0" dirty="0" err="1" smtClean="0">
+                <a:ln>
+                  <a:noFill/>
+                </a:ln>
+                <a:solidFill>
+                  <a:srgbClr val="000000"/>
+                </a:solidFill>
+                <a:effectLst/>
+                <a:latin typeface="Courier New" panose="02070309020205020404" pitchFamily="49" charset="0"/>
+                <a:cs typeface="Courier New" panose="02070309020205020404" pitchFamily="49" charset="0"/>
+              </a:rPr>
+              <a:t>fedwire</a:t>
+            </a:r>
+            <a:r>
+              <a:rPr kumimoji="0" lang="en-US" altLang="en-US" sz="1200" b="0" i="0" u="none" strike="noStrike" cap="none" normalizeH="0" baseline="0" dirty="0" smtClean="0">
+                <a:ln>
+                  <a:noFill/>
+                </a:ln>
+                <a:solidFill>
+                  <a:srgbClr val="000000"/>
+                </a:solidFill>
+                <a:effectLst/>
+                <a:latin typeface="Courier New" panose="02070309020205020404" pitchFamily="49" charset="0"/>
+                <a:cs typeface="Courier New" panose="02070309020205020404" pitchFamily="49" charset="0"/>
+              </a:rPr>
+              <a:t> = </a:t>
+            </a:r>
+            <a:r>
+              <a:rPr kumimoji="0" lang="en-US" altLang="en-US" sz="1200" b="0" i="0" u="none" strike="noStrike" cap="none" normalizeH="0" baseline="0" dirty="0" err="1" smtClean="0">
+                <a:ln>
+                  <a:noFill/>
+                </a:ln>
+                <a:solidFill>
+                  <a:srgbClr val="000000"/>
+                </a:solidFill>
+                <a:effectLst/>
+                <a:latin typeface="Courier New" panose="02070309020205020404" pitchFamily="49" charset="0"/>
+                <a:cs typeface="Courier New" panose="02070309020205020404" pitchFamily="49" charset="0"/>
+              </a:rPr>
+              <a:t>Fedwire.</a:t>
+            </a:r>
+            <a:r>
+              <a:rPr kumimoji="0" lang="en-US" altLang="en-US" sz="1200" b="0" i="1" u="none" strike="noStrike" cap="none" normalizeH="0" baseline="0" dirty="0" err="1" smtClean="0">
+                <a:ln>
+                  <a:noFill/>
+                </a:ln>
+                <a:solidFill>
+                  <a:srgbClr val="000000"/>
+                </a:solidFill>
+                <a:effectLst/>
+                <a:latin typeface="Courier New" panose="02070309020205020404" pitchFamily="49" charset="0"/>
+                <a:cs typeface="Courier New" panose="02070309020205020404" pitchFamily="49" charset="0"/>
+              </a:rPr>
+              <a:t>create</a:t>
+            </a:r>
+            <a:r>
+              <a:rPr kumimoji="0" lang="en-US" altLang="en-US" sz="1200" b="0" i="0" u="none" strike="noStrike" cap="none" normalizeH="0" baseline="0" dirty="0" smtClean="0">
+                <a:ln>
+                  <a:noFill/>
+                </a:ln>
+                <a:solidFill>
+                  <a:srgbClr val="000000"/>
+                </a:solidFill>
+                <a:effectLst/>
+                <a:latin typeface="Courier New" panose="02070309020205020404" pitchFamily="49" charset="0"/>
+                <a:cs typeface="Courier New" panose="02070309020205020404" pitchFamily="49" charset="0"/>
+              </a:rPr>
+              <a:t>(</a:t>
+            </a:r>
+            <a:r>
+              <a:rPr kumimoji="0" lang="en-US" altLang="en-US" sz="1200" b="0" i="0" u="none" strike="noStrike" cap="none" normalizeH="0" baseline="0" dirty="0" err="1" smtClean="0">
+                <a:ln>
+                  <a:noFill/>
+                </a:ln>
+                <a:solidFill>
+                  <a:srgbClr val="000000"/>
+                </a:solidFill>
+                <a:effectLst/>
+                <a:latin typeface="Courier New" panose="02070309020205020404" pitchFamily="49" charset="0"/>
+                <a:cs typeface="Courier New" panose="02070309020205020404" pitchFamily="49" charset="0"/>
+              </a:rPr>
+              <a:t>dto.getFedwireCode</a:t>
+            </a:r>
+            <a:r>
+              <a:rPr kumimoji="0" lang="en-US" altLang="en-US" sz="1200" b="0" i="0" u="none" strike="noStrike" cap="none" normalizeH="0" baseline="0" dirty="0" smtClean="0">
+                <a:ln>
+                  <a:noFill/>
+                </a:ln>
+                <a:solidFill>
+                  <a:srgbClr val="000000"/>
+                </a:solidFill>
+                <a:effectLst/>
+                <a:latin typeface="Courier New" panose="02070309020205020404" pitchFamily="49" charset="0"/>
+                <a:cs typeface="Courier New" panose="02070309020205020404" pitchFamily="49" charset="0"/>
+              </a:rPr>
+              <a:t>(),</a:t>
+            </a:r>
+            <a:r>
+              <a:rPr kumimoji="0" lang="en-US" altLang="en-US" sz="1200" b="0" i="0" u="none" strike="noStrike" cap="none" normalizeH="0" baseline="0" dirty="0" err="1" smtClean="0">
+                <a:ln>
+                  <a:noFill/>
+                </a:ln>
+                <a:solidFill>
+                  <a:srgbClr val="000000"/>
+                </a:solidFill>
+                <a:effectLst/>
+                <a:latin typeface="Courier New" panose="02070309020205020404" pitchFamily="49" charset="0"/>
+                <a:cs typeface="Courier New" panose="02070309020205020404" pitchFamily="49" charset="0"/>
+              </a:rPr>
+              <a:t>paymentCurrency</a:t>
+            </a:r>
+            <a:r>
+              <a:rPr kumimoji="0" lang="en-US" altLang="en-US" sz="1200" b="0" i="0" u="none" strike="noStrike" cap="none" normalizeH="0" baseline="0" dirty="0" smtClean="0">
+                <a:ln>
+                  <a:noFill/>
+                </a:ln>
+                <a:solidFill>
+                  <a:srgbClr val="000000"/>
+                </a:solidFill>
+                <a:effectLst/>
+                <a:latin typeface="Courier New" panose="02070309020205020404" pitchFamily="49" charset="0"/>
+                <a:cs typeface="Courier New" panose="02070309020205020404" pitchFamily="49" charset="0"/>
+              </a:rPr>
+              <a:t>,</a:t>
+            </a:r>
+            <a:r>
+              <a:rPr kumimoji="0" lang="en-NL" altLang="en-US" sz="1200" b="0" i="0" u="none" strike="noStrike" cap="none" normalizeH="0" baseline="0" dirty="0" smtClean="0">
+                <a:ln>
+                  <a:noFill/>
+                </a:ln>
+                <a:solidFill>
+                  <a:srgbClr val="000000"/>
+                </a:solidFill>
+                <a:effectLst/>
+                <a:latin typeface="Courier New" panose="02070309020205020404" pitchFamily="49" charset="0"/>
+                <a:cs typeface="Courier New" panose="02070309020205020404" pitchFamily="49" charset="0"/>
+              </a:rPr>
+              <a:t>…</a:t>
+            </a:r>
+            <a:r>
+              <a:rPr kumimoji="0" lang="en-US" altLang="en-US" sz="1200" b="0" i="0" u="none" strike="noStrike" cap="none" normalizeH="0" baseline="0" dirty="0" smtClean="0">
+                <a:ln>
+                  <a:noFill/>
+                </a:ln>
+                <a:solidFill>
+                  <a:srgbClr val="000000"/>
+                </a:solidFill>
+                <a:effectLst/>
+                <a:latin typeface="Courier New" panose="02070309020205020404" pitchFamily="49" charset="0"/>
+                <a:cs typeface="Courier New" panose="02070309020205020404" pitchFamily="49" charset="0"/>
+              </a:rPr>
+              <a:t>,</a:t>
+            </a:r>
+            <a:r>
+              <a:rPr kumimoji="0" lang="en-US" altLang="en-US" sz="1200" b="0" i="0" u="none" strike="noStrike" cap="none" normalizeH="0" baseline="0" dirty="0" err="1" smtClean="0">
+                <a:ln>
+                  <a:noFill/>
+                </a:ln>
+                <a:solidFill>
+                  <a:srgbClr val="000000"/>
+                </a:solidFill>
+                <a:effectLst/>
+                <a:latin typeface="Courier New" panose="02070309020205020404" pitchFamily="49" charset="0"/>
+                <a:cs typeface="Courier New" panose="02070309020205020404" pitchFamily="49" charset="0"/>
+              </a:rPr>
+              <a:t>msgs</a:t>
+            </a:r>
+            <a:r>
+              <a:rPr kumimoji="0" lang="en-US" altLang="en-US" sz="1200" b="0" i="0" u="none" strike="noStrike" cap="none" normalizeH="0" baseline="0" dirty="0" smtClean="0">
+                <a:ln>
+                  <a:noFill/>
+                </a:ln>
+                <a:solidFill>
+                  <a:srgbClr val="000000"/>
+                </a:solidFill>
+                <a:effectLst/>
+                <a:latin typeface="Courier New" panose="02070309020205020404" pitchFamily="49" charset="0"/>
+                <a:cs typeface="Courier New" panose="02070309020205020404" pitchFamily="49" charset="0"/>
+              </a:rPr>
+              <a:t>);</a:t>
+            </a:r>
+            <a:br>
+              <a:rPr kumimoji="0" lang="en-US" altLang="en-US" sz="1200" b="0" i="0" u="none" strike="noStrike" cap="none" normalizeH="0" baseline="0" dirty="0" smtClean="0">
+                <a:ln>
+                  <a:noFill/>
+                </a:ln>
+                <a:solidFill>
+                  <a:srgbClr val="000000"/>
+                </a:solidFill>
+                <a:effectLst/>
+                <a:latin typeface="Courier New" panose="02070309020205020404" pitchFamily="49" charset="0"/>
+                <a:cs typeface="Courier New" panose="02070309020205020404" pitchFamily="49" charset="0"/>
+              </a:rPr>
+            </a:br>
+            <a:r>
+              <a:rPr kumimoji="0" lang="en-US" altLang="en-US" sz="1200" b="0" i="0" u="none" strike="noStrike" cap="none" normalizeH="0" baseline="0" dirty="0" smtClean="0">
+                <a:ln>
+                  <a:noFill/>
+                </a:ln>
+                <a:solidFill>
+                  <a:srgbClr val="000000"/>
+                </a:solidFill>
+                <a:effectLst/>
+                <a:latin typeface="Courier New" panose="02070309020205020404" pitchFamily="49" charset="0"/>
+                <a:cs typeface="Courier New" panose="02070309020205020404" pitchFamily="49" charset="0"/>
+              </a:rPr>
+              <a:t>   </a:t>
+            </a:r>
+            <a:br>
+              <a:rPr kumimoji="0" lang="en-US" altLang="en-US" sz="1200" b="0" i="0" u="none" strike="noStrike" cap="none" normalizeH="0" baseline="0" dirty="0" smtClean="0">
+                <a:ln>
+                  <a:noFill/>
+                </a:ln>
+                <a:solidFill>
+                  <a:srgbClr val="000000"/>
+                </a:solidFill>
+                <a:effectLst/>
+                <a:latin typeface="Courier New" panose="02070309020205020404" pitchFamily="49" charset="0"/>
+                <a:cs typeface="Courier New" panose="02070309020205020404" pitchFamily="49" charset="0"/>
+              </a:rPr>
+            </a:br>
+            <a:r>
+              <a:rPr kumimoji="0" lang="en-US" altLang="en-US" sz="1200" b="0" i="0" u="none" strike="noStrike" cap="none" normalizeH="0" baseline="0" dirty="0" smtClean="0">
+                <a:ln>
+                  <a:noFill/>
+                </a:ln>
+                <a:solidFill>
+                  <a:srgbClr val="000000"/>
+                </a:solidFill>
+                <a:effectLst/>
+                <a:latin typeface="Courier New" panose="02070309020205020404" pitchFamily="49" charset="0"/>
+                <a:cs typeface="Courier New" panose="02070309020205020404" pitchFamily="49" charset="0"/>
+              </a:rPr>
+              <a:t>   </a:t>
+            </a:r>
+            <a:r>
+              <a:rPr kumimoji="0" lang="en-US" altLang="en-US" sz="1200" b="1" i="0" u="none" strike="noStrike" cap="none" normalizeH="0" baseline="0" dirty="0" smtClean="0">
+                <a:ln>
+                  <a:noFill/>
+                </a:ln>
+                <a:solidFill>
+                  <a:srgbClr val="000080"/>
+                </a:solidFill>
+                <a:effectLst/>
+                <a:latin typeface="Courier New" panose="02070309020205020404" pitchFamily="49" charset="0"/>
+                <a:cs typeface="Courier New" panose="02070309020205020404" pitchFamily="49" charset="0"/>
+              </a:rPr>
+              <a:t>return new </a:t>
+            </a:r>
+            <a:r>
+              <a:rPr kumimoji="0" lang="en-US" altLang="en-US" sz="1200" b="0" i="0" u="none" strike="noStrike" cap="none" normalizeH="0" baseline="0" dirty="0" err="1" smtClean="0">
+                <a:ln>
+                  <a:noFill/>
+                </a:ln>
+                <a:solidFill>
+                  <a:srgbClr val="000000"/>
+                </a:solidFill>
+                <a:effectLst/>
+                <a:latin typeface="Courier New" panose="02070309020205020404" pitchFamily="49" charset="0"/>
+                <a:cs typeface="Courier New" panose="02070309020205020404" pitchFamily="49" charset="0"/>
+              </a:rPr>
+              <a:t>PaymentInstruction</a:t>
+            </a:r>
+            <a:r>
+              <a:rPr kumimoji="0" lang="en-US" altLang="en-US" sz="1200" b="0" i="0" u="none" strike="noStrike" cap="none" normalizeH="0" baseline="0" dirty="0" smtClean="0">
+                <a:ln>
+                  <a:noFill/>
+                </a:ln>
+                <a:solidFill>
+                  <a:srgbClr val="000000"/>
+                </a:solidFill>
+                <a:effectLst/>
+                <a:latin typeface="Courier New" panose="02070309020205020404" pitchFamily="49" charset="0"/>
+                <a:cs typeface="Courier New" panose="02070309020205020404" pitchFamily="49" charset="0"/>
+              </a:rPr>
+              <a:t>(</a:t>
+            </a:r>
+            <a:r>
+              <a:rPr kumimoji="0" lang="en-NL" altLang="en-US" sz="1200" b="0" i="0" u="none" strike="noStrike" cap="none" normalizeH="0" baseline="0" dirty="0" smtClean="0">
+                <a:ln>
+                  <a:noFill/>
+                </a:ln>
+                <a:solidFill>
+                  <a:srgbClr val="000000"/>
+                </a:solidFill>
+                <a:effectLst/>
+                <a:latin typeface="Courier New" panose="02070309020205020404" pitchFamily="49" charset="0"/>
+                <a:cs typeface="Courier New" panose="02070309020205020404" pitchFamily="49" charset="0"/>
+              </a:rPr>
+              <a:t>…</a:t>
+            </a:r>
+            <a:r>
+              <a:rPr kumimoji="0" lang="en-US" altLang="en-US" sz="1200" b="0" i="0" u="none" strike="noStrike" cap="none" normalizeH="0" baseline="0" dirty="0" smtClean="0">
+                <a:ln>
+                  <a:noFill/>
+                </a:ln>
+                <a:solidFill>
+                  <a:srgbClr val="000000"/>
+                </a:solidFill>
+                <a:effectLst/>
+                <a:latin typeface="Courier New" panose="02070309020205020404" pitchFamily="49" charset="0"/>
+                <a:cs typeface="Courier New" panose="02070309020205020404" pitchFamily="49" charset="0"/>
+              </a:rPr>
+              <a:t>,</a:t>
+            </a:r>
+            <a:r>
+              <a:rPr kumimoji="0" lang="en-US" altLang="en-US" sz="1200" b="0" i="0" u="none" strike="noStrike" cap="none" normalizeH="0" baseline="0" dirty="0" err="1" smtClean="0">
+                <a:ln>
+                  <a:noFill/>
+                </a:ln>
+                <a:solidFill>
+                  <a:srgbClr val="000000"/>
+                </a:solidFill>
+                <a:effectLst/>
+                <a:latin typeface="Courier New" panose="02070309020205020404" pitchFamily="49" charset="0"/>
+                <a:cs typeface="Courier New" panose="02070309020205020404" pitchFamily="49" charset="0"/>
+              </a:rPr>
+              <a:t>paymentCurrency.orElse</a:t>
+            </a:r>
+            <a:r>
+              <a:rPr kumimoji="0" lang="en-US" altLang="en-US" sz="1200" b="0" i="0" u="none" strike="noStrike" cap="none" normalizeH="0" baseline="0" dirty="0" smtClean="0">
+                <a:ln>
+                  <a:noFill/>
+                </a:ln>
+                <a:solidFill>
+                  <a:srgbClr val="000000"/>
+                </a:solidFill>
+                <a:effectLst/>
+                <a:latin typeface="Courier New" panose="02070309020205020404" pitchFamily="49" charset="0"/>
+                <a:cs typeface="Courier New" panose="02070309020205020404" pitchFamily="49" charset="0"/>
+              </a:rPr>
+              <a:t>(</a:t>
+            </a:r>
+            <a:r>
+              <a:rPr kumimoji="0" lang="en-US" altLang="en-US" sz="1200" b="1" i="0" u="none" strike="noStrike" cap="none" normalizeH="0" baseline="0" dirty="0" smtClean="0">
+                <a:ln>
+                  <a:noFill/>
+                </a:ln>
+                <a:solidFill>
+                  <a:srgbClr val="000080"/>
+                </a:solidFill>
+                <a:effectLst/>
+                <a:latin typeface="Courier New" panose="02070309020205020404" pitchFamily="49" charset="0"/>
+                <a:cs typeface="Courier New" panose="02070309020205020404" pitchFamily="49" charset="0"/>
+              </a:rPr>
+              <a:t>null</a:t>
+            </a:r>
+            <a:r>
+              <a:rPr kumimoji="0" lang="en-US" altLang="en-US" sz="1200" b="0" i="0" u="none" strike="noStrike" cap="none" normalizeH="0" baseline="0" dirty="0" smtClean="0">
+                <a:ln>
+                  <a:noFill/>
+                </a:ln>
+                <a:solidFill>
+                  <a:srgbClr val="000000"/>
+                </a:solidFill>
+                <a:effectLst/>
+                <a:latin typeface="Courier New" panose="02070309020205020404" pitchFamily="49" charset="0"/>
+                <a:cs typeface="Courier New" panose="02070309020205020404" pitchFamily="49" charset="0"/>
+              </a:rPr>
+              <a:t>),</a:t>
+            </a:r>
+            <a:r>
+              <a:rPr kumimoji="0" lang="en-US" altLang="en-US" sz="1200" b="0" i="0" u="none" strike="noStrike" cap="none" normalizeH="0" baseline="0" dirty="0" err="1" smtClean="0">
+                <a:ln>
+                  <a:noFill/>
+                </a:ln>
+                <a:solidFill>
+                  <a:srgbClr val="000000"/>
+                </a:solidFill>
+                <a:effectLst/>
+                <a:latin typeface="Courier New" panose="02070309020205020404" pitchFamily="49" charset="0"/>
+                <a:cs typeface="Courier New" panose="02070309020205020404" pitchFamily="49" charset="0"/>
+              </a:rPr>
+              <a:t>fedwire.orElse</a:t>
+            </a:r>
+            <a:r>
+              <a:rPr kumimoji="0" lang="en-US" altLang="en-US" sz="1200" b="0" i="0" u="none" strike="noStrike" cap="none" normalizeH="0" baseline="0" dirty="0" smtClean="0">
+                <a:ln>
+                  <a:noFill/>
+                </a:ln>
+                <a:solidFill>
+                  <a:srgbClr val="000000"/>
+                </a:solidFill>
+                <a:effectLst/>
+                <a:latin typeface="Courier New" panose="02070309020205020404" pitchFamily="49" charset="0"/>
+                <a:cs typeface="Courier New" panose="02070309020205020404" pitchFamily="49" charset="0"/>
+              </a:rPr>
+              <a:t>(</a:t>
+            </a:r>
+            <a:r>
+              <a:rPr kumimoji="0" lang="en-US" altLang="en-US" sz="1200" b="1" i="0" u="none" strike="noStrike" cap="none" normalizeH="0" baseline="0" dirty="0" smtClean="0">
+                <a:ln>
+                  <a:noFill/>
+                </a:ln>
+                <a:solidFill>
+                  <a:srgbClr val="000080"/>
+                </a:solidFill>
+                <a:effectLst/>
+                <a:latin typeface="Courier New" panose="02070309020205020404" pitchFamily="49" charset="0"/>
+                <a:cs typeface="Courier New" panose="02070309020205020404" pitchFamily="49" charset="0"/>
+              </a:rPr>
+              <a:t>null</a:t>
+            </a:r>
+            <a:r>
+              <a:rPr kumimoji="0" lang="en-US" altLang="en-US" sz="1200" b="0" i="0" u="none" strike="noStrike" cap="none" normalizeH="0" baseline="0" dirty="0" smtClean="0">
+                <a:ln>
+                  <a:noFill/>
+                </a:ln>
+                <a:solidFill>
+                  <a:srgbClr val="000000"/>
+                </a:solidFill>
+                <a:effectLst/>
+                <a:latin typeface="Courier New" panose="02070309020205020404" pitchFamily="49" charset="0"/>
+                <a:cs typeface="Courier New" panose="02070309020205020404" pitchFamily="49" charset="0"/>
+              </a:rPr>
+              <a:t>),</a:t>
+            </a:r>
+            <a:r>
+              <a:rPr lang="en-NL" altLang="en-US" sz="1200" dirty="0" smtClean="0">
+                <a:solidFill>
+                  <a:srgbClr val="000000"/>
+                </a:solidFill>
+                <a:latin typeface="Courier New" panose="02070309020205020404" pitchFamily="49" charset="0"/>
+                <a:cs typeface="Courier New" panose="02070309020205020404" pitchFamily="49" charset="0"/>
+              </a:rPr>
+              <a:t>…</a:t>
+            </a:r>
+            <a:r>
+              <a:rPr lang="en-US" altLang="en-US" sz="1200" dirty="0" smtClean="0">
+                <a:solidFill>
+                  <a:srgbClr val="000000"/>
+                </a:solidFill>
+                <a:latin typeface="Courier New" panose="02070309020205020404" pitchFamily="49" charset="0"/>
+                <a:cs typeface="Courier New" panose="02070309020205020404" pitchFamily="49" charset="0"/>
+              </a:rPr>
+              <a:t>,</a:t>
+            </a:r>
+            <a:r>
+              <a:rPr kumimoji="0" lang="en-US" altLang="en-US" sz="1200" b="0" i="0" u="none" strike="noStrike" cap="none" normalizeH="0" baseline="0" dirty="0" err="1" smtClean="0">
+                <a:ln>
+                  <a:noFill/>
+                </a:ln>
+                <a:solidFill>
+                  <a:srgbClr val="000000"/>
+                </a:solidFill>
+                <a:effectLst/>
+                <a:latin typeface="Courier New" panose="02070309020205020404" pitchFamily="49" charset="0"/>
+                <a:cs typeface="Courier New" panose="02070309020205020404" pitchFamily="49" charset="0"/>
+              </a:rPr>
+              <a:t>msgs</a:t>
+            </a:r>
+            <a:r>
+              <a:rPr kumimoji="0" lang="en-US" altLang="en-US" sz="1200" b="0" i="0" u="none" strike="noStrike" cap="none" normalizeH="0" baseline="0" dirty="0" smtClean="0">
+                <a:ln>
+                  <a:noFill/>
+                </a:ln>
+                <a:solidFill>
+                  <a:srgbClr val="000000"/>
+                </a:solidFill>
+                <a:effectLst/>
+                <a:latin typeface="Courier New" panose="02070309020205020404" pitchFamily="49" charset="0"/>
+                <a:cs typeface="Courier New" panose="02070309020205020404" pitchFamily="49" charset="0"/>
+              </a:rPr>
+              <a:t>);</a:t>
+            </a:r>
+            <a:br>
+              <a:rPr kumimoji="0" lang="en-US" altLang="en-US" sz="1200" b="0" i="0" u="none" strike="noStrike" cap="none" normalizeH="0" baseline="0" dirty="0" smtClean="0">
+                <a:ln>
+                  <a:noFill/>
+                </a:ln>
+                <a:solidFill>
+                  <a:srgbClr val="000000"/>
+                </a:solidFill>
+                <a:effectLst/>
+                <a:latin typeface="Courier New" panose="02070309020205020404" pitchFamily="49" charset="0"/>
+                <a:cs typeface="Courier New" panose="02070309020205020404" pitchFamily="49" charset="0"/>
+              </a:rPr>
+            </a:br>
+            <a:r>
+              <a:rPr kumimoji="0" lang="en-US" altLang="en-US" sz="1200" b="0" i="0" u="none" strike="noStrike" cap="none" normalizeH="0" baseline="0" dirty="0" smtClean="0">
+                <a:ln>
+                  <a:noFill/>
+                </a:ln>
+                <a:solidFill>
+                  <a:srgbClr val="000000"/>
+                </a:solidFill>
+                <a:effectLst/>
+                <a:latin typeface="Courier New" panose="02070309020205020404" pitchFamily="49" charset="0"/>
+                <a:cs typeface="Courier New" panose="02070309020205020404" pitchFamily="49" charset="0"/>
+              </a:rPr>
+              <a:t>}</a:t>
+            </a:r>
+            <a:br>
+              <a:rPr kumimoji="0" lang="en-US" altLang="en-US" sz="1200" b="0" i="0" u="none" strike="noStrike" cap="none" normalizeH="0" baseline="0" dirty="0" smtClean="0">
+                <a:ln>
+                  <a:noFill/>
+                </a:ln>
+                <a:solidFill>
+                  <a:srgbClr val="000000"/>
+                </a:solidFill>
+                <a:effectLst/>
+                <a:latin typeface="Courier New" panose="02070309020205020404" pitchFamily="49" charset="0"/>
+                <a:cs typeface="Courier New" panose="02070309020205020404" pitchFamily="49" charset="0"/>
+              </a:rPr>
+            </a:br>
+            <a:r>
+              <a:rPr kumimoji="0" lang="en-US" altLang="en-US" sz="1200" b="0" i="0" u="none" strike="noStrike" cap="none" normalizeH="0" baseline="0" dirty="0" smtClean="0">
+                <a:ln>
+                  <a:noFill/>
+                </a:ln>
+                <a:solidFill>
+                  <a:srgbClr val="000000"/>
+                </a:solidFill>
+                <a:effectLst/>
+                <a:latin typeface="Courier New" panose="02070309020205020404" pitchFamily="49" charset="0"/>
+                <a:cs typeface="Courier New" panose="02070309020205020404" pitchFamily="49" charset="0"/>
+              </a:rPr>
+              <a:t/>
+            </a:r>
+            <a:br>
+              <a:rPr kumimoji="0" lang="en-US" altLang="en-US" sz="1200" b="0" i="0" u="none" strike="noStrike" cap="none" normalizeH="0" baseline="0" dirty="0" smtClean="0">
+                <a:ln>
+                  <a:noFill/>
+                </a:ln>
+                <a:solidFill>
+                  <a:srgbClr val="000000"/>
+                </a:solidFill>
+                <a:effectLst/>
+                <a:latin typeface="Courier New" panose="02070309020205020404" pitchFamily="49" charset="0"/>
+                <a:cs typeface="Courier New" panose="02070309020205020404" pitchFamily="49" charset="0"/>
+              </a:rPr>
+            </a:br>
+            <a:r>
+              <a:rPr kumimoji="0" lang="en-US" altLang="en-US" sz="1200" b="1" i="0" u="none" strike="noStrike" cap="none" normalizeH="0" baseline="0" dirty="0" smtClean="0">
+                <a:ln>
+                  <a:noFill/>
+                </a:ln>
+                <a:solidFill>
+                  <a:srgbClr val="000080"/>
+                </a:solidFill>
+                <a:effectLst/>
+                <a:latin typeface="Courier New" panose="02070309020205020404" pitchFamily="49" charset="0"/>
+                <a:cs typeface="Courier New" panose="02070309020205020404" pitchFamily="49" charset="0"/>
+              </a:rPr>
+              <a:t>public </a:t>
+            </a:r>
+            <a:r>
+              <a:rPr kumimoji="0" lang="en-US" altLang="en-US" sz="1200" b="0" i="0" u="none" strike="noStrike" cap="none" normalizeH="0" baseline="0" dirty="0" err="1" smtClean="0">
+                <a:ln>
+                  <a:noFill/>
+                </a:ln>
+                <a:solidFill>
+                  <a:srgbClr val="000000"/>
+                </a:solidFill>
+                <a:effectLst/>
+                <a:latin typeface="Courier New" panose="02070309020205020404" pitchFamily="49" charset="0"/>
+                <a:cs typeface="Courier New" panose="02070309020205020404" pitchFamily="49" charset="0"/>
+              </a:rPr>
+              <a:t>PaymentInstructionDTO</a:t>
+            </a:r>
+            <a:r>
+              <a:rPr kumimoji="0" lang="en-US" altLang="en-US" sz="1200" b="0" i="0" u="none" strike="noStrike" cap="none" normalizeH="0" baseline="0" dirty="0" smtClean="0">
+                <a:ln>
+                  <a:noFill/>
+                </a:ln>
+                <a:solidFill>
+                  <a:srgbClr val="000000"/>
+                </a:solidFill>
+                <a:effectLst/>
+                <a:latin typeface="Courier New" panose="02070309020205020404" pitchFamily="49" charset="0"/>
+                <a:cs typeface="Courier New" panose="02070309020205020404" pitchFamily="49" charset="0"/>
+              </a:rPr>
+              <a:t> </a:t>
+            </a:r>
+            <a:r>
+              <a:rPr kumimoji="0" lang="en-US" altLang="en-US" sz="1200" b="0" i="0" u="none" strike="noStrike" cap="none" normalizeH="0" baseline="0" dirty="0" err="1" smtClean="0">
+                <a:ln>
+                  <a:noFill/>
+                </a:ln>
+                <a:solidFill>
+                  <a:srgbClr val="000000"/>
+                </a:solidFill>
+                <a:effectLst/>
+                <a:latin typeface="Courier New" panose="02070309020205020404" pitchFamily="49" charset="0"/>
+                <a:cs typeface="Courier New" panose="02070309020205020404" pitchFamily="49" charset="0"/>
+              </a:rPr>
+              <a:t>createPaymentInstructionDTO</a:t>
+            </a:r>
+            <a:r>
+              <a:rPr kumimoji="0" lang="en-US" altLang="en-US" sz="1200" b="0" i="0" u="none" strike="noStrike" cap="none" normalizeH="0" baseline="0" dirty="0" smtClean="0">
+                <a:ln>
+                  <a:noFill/>
+                </a:ln>
+                <a:solidFill>
+                  <a:srgbClr val="000000"/>
+                </a:solidFill>
+                <a:effectLst/>
+                <a:latin typeface="Courier New" panose="02070309020205020404" pitchFamily="49" charset="0"/>
+                <a:cs typeface="Courier New" panose="02070309020205020404" pitchFamily="49" charset="0"/>
+              </a:rPr>
+              <a:t>(</a:t>
+            </a:r>
+            <a:r>
+              <a:rPr kumimoji="0" lang="en-US" altLang="en-US" sz="1200" b="1" i="0" u="none" strike="noStrike" cap="none" normalizeH="0" baseline="0" dirty="0" smtClean="0">
+                <a:ln>
+                  <a:noFill/>
+                </a:ln>
+                <a:solidFill>
+                  <a:srgbClr val="000080"/>
+                </a:solidFill>
+                <a:effectLst/>
+                <a:latin typeface="Courier New" panose="02070309020205020404" pitchFamily="49" charset="0"/>
+                <a:cs typeface="Courier New" panose="02070309020205020404" pitchFamily="49" charset="0"/>
+              </a:rPr>
+              <a:t>final </a:t>
+            </a:r>
+            <a:r>
+              <a:rPr kumimoji="0" lang="en-US" altLang="en-US" sz="1200" b="0" i="0" u="none" strike="noStrike" cap="none" normalizeH="0" baseline="0" dirty="0" err="1" smtClean="0">
+                <a:ln>
+                  <a:noFill/>
+                </a:ln>
+                <a:solidFill>
+                  <a:srgbClr val="000000"/>
+                </a:solidFill>
+                <a:effectLst/>
+                <a:latin typeface="Courier New" panose="02070309020205020404" pitchFamily="49" charset="0"/>
+                <a:cs typeface="Courier New" panose="02070309020205020404" pitchFamily="49" charset="0"/>
+              </a:rPr>
+              <a:t>PaymentInstruction</a:t>
+            </a:r>
+            <a:r>
+              <a:rPr kumimoji="0" lang="en-US" altLang="en-US" sz="1200" b="0" i="0" u="none" strike="noStrike" cap="none" normalizeH="0" baseline="0" dirty="0" smtClean="0">
+                <a:ln>
+                  <a:noFill/>
+                </a:ln>
+                <a:solidFill>
+                  <a:srgbClr val="000000"/>
+                </a:solidFill>
+                <a:effectLst/>
+                <a:latin typeface="Courier New" panose="02070309020205020404" pitchFamily="49" charset="0"/>
+                <a:cs typeface="Courier New" panose="02070309020205020404" pitchFamily="49" charset="0"/>
+              </a:rPr>
+              <a:t> </a:t>
+            </a:r>
+            <a:r>
+              <a:rPr kumimoji="0" lang="en-US" altLang="en-US" sz="1200" b="0" i="0" u="none" strike="noStrike" cap="none" normalizeH="0" baseline="0" dirty="0" err="1" smtClean="0">
+                <a:ln>
+                  <a:noFill/>
+                </a:ln>
+                <a:solidFill>
+                  <a:srgbClr val="000000"/>
+                </a:solidFill>
+                <a:effectLst/>
+                <a:latin typeface="Courier New" panose="02070309020205020404" pitchFamily="49" charset="0"/>
+                <a:cs typeface="Courier New" panose="02070309020205020404" pitchFamily="49" charset="0"/>
+              </a:rPr>
+              <a:t>paymentInstruction</a:t>
+            </a:r>
+            <a:r>
+              <a:rPr kumimoji="0" lang="en-US" altLang="en-US" sz="1200" b="0" i="0" u="none" strike="noStrike" cap="none" normalizeH="0" baseline="0" dirty="0" smtClean="0">
+                <a:ln>
+                  <a:noFill/>
+                </a:ln>
+                <a:solidFill>
+                  <a:srgbClr val="000000"/>
+                </a:solidFill>
+                <a:effectLst/>
+                <a:latin typeface="Courier New" panose="02070309020205020404" pitchFamily="49" charset="0"/>
+                <a:cs typeface="Courier New" panose="02070309020205020404" pitchFamily="49" charset="0"/>
+              </a:rPr>
+              <a:t>) {</a:t>
+            </a:r>
+            <a:br>
+              <a:rPr kumimoji="0" lang="en-US" altLang="en-US" sz="1200" b="0" i="0" u="none" strike="noStrike" cap="none" normalizeH="0" baseline="0" dirty="0" smtClean="0">
+                <a:ln>
+                  <a:noFill/>
+                </a:ln>
+                <a:solidFill>
+                  <a:srgbClr val="000000"/>
+                </a:solidFill>
+                <a:effectLst/>
+                <a:latin typeface="Courier New" panose="02070309020205020404" pitchFamily="49" charset="0"/>
+                <a:cs typeface="Courier New" panose="02070309020205020404" pitchFamily="49" charset="0"/>
+              </a:rPr>
+            </a:br>
+            <a:r>
+              <a:rPr kumimoji="0" lang="en-US" altLang="en-US" sz="1200" b="0" i="0" u="none" strike="noStrike" cap="none" normalizeH="0" baseline="0" dirty="0" smtClean="0">
+                <a:ln>
+                  <a:noFill/>
+                </a:ln>
+                <a:solidFill>
+                  <a:srgbClr val="000000"/>
+                </a:solidFill>
+                <a:effectLst/>
+                <a:latin typeface="Courier New" panose="02070309020205020404" pitchFamily="49" charset="0"/>
+                <a:cs typeface="Courier New" panose="02070309020205020404" pitchFamily="49" charset="0"/>
+              </a:rPr>
+              <a:t>   </a:t>
+            </a:r>
+            <a:r>
+              <a:rPr kumimoji="0" lang="en-US" altLang="en-US" sz="1200" b="1" i="0" u="none" strike="noStrike" cap="none" normalizeH="0" baseline="0" dirty="0" smtClean="0">
+                <a:ln>
+                  <a:noFill/>
+                </a:ln>
+                <a:solidFill>
+                  <a:srgbClr val="000080"/>
+                </a:solidFill>
+                <a:effectLst/>
+                <a:latin typeface="Courier New" panose="02070309020205020404" pitchFamily="49" charset="0"/>
+                <a:cs typeface="Courier New" panose="02070309020205020404" pitchFamily="49" charset="0"/>
+              </a:rPr>
+              <a:t>return </a:t>
+            </a:r>
+            <a:r>
+              <a:rPr kumimoji="0" lang="en-US" altLang="en-US" sz="1200" b="0" i="0" u="none" strike="noStrike" cap="none" normalizeH="0" baseline="0" dirty="0" err="1" smtClean="0">
+                <a:ln>
+                  <a:noFill/>
+                </a:ln>
+                <a:solidFill>
+                  <a:srgbClr val="000000"/>
+                </a:solidFill>
+                <a:effectLst/>
+                <a:latin typeface="Courier New" panose="02070309020205020404" pitchFamily="49" charset="0"/>
+                <a:cs typeface="Courier New" panose="02070309020205020404" pitchFamily="49" charset="0"/>
+              </a:rPr>
+              <a:t>DozerBeanMapperSingletonWrapper.</a:t>
+            </a:r>
+            <a:r>
+              <a:rPr kumimoji="0" lang="en-US" altLang="en-US" sz="1200" b="0" i="1" u="none" strike="noStrike" cap="none" normalizeH="0" baseline="0" dirty="0" err="1" smtClean="0">
+                <a:ln>
+                  <a:noFill/>
+                </a:ln>
+                <a:solidFill>
+                  <a:srgbClr val="000000"/>
+                </a:solidFill>
+                <a:effectLst/>
+                <a:latin typeface="Courier New" panose="02070309020205020404" pitchFamily="49" charset="0"/>
+                <a:cs typeface="Courier New" panose="02070309020205020404" pitchFamily="49" charset="0"/>
+              </a:rPr>
+              <a:t>getInstance</a:t>
+            </a:r>
+            <a:r>
+              <a:rPr kumimoji="0" lang="en-US" altLang="en-US" sz="1200" b="0" i="0" u="none" strike="noStrike" cap="none" normalizeH="0" baseline="0" dirty="0" smtClean="0">
+                <a:ln>
+                  <a:noFill/>
+                </a:ln>
+                <a:solidFill>
+                  <a:srgbClr val="000000"/>
+                </a:solidFill>
+                <a:effectLst/>
+                <a:latin typeface="Courier New" panose="02070309020205020404" pitchFamily="49" charset="0"/>
+                <a:cs typeface="Courier New" panose="02070309020205020404" pitchFamily="49" charset="0"/>
+              </a:rPr>
+              <a:t>().map(</a:t>
+            </a:r>
+            <a:r>
+              <a:rPr kumimoji="0" lang="en-US" altLang="en-US" sz="1200" b="0" i="0" u="none" strike="noStrike" cap="none" normalizeH="0" baseline="0" dirty="0" err="1" smtClean="0">
+                <a:ln>
+                  <a:noFill/>
+                </a:ln>
+                <a:solidFill>
+                  <a:srgbClr val="000000"/>
+                </a:solidFill>
+                <a:effectLst/>
+                <a:latin typeface="Courier New" panose="02070309020205020404" pitchFamily="49" charset="0"/>
+                <a:cs typeface="Courier New" panose="02070309020205020404" pitchFamily="49" charset="0"/>
+              </a:rPr>
+              <a:t>paymentInstruction</a:t>
+            </a:r>
+            <a:r>
+              <a:rPr kumimoji="0" lang="en-US" altLang="en-US" sz="1200" b="0" i="0" u="none" strike="noStrike" cap="none" normalizeH="0" baseline="0" dirty="0" smtClean="0">
+                <a:ln>
+                  <a:noFill/>
+                </a:ln>
+                <a:solidFill>
+                  <a:srgbClr val="000000"/>
+                </a:solidFill>
+                <a:effectLst/>
+                <a:latin typeface="Courier New" panose="02070309020205020404" pitchFamily="49" charset="0"/>
+                <a:cs typeface="Courier New" panose="02070309020205020404" pitchFamily="49" charset="0"/>
+              </a:rPr>
+              <a:t>, </a:t>
+            </a:r>
+            <a:r>
+              <a:rPr kumimoji="0" lang="en-US" altLang="en-US" sz="1200" b="0" i="0" u="none" strike="noStrike" cap="none" normalizeH="0" baseline="0" dirty="0" err="1" smtClean="0">
+                <a:ln>
+                  <a:noFill/>
+                </a:ln>
+                <a:solidFill>
+                  <a:srgbClr val="000000"/>
+                </a:solidFill>
+                <a:effectLst/>
+                <a:latin typeface="Courier New" panose="02070309020205020404" pitchFamily="49" charset="0"/>
+                <a:cs typeface="Courier New" panose="02070309020205020404" pitchFamily="49" charset="0"/>
+              </a:rPr>
+              <a:t>PaymentInstructionDTO.</a:t>
+            </a:r>
+            <a:r>
+              <a:rPr kumimoji="0" lang="en-US" altLang="en-US" sz="1200" b="1" i="0" u="none" strike="noStrike" cap="none" normalizeH="0" baseline="0" dirty="0" err="1" smtClean="0">
+                <a:ln>
+                  <a:noFill/>
+                </a:ln>
+                <a:solidFill>
+                  <a:srgbClr val="000080"/>
+                </a:solidFill>
+                <a:effectLst/>
+                <a:latin typeface="Courier New" panose="02070309020205020404" pitchFamily="49" charset="0"/>
+                <a:cs typeface="Courier New" panose="02070309020205020404" pitchFamily="49" charset="0"/>
+              </a:rPr>
+              <a:t>class</a:t>
+            </a:r>
+            <a:r>
+              <a:rPr kumimoji="0" lang="en-US" altLang="en-US" sz="1200" b="0" i="0" u="none" strike="noStrike" cap="none" normalizeH="0" baseline="0" dirty="0" smtClean="0">
+                <a:ln>
+                  <a:noFill/>
+                </a:ln>
+                <a:solidFill>
+                  <a:srgbClr val="000000"/>
+                </a:solidFill>
+                <a:effectLst/>
+                <a:latin typeface="Courier New" panose="02070309020205020404" pitchFamily="49" charset="0"/>
+                <a:cs typeface="Courier New" panose="02070309020205020404" pitchFamily="49" charset="0"/>
+              </a:rPr>
+              <a:t>);</a:t>
+            </a:r>
+            <a:br>
+              <a:rPr kumimoji="0" lang="en-US" altLang="en-US" sz="1200" b="0" i="0" u="none" strike="noStrike" cap="none" normalizeH="0" baseline="0" dirty="0" smtClean="0">
+                <a:ln>
+                  <a:noFill/>
+                </a:ln>
+                <a:solidFill>
+                  <a:srgbClr val="000000"/>
+                </a:solidFill>
+                <a:effectLst/>
+                <a:latin typeface="Courier New" panose="02070309020205020404" pitchFamily="49" charset="0"/>
+                <a:cs typeface="Courier New" panose="02070309020205020404" pitchFamily="49" charset="0"/>
+              </a:rPr>
+            </a:br>
+            <a:r>
+              <a:rPr kumimoji="0" lang="en-US" altLang="en-US" sz="1200" b="0" i="0" u="none" strike="noStrike" cap="none" normalizeH="0" baseline="0" dirty="0" smtClean="0">
+                <a:ln>
+                  <a:noFill/>
+                </a:ln>
+                <a:solidFill>
+                  <a:srgbClr val="000000"/>
+                </a:solidFill>
+                <a:effectLst/>
+                <a:latin typeface="Courier New" panose="02070309020205020404" pitchFamily="49" charset="0"/>
+                <a:cs typeface="Courier New" panose="02070309020205020404" pitchFamily="49" charset="0"/>
+              </a:rPr>
+              <a:t>}</a:t>
+            </a:r>
+            <a:endParaRPr kumimoji="0" lang="en-US" altLang="en-US" sz="3200" b="0" i="0" u="none" strike="noStrike" cap="none" normalizeH="0" baseline="0" dirty="0" smtClean="0">
+              <a:ln>
+                <a:noFill/>
+              </a:ln>
+              <a:solidFill>
+                <a:schemeClr val="tx1"/>
+              </a:solidFill>
+              <a:effectLst/>
+              <a:latin typeface="Arial" panose="020B0604020202020204" pitchFamily="34" charset="0"/>
+            </a:endParaRPr>
+          </a:p>
+        </p:txBody>
+      </p:sp>
+    </p:spTree>
+    <p:extLst>
+      <p:ext uri="{BB962C8B-B14F-4D97-AF65-F5344CB8AC3E}">
+        <p14:creationId xmlns:p14="http://schemas.microsoft.com/office/powerpoint/2010/main" val="2674473952"/>
+      </p:ext>
+    </p:extLst>
+  </p:cSld>
+  <p:clrMapOvr>
+    <a:masterClrMapping/>
+  </p:clrMapOvr>
+  <p:timing>
+    <p:tnLst>
+      <p:par>
+        <p:cTn id="1" dur="indefinite" restart="never" nodeType="tmRoot"/>
+      </p:par>
+    </p:tnLst>
+  </p:timing>
+</p:sld>
+</file>
+
+<file path=ppt/slides/slide28.xml><?xml version="1.0" encoding="utf-8"?>
+<p:sld xmlns:a="http://schemas.openxmlformats.org/drawingml/2006/main" xmlns:r="http://schemas.openxmlformats.org/officeDocument/2006/relationships" xmlns:p="http://schemas.openxmlformats.org/presentationml/2006/main">
+  <p:cSld>
+    <p:spTree>
+      <p:nvGrpSpPr>
+        <p:cNvPr id="1" name=""/>
+        <p:cNvGrpSpPr/>
+        <p:nvPr/>
+      </p:nvGrpSpPr>
+      <p:grpSpPr>
+        <a:xfrm>
+          <a:off x="0" y="0"/>
+          <a:ext cx="0" cy="0"/>
+          <a:chOff x="0" y="0"/>
+          <a:chExt cx="0" cy="0"/>
+        </a:xfrm>
+      </p:grpSpPr>
+      <p:sp>
+        <p:nvSpPr>
+          <p:cNvPr id="2" name="Title 1"/>
+          <p:cNvSpPr>
+            <a:spLocks noGrp="1"/>
+          </p:cNvSpPr>
+          <p:nvPr>
+            <p:ph type="title"/>
+          </p:nvPr>
+        </p:nvSpPr>
+        <p:spPr/>
+        <p:txBody>
+          <a:bodyPr/>
+          <a:lstStyle/>
+          <a:p>
+            <a:r>
+              <a:rPr lang="en-US" dirty="0" smtClean="0"/>
+              <a:t>Entities: </a:t>
+            </a:r>
+            <a:r>
+              <a:rPr lang="en-US" dirty="0" err="1" smtClean="0"/>
+              <a:t>PaymentInstruction</a:t>
+            </a:r>
+            <a:endParaRPr lang="en-US" dirty="0"/>
+          </a:p>
+        </p:txBody>
+      </p:sp>
+      <p:sp>
+        <p:nvSpPr>
+          <p:cNvPr id="5" name="Rectangle 1"/>
+          <p:cNvSpPr>
+            <a:spLocks noChangeArrowheads="1"/>
+          </p:cNvSpPr>
+          <p:nvPr/>
+        </p:nvSpPr>
+        <p:spPr bwMode="auto">
+          <a:xfrm>
+            <a:off x="2051868" y="2640372"/>
+            <a:ext cx="8352264" cy="2893100"/>
+          </a:xfrm>
+          <a:prstGeom prst="rect">
+            <a:avLst/>
+          </a:prstGeom>
+          <a:solidFill>
+            <a:srgbClr val="FFFFFF"/>
+          </a:solidFill>
+          <a:ln>
+            <a:noFill/>
+          </a:ln>
+          <a:effectLst/>
+          <a:extLst>
+            <a:ext uri="{91240B29-F687-4F45-9708-019B960494DF}">
+              <a14:hiddenLine xmlns:a14="http://schemas.microsoft.com/office/drawing/2010/main" w="9525">
+                <a:solidFill>
+                  <a:schemeClr val="tx1"/>
+                </a:solidFill>
+                <a:miter lim="800000"/>
+                <a:headEnd/>
+                <a:tailEnd/>
+              </a14:hiddenLine>
+            </a:ext>
+            <a:ext uri="{AF507438-7753-43E0-B8FC-AC1667EBCBE1}">
+              <a14:hiddenEffects xmlns:a14="http://schemas.microsoft.com/office/drawing/2010/main">
+                <a:effectLst>
+                  <a:outerShdw dist="35921" dir="2700000" algn="ctr" rotWithShape="0">
+                    <a:schemeClr val="bg2"/>
+                  </a:outerShdw>
+                </a:effectLst>
+              </a14:hiddenEffects>
+            </a:ext>
+          </a:extLst>
+        </p:spPr>
+        <p:txBody>
+          <a:bodyPr vert="horz" wrap="square" lIns="91440" tIns="45720" rIns="91440" bIns="45720" numCol="1" anchor="ctr" anchorCtr="0" compatLnSpc="1">
+            <a:prstTxWarp prst="textNoShape">
+              <a:avLst/>
+            </a:prstTxWarp>
+            <a:spAutoFit/>
+          </a:bodyPr>
+          <a:lstStyle/>
+          <a:p>
+            <a:pPr marL="0" marR="0" lvl="0" indent="0" algn="l" defTabSz="914400" rtl="0" eaLnBrk="0" fontAlgn="base" latinLnBrk="0" hangingPunct="0">
+              <a:lnSpc>
+                <a:spcPct val="100000"/>
+              </a:lnSpc>
+              <a:spcBef>
+                <a:spcPct val="0"/>
+              </a:spcBef>
+              <a:spcAft>
+                <a:spcPct val="0"/>
+              </a:spcAft>
+              <a:buClrTx/>
+              <a:buSzTx/>
+              <a:buFontTx/>
+              <a:buNone/>
+              <a:tabLst/>
+            </a:pPr>
+            <a:r>
+              <a:rPr kumimoji="0" lang="en-US" altLang="en-US" sz="1400" b="1" i="0" u="none" strike="noStrike" cap="none" normalizeH="0" baseline="0" dirty="0" smtClean="0">
+                <a:ln>
+                  <a:noFill/>
+                </a:ln>
+                <a:solidFill>
+                  <a:srgbClr val="000080"/>
+                </a:solidFill>
+                <a:effectLst/>
+                <a:latin typeface="Courier New" panose="02070309020205020404" pitchFamily="49" charset="0"/>
+                <a:cs typeface="Courier New" panose="02070309020205020404" pitchFamily="49" charset="0"/>
+              </a:rPr>
+              <a:t>public </a:t>
+            </a:r>
+            <a:r>
+              <a:rPr kumimoji="0" lang="en-US" altLang="en-US" sz="1400" b="0" i="0" u="none" strike="noStrike" cap="none" normalizeH="0" baseline="0" dirty="0" err="1" smtClean="0">
+                <a:ln>
+                  <a:noFill/>
+                </a:ln>
+                <a:solidFill>
+                  <a:srgbClr val="000000"/>
+                </a:solidFill>
+                <a:effectLst/>
+                <a:latin typeface="Courier New" panose="02070309020205020404" pitchFamily="49" charset="0"/>
+                <a:cs typeface="Courier New" panose="02070309020205020404" pitchFamily="49" charset="0"/>
+              </a:rPr>
+              <a:t>PaymentInstruction</a:t>
+            </a:r>
+            <a:r>
+              <a:rPr kumimoji="0" lang="en-US" altLang="en-US" sz="1400" b="0" i="0" u="none" strike="noStrike" cap="none" normalizeH="0" baseline="0" dirty="0" smtClean="0">
+                <a:ln>
+                  <a:noFill/>
+                </a:ln>
+                <a:solidFill>
+                  <a:srgbClr val="000000"/>
+                </a:solidFill>
+                <a:effectLst/>
+                <a:latin typeface="Courier New" panose="02070309020205020404" pitchFamily="49" charset="0"/>
+                <a:cs typeface="Courier New" panose="02070309020205020404" pitchFamily="49" charset="0"/>
+              </a:rPr>
+              <a:t>(</a:t>
+            </a:r>
+            <a:r>
+              <a:rPr kumimoji="0" lang="en-US" altLang="en-US" sz="1400" b="1" i="0" u="none" strike="noStrike" cap="none" normalizeH="0" baseline="0" dirty="0" smtClean="0">
+                <a:ln>
+                  <a:noFill/>
+                </a:ln>
+                <a:solidFill>
+                  <a:srgbClr val="000080"/>
+                </a:solidFill>
+                <a:effectLst/>
+                <a:latin typeface="Courier New" panose="02070309020205020404" pitchFamily="49" charset="0"/>
+                <a:cs typeface="Courier New" panose="02070309020205020404" pitchFamily="49" charset="0"/>
+              </a:rPr>
+              <a:t>final </a:t>
+            </a:r>
+            <a:r>
+              <a:rPr kumimoji="0" lang="en-US" altLang="en-US" sz="1400" b="0" i="0" u="none" strike="noStrike" cap="none" normalizeH="0" baseline="0" dirty="0" err="1" smtClean="0">
+                <a:ln>
+                  <a:noFill/>
+                </a:ln>
+                <a:solidFill>
+                  <a:srgbClr val="000000"/>
+                </a:solidFill>
+                <a:effectLst/>
+                <a:latin typeface="Courier New" panose="02070309020205020404" pitchFamily="49" charset="0"/>
+                <a:cs typeface="Courier New" panose="02070309020205020404" pitchFamily="49" charset="0"/>
+              </a:rPr>
+              <a:t>OrderingAccount</a:t>
+            </a:r>
+            <a:r>
+              <a:rPr kumimoji="0" lang="en-US" altLang="en-US" sz="1400" b="0" i="0" u="none" strike="noStrike" cap="none" normalizeH="0" baseline="0" dirty="0" smtClean="0">
+                <a:ln>
+                  <a:noFill/>
+                </a:ln>
+                <a:solidFill>
+                  <a:srgbClr val="000000"/>
+                </a:solidFill>
+                <a:effectLst/>
+                <a:latin typeface="Courier New" panose="02070309020205020404" pitchFamily="49" charset="0"/>
+                <a:cs typeface="Courier New" panose="02070309020205020404" pitchFamily="49" charset="0"/>
+              </a:rPr>
+              <a:t> </a:t>
+            </a:r>
+            <a:r>
+              <a:rPr kumimoji="0" lang="en-US" altLang="en-US" sz="1400" b="0" i="0" u="none" strike="noStrike" cap="none" normalizeH="0" baseline="0" dirty="0" err="1" smtClean="0">
+                <a:ln>
+                  <a:noFill/>
+                </a:ln>
+                <a:solidFill>
+                  <a:srgbClr val="000000"/>
+                </a:solidFill>
+                <a:effectLst/>
+                <a:latin typeface="Courier New" panose="02070309020205020404" pitchFamily="49" charset="0"/>
+                <a:cs typeface="Courier New" panose="02070309020205020404" pitchFamily="49" charset="0"/>
+              </a:rPr>
+              <a:t>orderingAccount</a:t>
+            </a:r>
+            <a:r>
+              <a:rPr kumimoji="0" lang="en-US" altLang="en-US" sz="1400" b="0" i="0" u="none" strike="noStrike" cap="none" normalizeH="0" baseline="0" dirty="0" smtClean="0">
+                <a:ln>
+                  <a:noFill/>
+                </a:ln>
+                <a:solidFill>
+                  <a:srgbClr val="000000"/>
+                </a:solidFill>
+                <a:effectLst/>
+                <a:latin typeface="Courier New" panose="02070309020205020404" pitchFamily="49" charset="0"/>
+                <a:cs typeface="Courier New" panose="02070309020205020404" pitchFamily="49" charset="0"/>
+              </a:rPr>
+              <a:t>,</a:t>
+            </a:r>
+            <a:br>
+              <a:rPr kumimoji="0" lang="en-US" altLang="en-US" sz="1400" b="0" i="0" u="none" strike="noStrike" cap="none" normalizeH="0" baseline="0" dirty="0" smtClean="0">
+                <a:ln>
+                  <a:noFill/>
+                </a:ln>
+                <a:solidFill>
+                  <a:srgbClr val="000000"/>
+                </a:solidFill>
+                <a:effectLst/>
+                <a:latin typeface="Courier New" panose="02070309020205020404" pitchFamily="49" charset="0"/>
+                <a:cs typeface="Courier New" panose="02070309020205020404" pitchFamily="49" charset="0"/>
+              </a:rPr>
+            </a:br>
+            <a:r>
+              <a:rPr kumimoji="0" lang="en-US" altLang="en-US" sz="1400" b="0" i="0" u="none" strike="noStrike" cap="none" normalizeH="0" baseline="0" dirty="0" smtClean="0">
+                <a:ln>
+                  <a:noFill/>
+                </a:ln>
+                <a:solidFill>
+                  <a:srgbClr val="000000"/>
+                </a:solidFill>
+                <a:effectLst/>
+                <a:latin typeface="Courier New" panose="02070309020205020404" pitchFamily="49" charset="0"/>
+                <a:cs typeface="Courier New" panose="02070309020205020404" pitchFamily="49" charset="0"/>
+              </a:rPr>
+              <a:t>                    </a:t>
+            </a:r>
+            <a:r>
+              <a:rPr kumimoji="0" lang="en-US" altLang="en-US" sz="1400" b="1" i="0" u="none" strike="noStrike" cap="none" normalizeH="0" baseline="0" dirty="0" smtClean="0">
+                <a:ln>
+                  <a:noFill/>
+                </a:ln>
+                <a:solidFill>
+                  <a:srgbClr val="000080"/>
+                </a:solidFill>
+                <a:effectLst/>
+                <a:latin typeface="Courier New" panose="02070309020205020404" pitchFamily="49" charset="0"/>
+                <a:cs typeface="Courier New" panose="02070309020205020404" pitchFamily="49" charset="0"/>
+              </a:rPr>
+              <a:t>final </a:t>
+            </a:r>
+            <a:r>
+              <a:rPr kumimoji="0" lang="en-US" altLang="en-US" sz="1400" b="0" i="0" u="none" strike="noStrike" cap="none" normalizeH="0" baseline="0" dirty="0" err="1" smtClean="0">
+                <a:ln>
+                  <a:noFill/>
+                </a:ln>
+                <a:solidFill>
+                  <a:srgbClr val="000000"/>
+                </a:solidFill>
+                <a:effectLst/>
+                <a:latin typeface="Courier New" panose="02070309020205020404" pitchFamily="49" charset="0"/>
+                <a:cs typeface="Courier New" panose="02070309020205020404" pitchFamily="49" charset="0"/>
+              </a:rPr>
+              <a:t>BeneficiaryAccount</a:t>
+            </a:r>
+            <a:r>
+              <a:rPr kumimoji="0" lang="en-US" altLang="en-US" sz="1400" b="0" i="0" u="none" strike="noStrike" cap="none" normalizeH="0" baseline="0" dirty="0" smtClean="0">
+                <a:ln>
+                  <a:noFill/>
+                </a:ln>
+                <a:solidFill>
+                  <a:srgbClr val="000000"/>
+                </a:solidFill>
+                <a:effectLst/>
+                <a:latin typeface="Courier New" panose="02070309020205020404" pitchFamily="49" charset="0"/>
+                <a:cs typeface="Courier New" panose="02070309020205020404" pitchFamily="49" charset="0"/>
+              </a:rPr>
+              <a:t> </a:t>
+            </a:r>
+            <a:r>
+              <a:rPr kumimoji="0" lang="en-US" altLang="en-US" sz="1400" b="0" i="0" u="none" strike="noStrike" cap="none" normalizeH="0" baseline="0" dirty="0" err="1" smtClean="0">
+                <a:ln>
+                  <a:noFill/>
+                </a:ln>
+                <a:solidFill>
+                  <a:srgbClr val="000000"/>
+                </a:solidFill>
+                <a:effectLst/>
+                <a:latin typeface="Courier New" panose="02070309020205020404" pitchFamily="49" charset="0"/>
+                <a:cs typeface="Courier New" panose="02070309020205020404" pitchFamily="49" charset="0"/>
+              </a:rPr>
+              <a:t>beneficiaryAccount</a:t>
+            </a:r>
+            <a:r>
+              <a:rPr kumimoji="0" lang="en-US" altLang="en-US" sz="1400" b="0" i="0" u="none" strike="noStrike" cap="none" normalizeH="0" baseline="0" dirty="0" smtClean="0">
+                <a:ln>
+                  <a:noFill/>
+                </a:ln>
+                <a:solidFill>
+                  <a:srgbClr val="000000"/>
+                </a:solidFill>
+                <a:effectLst/>
+                <a:latin typeface="Courier New" panose="02070309020205020404" pitchFamily="49" charset="0"/>
+                <a:cs typeface="Courier New" panose="02070309020205020404" pitchFamily="49" charset="0"/>
+              </a:rPr>
+              <a:t>,</a:t>
+            </a:r>
+            <a:br>
+              <a:rPr kumimoji="0" lang="en-US" altLang="en-US" sz="1400" b="0" i="0" u="none" strike="noStrike" cap="none" normalizeH="0" baseline="0" dirty="0" smtClean="0">
+                <a:ln>
+                  <a:noFill/>
+                </a:ln>
+                <a:solidFill>
+                  <a:srgbClr val="000000"/>
+                </a:solidFill>
+                <a:effectLst/>
+                <a:latin typeface="Courier New" panose="02070309020205020404" pitchFamily="49" charset="0"/>
+                <a:cs typeface="Courier New" panose="02070309020205020404" pitchFamily="49" charset="0"/>
+              </a:rPr>
+            </a:br>
+            <a:r>
+              <a:rPr kumimoji="0" lang="en-US" altLang="en-US" sz="1400" b="0" i="0" u="none" strike="noStrike" cap="none" normalizeH="0" baseline="0" dirty="0" smtClean="0">
+                <a:ln>
+                  <a:noFill/>
+                </a:ln>
+                <a:solidFill>
+                  <a:srgbClr val="000000"/>
+                </a:solidFill>
+                <a:effectLst/>
+                <a:latin typeface="Courier New" panose="02070309020205020404" pitchFamily="49" charset="0"/>
+                <a:cs typeface="Courier New" panose="02070309020205020404" pitchFamily="49" charset="0"/>
+              </a:rPr>
+              <a:t>                    </a:t>
+            </a:r>
+            <a:r>
+              <a:rPr kumimoji="0" lang="en-US" altLang="en-US" sz="1400" b="1" i="0" u="none" strike="noStrike" cap="none" normalizeH="0" baseline="0" dirty="0" smtClean="0">
+                <a:ln>
+                  <a:noFill/>
+                </a:ln>
+                <a:solidFill>
+                  <a:srgbClr val="000080"/>
+                </a:solidFill>
+                <a:effectLst/>
+                <a:latin typeface="Courier New" panose="02070309020205020404" pitchFamily="49" charset="0"/>
+                <a:cs typeface="Courier New" panose="02070309020205020404" pitchFamily="49" charset="0"/>
+              </a:rPr>
+              <a:t>final </a:t>
+            </a:r>
+            <a:r>
+              <a:rPr kumimoji="0" lang="en-US" altLang="en-US" sz="1400" b="0" i="0" u="none" strike="noStrike" cap="none" normalizeH="0" baseline="0" dirty="0" smtClean="0">
+                <a:ln>
+                  <a:noFill/>
+                </a:ln>
+                <a:solidFill>
+                  <a:srgbClr val="000000"/>
+                </a:solidFill>
+                <a:effectLst/>
+                <a:latin typeface="Courier New" panose="02070309020205020404" pitchFamily="49" charset="0"/>
+                <a:cs typeface="Courier New" panose="02070309020205020404" pitchFamily="49" charset="0"/>
+              </a:rPr>
+              <a:t>Currency </a:t>
+            </a:r>
+            <a:r>
+              <a:rPr kumimoji="0" lang="en-US" altLang="en-US" sz="1400" b="0" i="0" u="none" strike="noStrike" cap="none" normalizeH="0" baseline="0" dirty="0" err="1" smtClean="0">
+                <a:ln>
+                  <a:noFill/>
+                </a:ln>
+                <a:solidFill>
+                  <a:srgbClr val="000000"/>
+                </a:solidFill>
+                <a:effectLst/>
+                <a:latin typeface="Courier New" panose="02070309020205020404" pitchFamily="49" charset="0"/>
+                <a:cs typeface="Courier New" panose="02070309020205020404" pitchFamily="49" charset="0"/>
+              </a:rPr>
+              <a:t>paymentCurrency</a:t>
+            </a:r>
+            <a:r>
+              <a:rPr kumimoji="0" lang="en-US" altLang="en-US" sz="1400" b="0" i="0" u="none" strike="noStrike" cap="none" normalizeH="0" baseline="0" dirty="0" smtClean="0">
+                <a:ln>
+                  <a:noFill/>
+                </a:ln>
+                <a:solidFill>
+                  <a:srgbClr val="000000"/>
+                </a:solidFill>
+                <a:effectLst/>
+                <a:latin typeface="Courier New" panose="02070309020205020404" pitchFamily="49" charset="0"/>
+                <a:cs typeface="Courier New" panose="02070309020205020404" pitchFamily="49" charset="0"/>
+              </a:rPr>
+              <a:t>,</a:t>
+            </a:r>
+            <a:br>
+              <a:rPr kumimoji="0" lang="en-US" altLang="en-US" sz="1400" b="0" i="0" u="none" strike="noStrike" cap="none" normalizeH="0" baseline="0" dirty="0" smtClean="0">
+                <a:ln>
+                  <a:noFill/>
+                </a:ln>
+                <a:solidFill>
+                  <a:srgbClr val="000000"/>
+                </a:solidFill>
+                <a:effectLst/>
+                <a:latin typeface="Courier New" panose="02070309020205020404" pitchFamily="49" charset="0"/>
+                <a:cs typeface="Courier New" panose="02070309020205020404" pitchFamily="49" charset="0"/>
+              </a:rPr>
+            </a:br>
+            <a:r>
+              <a:rPr kumimoji="0" lang="en-US" altLang="en-US" sz="1400" b="0" i="0" u="none" strike="noStrike" cap="none" normalizeH="0" baseline="0" dirty="0" smtClean="0">
+                <a:ln>
+                  <a:noFill/>
+                </a:ln>
+                <a:solidFill>
+                  <a:srgbClr val="000000"/>
+                </a:solidFill>
+                <a:effectLst/>
+                <a:latin typeface="Courier New" panose="02070309020205020404" pitchFamily="49" charset="0"/>
+                <a:cs typeface="Courier New" panose="02070309020205020404" pitchFamily="49" charset="0"/>
+              </a:rPr>
+              <a:t>                    </a:t>
+            </a:r>
+            <a:r>
+              <a:rPr kumimoji="0" lang="en-US" altLang="en-US" sz="1400" b="1" i="0" u="none" strike="noStrike" cap="none" normalizeH="0" baseline="0" dirty="0" smtClean="0">
+                <a:ln>
+                  <a:noFill/>
+                </a:ln>
+                <a:solidFill>
+                  <a:srgbClr val="000080"/>
+                </a:solidFill>
+                <a:effectLst/>
+                <a:latin typeface="Courier New" panose="02070309020205020404" pitchFamily="49" charset="0"/>
+                <a:cs typeface="Courier New" panose="02070309020205020404" pitchFamily="49" charset="0"/>
+              </a:rPr>
+              <a:t>final </a:t>
+            </a:r>
+            <a:r>
+              <a:rPr kumimoji="0" lang="en-US" altLang="en-US" sz="1400" b="0" i="0" u="none" strike="noStrike" cap="none" normalizeH="0" baseline="0" dirty="0" smtClean="0">
+                <a:ln>
+                  <a:noFill/>
+                </a:ln>
+                <a:solidFill>
+                  <a:srgbClr val="000000"/>
+                </a:solidFill>
+                <a:effectLst/>
+                <a:latin typeface="Courier New" panose="02070309020205020404" pitchFamily="49" charset="0"/>
+                <a:cs typeface="Courier New" panose="02070309020205020404" pitchFamily="49" charset="0"/>
+              </a:rPr>
+              <a:t>Amount </a:t>
+            </a:r>
+            <a:r>
+              <a:rPr kumimoji="0" lang="en-US" altLang="en-US" sz="1400" b="0" i="0" u="none" strike="noStrike" cap="none" normalizeH="0" baseline="0" dirty="0" err="1" smtClean="0">
+                <a:ln>
+                  <a:noFill/>
+                </a:ln>
+                <a:solidFill>
+                  <a:srgbClr val="000000"/>
+                </a:solidFill>
+                <a:effectLst/>
+                <a:latin typeface="Courier New" panose="02070309020205020404" pitchFamily="49" charset="0"/>
+                <a:cs typeface="Courier New" panose="02070309020205020404" pitchFamily="49" charset="0"/>
+              </a:rPr>
+              <a:t>amount</a:t>
+            </a:r>
+            <a:r>
+              <a:rPr kumimoji="0" lang="en-US" altLang="en-US" sz="1400" b="0" i="0" u="none" strike="noStrike" cap="none" normalizeH="0" baseline="0" dirty="0" smtClean="0">
+                <a:ln>
+                  <a:noFill/>
+                </a:ln>
+                <a:solidFill>
+                  <a:srgbClr val="000000"/>
+                </a:solidFill>
+                <a:effectLst/>
+                <a:latin typeface="Courier New" panose="02070309020205020404" pitchFamily="49" charset="0"/>
+                <a:cs typeface="Courier New" panose="02070309020205020404" pitchFamily="49" charset="0"/>
+              </a:rPr>
+              <a:t>,</a:t>
+            </a:r>
+            <a:r>
+              <a:rPr kumimoji="0" lang="en-NL" altLang="en-US" sz="1400" b="0" i="0" u="none" strike="noStrike" cap="none" normalizeH="0" baseline="0" dirty="0" smtClean="0">
+                <a:ln>
+                  <a:noFill/>
+                </a:ln>
+                <a:solidFill>
+                  <a:srgbClr val="000000"/>
+                </a:solidFill>
+                <a:effectLst/>
+                <a:latin typeface="Courier New" panose="02070309020205020404" pitchFamily="49" charset="0"/>
+                <a:cs typeface="Courier New" panose="02070309020205020404" pitchFamily="49" charset="0"/>
+              </a:rPr>
+              <a:t>…</a:t>
+            </a:r>
+            <a:r>
+              <a:rPr kumimoji="0" lang="en-US" altLang="en-US" sz="1400" b="0" i="0" u="none" strike="noStrike" cap="none" normalizeH="0" baseline="0" dirty="0" smtClean="0">
+                <a:ln>
+                  <a:noFill/>
+                </a:ln>
+                <a:solidFill>
+                  <a:srgbClr val="000000"/>
+                </a:solidFill>
+                <a:effectLst/>
+                <a:latin typeface="Courier New" panose="02070309020205020404" pitchFamily="49" charset="0"/>
+                <a:cs typeface="Courier New" panose="02070309020205020404" pitchFamily="49" charset="0"/>
+              </a:rPr>
+              <a:t>) </a:t>
+            </a:r>
+            <a:r>
+              <a:rPr kumimoji="0" lang="en-US" altLang="en-US" sz="1400" b="1" i="0" u="none" strike="noStrike" cap="none" normalizeH="0" baseline="0" dirty="0" smtClean="0">
+                <a:ln>
+                  <a:noFill/>
+                </a:ln>
+                <a:solidFill>
+                  <a:srgbClr val="000080"/>
+                </a:solidFill>
+                <a:effectLst/>
+                <a:latin typeface="Courier New" panose="02070309020205020404" pitchFamily="49" charset="0"/>
+                <a:cs typeface="Courier New" panose="02070309020205020404" pitchFamily="49" charset="0"/>
+              </a:rPr>
+              <a:t>throws </a:t>
+            </a:r>
+            <a:r>
+              <a:rPr kumimoji="0" lang="en-US" altLang="en-US" sz="1400" b="0" i="0" u="none" strike="noStrike" cap="none" normalizeH="0" baseline="0" dirty="0" err="1" smtClean="0">
+                <a:ln>
+                  <a:noFill/>
+                </a:ln>
+                <a:solidFill>
+                  <a:srgbClr val="000000"/>
+                </a:solidFill>
+                <a:effectLst/>
+                <a:latin typeface="Courier New" panose="02070309020205020404" pitchFamily="49" charset="0"/>
+                <a:cs typeface="Courier New" panose="02070309020205020404" pitchFamily="49" charset="0"/>
+              </a:rPr>
+              <a:t>BusinessRuleNotSatisfied</a:t>
+            </a:r>
+            <a:r>
+              <a:rPr kumimoji="0" lang="en-US" altLang="en-US" sz="1400" b="0" i="0" u="none" strike="noStrike" cap="none" normalizeH="0" baseline="0" dirty="0" smtClean="0">
+                <a:ln>
+                  <a:noFill/>
+                </a:ln>
+                <a:solidFill>
+                  <a:srgbClr val="000000"/>
+                </a:solidFill>
+                <a:effectLst/>
+                <a:latin typeface="Courier New" panose="02070309020205020404" pitchFamily="49" charset="0"/>
+                <a:cs typeface="Courier New" panose="02070309020205020404" pitchFamily="49" charset="0"/>
+              </a:rPr>
+              <a:t> {</a:t>
+            </a:r>
+            <a:br>
+              <a:rPr kumimoji="0" lang="en-US" altLang="en-US" sz="1400" b="0" i="0" u="none" strike="noStrike" cap="none" normalizeH="0" baseline="0" dirty="0" smtClean="0">
+                <a:ln>
+                  <a:noFill/>
+                </a:ln>
+                <a:solidFill>
+                  <a:srgbClr val="000000"/>
+                </a:solidFill>
+                <a:effectLst/>
+                <a:latin typeface="Courier New" panose="02070309020205020404" pitchFamily="49" charset="0"/>
+                <a:cs typeface="Courier New" panose="02070309020205020404" pitchFamily="49" charset="0"/>
+              </a:rPr>
+            </a:br>
+            <a:r>
+              <a:rPr kumimoji="0" lang="en-US" altLang="en-US" sz="1400" b="0" i="0" u="none" strike="noStrike" cap="none" normalizeH="0" baseline="0" dirty="0" smtClean="0">
+                <a:ln>
+                  <a:noFill/>
+                </a:ln>
+                <a:solidFill>
+                  <a:srgbClr val="000000"/>
+                </a:solidFill>
+                <a:effectLst/>
+                <a:latin typeface="Courier New" panose="02070309020205020404" pitchFamily="49" charset="0"/>
+                <a:cs typeface="Courier New" panose="02070309020205020404" pitchFamily="49" charset="0"/>
+              </a:rPr>
+              <a:t/>
+            </a:r>
+            <a:br>
+              <a:rPr kumimoji="0" lang="en-US" altLang="en-US" sz="1400" b="0" i="0" u="none" strike="noStrike" cap="none" normalizeH="0" baseline="0" dirty="0" smtClean="0">
+                <a:ln>
+                  <a:noFill/>
+                </a:ln>
+                <a:solidFill>
+                  <a:srgbClr val="000000"/>
+                </a:solidFill>
+                <a:effectLst/>
+                <a:latin typeface="Courier New" panose="02070309020205020404" pitchFamily="49" charset="0"/>
+                <a:cs typeface="Courier New" panose="02070309020205020404" pitchFamily="49" charset="0"/>
+              </a:rPr>
+            </a:br>
+            <a:r>
+              <a:rPr kumimoji="0" lang="en-US" altLang="en-US" sz="1400" b="0" i="0" u="none" strike="noStrike" cap="none" normalizeH="0" baseline="0" dirty="0" smtClean="0">
+                <a:ln>
+                  <a:noFill/>
+                </a:ln>
+                <a:solidFill>
+                  <a:srgbClr val="000000"/>
+                </a:solidFill>
+                <a:effectLst/>
+                <a:latin typeface="Courier New" panose="02070309020205020404" pitchFamily="49" charset="0"/>
+                <a:cs typeface="Courier New" panose="02070309020205020404" pitchFamily="49" charset="0"/>
+              </a:rPr>
+              <a:t>   </a:t>
+            </a:r>
+            <a:r>
+              <a:rPr kumimoji="0" lang="en-US" altLang="en-US" sz="1400" b="1" i="0" u="none" strike="noStrike" cap="none" normalizeH="0" baseline="0" dirty="0" err="1" smtClean="0">
+                <a:ln>
+                  <a:noFill/>
+                </a:ln>
+                <a:solidFill>
+                  <a:srgbClr val="000080"/>
+                </a:solidFill>
+                <a:effectLst/>
+                <a:latin typeface="Courier New" panose="02070309020205020404" pitchFamily="49" charset="0"/>
+                <a:cs typeface="Courier New" panose="02070309020205020404" pitchFamily="49" charset="0"/>
+              </a:rPr>
+              <a:t>this</a:t>
+            </a:r>
+            <a:r>
+              <a:rPr kumimoji="0" lang="en-US" altLang="en-US" sz="1400" b="0" i="0" u="none" strike="noStrike" cap="none" normalizeH="0" baseline="0" dirty="0" err="1" smtClean="0">
+                <a:ln>
+                  <a:noFill/>
+                </a:ln>
+                <a:solidFill>
+                  <a:srgbClr val="000000"/>
+                </a:solidFill>
+                <a:effectLst/>
+                <a:latin typeface="Courier New" panose="02070309020205020404" pitchFamily="49" charset="0"/>
+                <a:cs typeface="Courier New" panose="02070309020205020404" pitchFamily="49" charset="0"/>
+              </a:rPr>
+              <a:t>.</a:t>
+            </a:r>
+            <a:r>
+              <a:rPr kumimoji="0" lang="en-US" altLang="en-US" sz="1400" b="1" i="0" u="none" strike="noStrike" cap="none" normalizeH="0" baseline="0" dirty="0" err="1" smtClean="0">
+                <a:ln>
+                  <a:noFill/>
+                </a:ln>
+                <a:solidFill>
+                  <a:srgbClr val="660E7A"/>
+                </a:solidFill>
+                <a:effectLst/>
+                <a:latin typeface="Courier New" panose="02070309020205020404" pitchFamily="49" charset="0"/>
+                <a:cs typeface="Courier New" panose="02070309020205020404" pitchFamily="49" charset="0"/>
+              </a:rPr>
+              <a:t>paymentCurrency</a:t>
+            </a:r>
+            <a:r>
+              <a:rPr kumimoji="0" lang="en-US" altLang="en-US" sz="1400" b="1" i="0" u="none" strike="noStrike" cap="none" normalizeH="0" baseline="0" dirty="0" smtClean="0">
+                <a:ln>
+                  <a:noFill/>
+                </a:ln>
+                <a:solidFill>
+                  <a:srgbClr val="660E7A"/>
+                </a:solidFill>
+                <a:effectLst/>
+                <a:latin typeface="Courier New" panose="02070309020205020404" pitchFamily="49" charset="0"/>
+                <a:cs typeface="Courier New" panose="02070309020205020404" pitchFamily="49" charset="0"/>
+              </a:rPr>
+              <a:t> </a:t>
+            </a:r>
+            <a:r>
+              <a:rPr kumimoji="0" lang="en-US" altLang="en-US" sz="1400" b="0" i="0" u="none" strike="noStrike" cap="none" normalizeH="0" baseline="0" dirty="0" smtClean="0">
+                <a:ln>
+                  <a:noFill/>
+                </a:ln>
+                <a:solidFill>
+                  <a:srgbClr val="000000"/>
+                </a:solidFill>
+                <a:effectLst/>
+                <a:latin typeface="Courier New" panose="02070309020205020404" pitchFamily="49" charset="0"/>
+                <a:cs typeface="Courier New" panose="02070309020205020404" pitchFamily="49" charset="0"/>
+              </a:rPr>
+              <a:t>= </a:t>
+            </a:r>
+            <a:r>
+              <a:rPr kumimoji="0" lang="en-US" altLang="en-US" sz="1400" b="0" i="0" u="none" strike="noStrike" cap="none" normalizeH="0" baseline="0" dirty="0" err="1" smtClean="0">
+                <a:ln>
+                  <a:noFill/>
+                </a:ln>
+                <a:solidFill>
+                  <a:srgbClr val="000000"/>
+                </a:solidFill>
+                <a:effectLst/>
+                <a:latin typeface="Courier New" panose="02070309020205020404" pitchFamily="49" charset="0"/>
+                <a:cs typeface="Courier New" panose="02070309020205020404" pitchFamily="49" charset="0"/>
+              </a:rPr>
+              <a:t>paymentCurrency</a:t>
+            </a:r>
+            <a:r>
+              <a:rPr kumimoji="0" lang="en-US" altLang="en-US" sz="1400" b="0" i="0" u="none" strike="noStrike" cap="none" normalizeH="0" baseline="0" dirty="0" smtClean="0">
+                <a:ln>
+                  <a:noFill/>
+                </a:ln>
+                <a:solidFill>
+                  <a:srgbClr val="000000"/>
+                </a:solidFill>
+                <a:effectLst/>
+                <a:latin typeface="Courier New" panose="02070309020205020404" pitchFamily="49" charset="0"/>
+                <a:cs typeface="Courier New" panose="02070309020205020404" pitchFamily="49" charset="0"/>
+              </a:rPr>
+              <a:t>;</a:t>
+            </a:r>
+            <a:br>
+              <a:rPr kumimoji="0" lang="en-US" altLang="en-US" sz="1400" b="0" i="0" u="none" strike="noStrike" cap="none" normalizeH="0" baseline="0" dirty="0" smtClean="0">
+                <a:ln>
+                  <a:noFill/>
+                </a:ln>
+                <a:solidFill>
+                  <a:srgbClr val="000000"/>
+                </a:solidFill>
+                <a:effectLst/>
+                <a:latin typeface="Courier New" panose="02070309020205020404" pitchFamily="49" charset="0"/>
+                <a:cs typeface="Courier New" panose="02070309020205020404" pitchFamily="49" charset="0"/>
+              </a:rPr>
+            </a:br>
+            <a:r>
+              <a:rPr kumimoji="0" lang="en-US" altLang="en-US" sz="1400" b="0" i="0" u="none" strike="noStrike" cap="none" normalizeH="0" baseline="0" dirty="0" smtClean="0">
+                <a:ln>
+                  <a:noFill/>
+                </a:ln>
+                <a:solidFill>
+                  <a:srgbClr val="000000"/>
+                </a:solidFill>
+                <a:effectLst/>
+                <a:latin typeface="Courier New" panose="02070309020205020404" pitchFamily="49" charset="0"/>
+                <a:cs typeface="Courier New" panose="02070309020205020404" pitchFamily="49" charset="0"/>
+              </a:rPr>
+              <a:t>   </a:t>
+            </a:r>
+            <a:r>
+              <a:rPr kumimoji="0" lang="en-US" altLang="en-US" sz="1400" b="1" i="0" u="none" strike="noStrike" cap="none" normalizeH="0" baseline="0" dirty="0" err="1" smtClean="0">
+                <a:ln>
+                  <a:noFill/>
+                </a:ln>
+                <a:solidFill>
+                  <a:srgbClr val="000080"/>
+                </a:solidFill>
+                <a:effectLst/>
+                <a:latin typeface="Courier New" panose="02070309020205020404" pitchFamily="49" charset="0"/>
+                <a:cs typeface="Courier New" panose="02070309020205020404" pitchFamily="49" charset="0"/>
+              </a:rPr>
+              <a:t>this</a:t>
+            </a:r>
+            <a:r>
+              <a:rPr kumimoji="0" lang="en-US" altLang="en-US" sz="1400" b="0" i="0" u="none" strike="noStrike" cap="none" normalizeH="0" baseline="0" dirty="0" err="1" smtClean="0">
+                <a:ln>
+                  <a:noFill/>
+                </a:ln>
+                <a:solidFill>
+                  <a:srgbClr val="000000"/>
+                </a:solidFill>
+                <a:effectLst/>
+                <a:latin typeface="Courier New" panose="02070309020205020404" pitchFamily="49" charset="0"/>
+                <a:cs typeface="Courier New" panose="02070309020205020404" pitchFamily="49" charset="0"/>
+              </a:rPr>
+              <a:t>.</a:t>
+            </a:r>
+            <a:r>
+              <a:rPr kumimoji="0" lang="en-US" altLang="en-US" sz="1400" b="1" i="0" u="none" strike="noStrike" cap="none" normalizeH="0" baseline="0" dirty="0" err="1" smtClean="0">
+                <a:ln>
+                  <a:noFill/>
+                </a:ln>
+                <a:solidFill>
+                  <a:srgbClr val="660E7A"/>
+                </a:solidFill>
+                <a:effectLst/>
+                <a:latin typeface="Courier New" panose="02070309020205020404" pitchFamily="49" charset="0"/>
+                <a:cs typeface="Courier New" panose="02070309020205020404" pitchFamily="49" charset="0"/>
+              </a:rPr>
+              <a:t>orderingAccount</a:t>
+            </a:r>
+            <a:r>
+              <a:rPr kumimoji="0" lang="en-US" altLang="en-US" sz="1400" b="1" i="0" u="none" strike="noStrike" cap="none" normalizeH="0" baseline="0" dirty="0" smtClean="0">
+                <a:ln>
+                  <a:noFill/>
+                </a:ln>
+                <a:solidFill>
+                  <a:srgbClr val="660E7A"/>
+                </a:solidFill>
+                <a:effectLst/>
+                <a:latin typeface="Courier New" panose="02070309020205020404" pitchFamily="49" charset="0"/>
+                <a:cs typeface="Courier New" panose="02070309020205020404" pitchFamily="49" charset="0"/>
+              </a:rPr>
+              <a:t> </a:t>
+            </a:r>
+            <a:r>
+              <a:rPr kumimoji="0" lang="en-US" altLang="en-US" sz="1400" b="0" i="0" u="none" strike="noStrike" cap="none" normalizeH="0" baseline="0" dirty="0" smtClean="0">
+                <a:ln>
+                  <a:noFill/>
+                </a:ln>
+                <a:solidFill>
+                  <a:srgbClr val="000000"/>
+                </a:solidFill>
+                <a:effectLst/>
+                <a:latin typeface="Courier New" panose="02070309020205020404" pitchFamily="49" charset="0"/>
+                <a:cs typeface="Courier New" panose="02070309020205020404" pitchFamily="49" charset="0"/>
+              </a:rPr>
+              <a:t>= </a:t>
+            </a:r>
+            <a:r>
+              <a:rPr kumimoji="0" lang="en-US" altLang="en-US" sz="1400" b="0" i="0" u="none" strike="noStrike" cap="none" normalizeH="0" baseline="0" dirty="0" err="1" smtClean="0">
+                <a:ln>
+                  <a:noFill/>
+                </a:ln>
+                <a:solidFill>
+                  <a:srgbClr val="000000"/>
+                </a:solidFill>
+                <a:effectLst/>
+                <a:latin typeface="Courier New" panose="02070309020205020404" pitchFamily="49" charset="0"/>
+                <a:cs typeface="Courier New" panose="02070309020205020404" pitchFamily="49" charset="0"/>
+              </a:rPr>
+              <a:t>orderingAccount</a:t>
+            </a:r>
+            <a:r>
+              <a:rPr kumimoji="0" lang="en-US" altLang="en-US" sz="1400" b="0" i="0" u="none" strike="noStrike" cap="none" normalizeH="0" baseline="0" dirty="0" smtClean="0">
+                <a:ln>
+                  <a:noFill/>
+                </a:ln>
+                <a:solidFill>
+                  <a:srgbClr val="000000"/>
+                </a:solidFill>
+                <a:effectLst/>
+                <a:latin typeface="Courier New" panose="02070309020205020404" pitchFamily="49" charset="0"/>
+                <a:cs typeface="Courier New" panose="02070309020205020404" pitchFamily="49" charset="0"/>
+              </a:rPr>
+              <a:t>;</a:t>
+            </a:r>
+            <a:br>
+              <a:rPr kumimoji="0" lang="en-US" altLang="en-US" sz="1400" b="0" i="0" u="none" strike="noStrike" cap="none" normalizeH="0" baseline="0" dirty="0" smtClean="0">
+                <a:ln>
+                  <a:noFill/>
+                </a:ln>
+                <a:solidFill>
+                  <a:srgbClr val="000000"/>
+                </a:solidFill>
+                <a:effectLst/>
+                <a:latin typeface="Courier New" panose="02070309020205020404" pitchFamily="49" charset="0"/>
+                <a:cs typeface="Courier New" panose="02070309020205020404" pitchFamily="49" charset="0"/>
+              </a:rPr>
+            </a:br>
+            <a:r>
+              <a:rPr kumimoji="0" lang="en-US" altLang="en-US" sz="1400" b="0" i="0" u="none" strike="noStrike" cap="none" normalizeH="0" baseline="0" dirty="0" smtClean="0">
+                <a:ln>
+                  <a:noFill/>
+                </a:ln>
+                <a:solidFill>
+                  <a:srgbClr val="000000"/>
+                </a:solidFill>
+                <a:effectLst/>
+                <a:latin typeface="Courier New" panose="02070309020205020404" pitchFamily="49" charset="0"/>
+                <a:cs typeface="Courier New" panose="02070309020205020404" pitchFamily="49" charset="0"/>
+              </a:rPr>
+              <a:t>   </a:t>
+            </a:r>
+            <a:r>
+              <a:rPr kumimoji="0" lang="en-US" altLang="en-US" sz="1400" b="1" i="0" u="none" strike="noStrike" cap="none" normalizeH="0" baseline="0" dirty="0" err="1" smtClean="0">
+                <a:ln>
+                  <a:noFill/>
+                </a:ln>
+                <a:solidFill>
+                  <a:srgbClr val="000080"/>
+                </a:solidFill>
+                <a:effectLst/>
+                <a:latin typeface="Courier New" panose="02070309020205020404" pitchFamily="49" charset="0"/>
+                <a:cs typeface="Courier New" panose="02070309020205020404" pitchFamily="49" charset="0"/>
+              </a:rPr>
+              <a:t>this</a:t>
+            </a:r>
+            <a:r>
+              <a:rPr kumimoji="0" lang="en-US" altLang="en-US" sz="1400" b="0" i="0" u="none" strike="noStrike" cap="none" normalizeH="0" baseline="0" dirty="0" err="1" smtClean="0">
+                <a:ln>
+                  <a:noFill/>
+                </a:ln>
+                <a:solidFill>
+                  <a:srgbClr val="000000"/>
+                </a:solidFill>
+                <a:effectLst/>
+                <a:latin typeface="Courier New" panose="02070309020205020404" pitchFamily="49" charset="0"/>
+                <a:cs typeface="Courier New" panose="02070309020205020404" pitchFamily="49" charset="0"/>
+              </a:rPr>
+              <a:t>.</a:t>
+            </a:r>
+            <a:r>
+              <a:rPr kumimoji="0" lang="en-US" altLang="en-US" sz="1400" b="1" i="0" u="none" strike="noStrike" cap="none" normalizeH="0" baseline="0" dirty="0" err="1" smtClean="0">
+                <a:ln>
+                  <a:noFill/>
+                </a:ln>
+                <a:solidFill>
+                  <a:srgbClr val="660E7A"/>
+                </a:solidFill>
+                <a:effectLst/>
+                <a:latin typeface="Courier New" panose="02070309020205020404" pitchFamily="49" charset="0"/>
+                <a:cs typeface="Courier New" panose="02070309020205020404" pitchFamily="49" charset="0"/>
+              </a:rPr>
+              <a:t>beneficiaryAccount</a:t>
+            </a:r>
+            <a:r>
+              <a:rPr kumimoji="0" lang="en-US" altLang="en-US" sz="1400" b="1" i="0" u="none" strike="noStrike" cap="none" normalizeH="0" baseline="0" dirty="0" smtClean="0">
+                <a:ln>
+                  <a:noFill/>
+                </a:ln>
+                <a:solidFill>
+                  <a:srgbClr val="660E7A"/>
+                </a:solidFill>
+                <a:effectLst/>
+                <a:latin typeface="Courier New" panose="02070309020205020404" pitchFamily="49" charset="0"/>
+                <a:cs typeface="Courier New" panose="02070309020205020404" pitchFamily="49" charset="0"/>
+              </a:rPr>
+              <a:t> </a:t>
+            </a:r>
+            <a:r>
+              <a:rPr kumimoji="0" lang="en-US" altLang="en-US" sz="1400" b="0" i="0" u="none" strike="noStrike" cap="none" normalizeH="0" baseline="0" dirty="0" smtClean="0">
+                <a:ln>
+                  <a:noFill/>
+                </a:ln>
+                <a:solidFill>
+                  <a:srgbClr val="000000"/>
+                </a:solidFill>
+                <a:effectLst/>
+                <a:latin typeface="Courier New" panose="02070309020205020404" pitchFamily="49" charset="0"/>
+                <a:cs typeface="Courier New" panose="02070309020205020404" pitchFamily="49" charset="0"/>
+              </a:rPr>
+              <a:t>= </a:t>
+            </a:r>
+            <a:r>
+              <a:rPr kumimoji="0" lang="en-US" altLang="en-US" sz="1400" b="0" i="0" u="none" strike="noStrike" cap="none" normalizeH="0" baseline="0" dirty="0" err="1" smtClean="0">
+                <a:ln>
+                  <a:noFill/>
+                </a:ln>
+                <a:solidFill>
+                  <a:srgbClr val="000000"/>
+                </a:solidFill>
+                <a:effectLst/>
+                <a:latin typeface="Courier New" panose="02070309020205020404" pitchFamily="49" charset="0"/>
+                <a:cs typeface="Courier New" panose="02070309020205020404" pitchFamily="49" charset="0"/>
+              </a:rPr>
+              <a:t>beneficiaryAccount</a:t>
+            </a:r>
+            <a:r>
+              <a:rPr kumimoji="0" lang="en-US" altLang="en-US" sz="1400" b="0" i="0" u="none" strike="noStrike" cap="none" normalizeH="0" baseline="0" dirty="0" smtClean="0">
+                <a:ln>
+                  <a:noFill/>
+                </a:ln>
+                <a:solidFill>
+                  <a:srgbClr val="000000"/>
+                </a:solidFill>
+                <a:effectLst/>
+                <a:latin typeface="Courier New" panose="02070309020205020404" pitchFamily="49" charset="0"/>
+                <a:cs typeface="Courier New" panose="02070309020205020404" pitchFamily="49" charset="0"/>
+              </a:rPr>
+              <a:t>;</a:t>
+            </a:r>
+            <a:br>
+              <a:rPr kumimoji="0" lang="en-US" altLang="en-US" sz="1400" b="0" i="0" u="none" strike="noStrike" cap="none" normalizeH="0" baseline="0" dirty="0" smtClean="0">
+                <a:ln>
+                  <a:noFill/>
+                </a:ln>
+                <a:solidFill>
+                  <a:srgbClr val="000000"/>
+                </a:solidFill>
+                <a:effectLst/>
+                <a:latin typeface="Courier New" panose="02070309020205020404" pitchFamily="49" charset="0"/>
+                <a:cs typeface="Courier New" panose="02070309020205020404" pitchFamily="49" charset="0"/>
+              </a:rPr>
+            </a:br>
+            <a:r>
+              <a:rPr kumimoji="0" lang="en-US" altLang="en-US" sz="1400" b="0" i="0" u="none" strike="noStrike" cap="none" normalizeH="0" baseline="0" dirty="0" smtClean="0">
+                <a:ln>
+                  <a:noFill/>
+                </a:ln>
+                <a:solidFill>
+                  <a:srgbClr val="000000"/>
+                </a:solidFill>
+                <a:effectLst/>
+                <a:latin typeface="Courier New" panose="02070309020205020404" pitchFamily="49" charset="0"/>
+                <a:cs typeface="Courier New" panose="02070309020205020404" pitchFamily="49" charset="0"/>
+              </a:rPr>
+              <a:t>   </a:t>
+            </a:r>
+            <a:r>
+              <a:rPr kumimoji="0" lang="en-US" altLang="en-US" sz="1400" b="1" i="0" u="none" strike="noStrike" cap="none" normalizeH="0" baseline="0" dirty="0" err="1" smtClean="0">
+                <a:ln>
+                  <a:noFill/>
+                </a:ln>
+                <a:solidFill>
+                  <a:srgbClr val="000080"/>
+                </a:solidFill>
+                <a:effectLst/>
+                <a:latin typeface="Courier New" panose="02070309020205020404" pitchFamily="49" charset="0"/>
+                <a:cs typeface="Courier New" panose="02070309020205020404" pitchFamily="49" charset="0"/>
+              </a:rPr>
+              <a:t>this</a:t>
+            </a:r>
+            <a:r>
+              <a:rPr kumimoji="0" lang="en-US" altLang="en-US" sz="1400" b="0" i="0" u="none" strike="noStrike" cap="none" normalizeH="0" baseline="0" dirty="0" err="1" smtClean="0">
+                <a:ln>
+                  <a:noFill/>
+                </a:ln>
+                <a:solidFill>
+                  <a:srgbClr val="000000"/>
+                </a:solidFill>
+                <a:effectLst/>
+                <a:latin typeface="Courier New" panose="02070309020205020404" pitchFamily="49" charset="0"/>
+                <a:cs typeface="Courier New" panose="02070309020205020404" pitchFamily="49" charset="0"/>
+              </a:rPr>
+              <a:t>.</a:t>
+            </a:r>
+            <a:r>
+              <a:rPr kumimoji="0" lang="en-US" altLang="en-US" sz="1400" b="1" i="0" u="none" strike="noStrike" cap="none" normalizeH="0" baseline="0" dirty="0" err="1" smtClean="0">
+                <a:ln>
+                  <a:noFill/>
+                </a:ln>
+                <a:solidFill>
+                  <a:srgbClr val="660E7A"/>
+                </a:solidFill>
+                <a:effectLst/>
+                <a:latin typeface="Courier New" panose="02070309020205020404" pitchFamily="49" charset="0"/>
+                <a:cs typeface="Courier New" panose="02070309020205020404" pitchFamily="49" charset="0"/>
+              </a:rPr>
+              <a:t>fedwire</a:t>
+            </a:r>
+            <a:r>
+              <a:rPr kumimoji="0" lang="en-US" altLang="en-US" sz="1400" b="1" i="0" u="none" strike="noStrike" cap="none" normalizeH="0" baseline="0" dirty="0" smtClean="0">
+                <a:ln>
+                  <a:noFill/>
+                </a:ln>
+                <a:solidFill>
+                  <a:srgbClr val="660E7A"/>
+                </a:solidFill>
+                <a:effectLst/>
+                <a:latin typeface="Courier New" panose="02070309020205020404" pitchFamily="49" charset="0"/>
+                <a:cs typeface="Courier New" panose="02070309020205020404" pitchFamily="49" charset="0"/>
+              </a:rPr>
+              <a:t> </a:t>
+            </a:r>
+            <a:r>
+              <a:rPr kumimoji="0" lang="en-US" altLang="en-US" sz="1400" b="0" i="0" u="none" strike="noStrike" cap="none" normalizeH="0" baseline="0" dirty="0" smtClean="0">
+                <a:ln>
+                  <a:noFill/>
+                </a:ln>
+                <a:solidFill>
+                  <a:srgbClr val="000000"/>
+                </a:solidFill>
+                <a:effectLst/>
+                <a:latin typeface="Courier New" panose="02070309020205020404" pitchFamily="49" charset="0"/>
+                <a:cs typeface="Courier New" panose="02070309020205020404" pitchFamily="49" charset="0"/>
+              </a:rPr>
+              <a:t>= </a:t>
+            </a:r>
+            <a:r>
+              <a:rPr kumimoji="0" lang="en-US" altLang="en-US" sz="1400" b="0" i="0" u="none" strike="noStrike" cap="none" normalizeH="0" baseline="0" dirty="0" err="1" smtClean="0">
+                <a:ln>
+                  <a:noFill/>
+                </a:ln>
+                <a:solidFill>
+                  <a:srgbClr val="000000"/>
+                </a:solidFill>
+                <a:effectLst/>
+                <a:latin typeface="Courier New" panose="02070309020205020404" pitchFamily="49" charset="0"/>
+                <a:cs typeface="Courier New" panose="02070309020205020404" pitchFamily="49" charset="0"/>
+              </a:rPr>
+              <a:t>fedwire</a:t>
+            </a:r>
+            <a:r>
+              <a:rPr kumimoji="0" lang="en-US" altLang="en-US" sz="1400" b="0" i="0" u="none" strike="noStrike" cap="none" normalizeH="0" baseline="0" dirty="0" smtClean="0">
+                <a:ln>
+                  <a:noFill/>
+                </a:ln>
+                <a:solidFill>
+                  <a:srgbClr val="000000"/>
+                </a:solidFill>
+                <a:effectLst/>
+                <a:latin typeface="Courier New" panose="02070309020205020404" pitchFamily="49" charset="0"/>
+                <a:cs typeface="Courier New" panose="02070309020205020404" pitchFamily="49" charset="0"/>
+              </a:rPr>
+              <a:t>;</a:t>
+            </a:r>
+            <a:br>
+              <a:rPr kumimoji="0" lang="en-US" altLang="en-US" sz="1400" b="0" i="0" u="none" strike="noStrike" cap="none" normalizeH="0" baseline="0" dirty="0" smtClean="0">
+                <a:ln>
+                  <a:noFill/>
+                </a:ln>
+                <a:solidFill>
+                  <a:srgbClr val="000000"/>
+                </a:solidFill>
+                <a:effectLst/>
+                <a:latin typeface="Courier New" panose="02070309020205020404" pitchFamily="49" charset="0"/>
+                <a:cs typeface="Courier New" panose="02070309020205020404" pitchFamily="49" charset="0"/>
+              </a:rPr>
+            </a:br>
+            <a:r>
+              <a:rPr kumimoji="0" lang="en-US" altLang="en-US" sz="1400" b="0" i="0" u="none" strike="noStrike" cap="none" normalizeH="0" baseline="0" dirty="0" smtClean="0">
+                <a:ln>
+                  <a:noFill/>
+                </a:ln>
+                <a:solidFill>
+                  <a:srgbClr val="000000"/>
+                </a:solidFill>
+                <a:effectLst/>
+                <a:latin typeface="Courier New" panose="02070309020205020404" pitchFamily="49" charset="0"/>
+                <a:cs typeface="Courier New" panose="02070309020205020404" pitchFamily="49" charset="0"/>
+              </a:rPr>
+              <a:t>   </a:t>
+            </a:r>
+            <a:r>
+              <a:rPr kumimoji="0" lang="en-US" altLang="en-US" sz="1400" b="1" i="0" u="none" strike="noStrike" cap="none" normalizeH="0" baseline="0" dirty="0" err="1" smtClean="0">
+                <a:ln>
+                  <a:noFill/>
+                </a:ln>
+                <a:solidFill>
+                  <a:srgbClr val="000080"/>
+                </a:solidFill>
+                <a:effectLst/>
+                <a:latin typeface="Courier New" panose="02070309020205020404" pitchFamily="49" charset="0"/>
+                <a:cs typeface="Courier New" panose="02070309020205020404" pitchFamily="49" charset="0"/>
+              </a:rPr>
+              <a:t>this</a:t>
+            </a:r>
+            <a:r>
+              <a:rPr kumimoji="0" lang="en-US" altLang="en-US" sz="1400" b="0" i="0" u="none" strike="noStrike" cap="none" normalizeH="0" baseline="0" dirty="0" err="1" smtClean="0">
+                <a:ln>
+                  <a:noFill/>
+                </a:ln>
+                <a:solidFill>
+                  <a:srgbClr val="000000"/>
+                </a:solidFill>
+                <a:effectLst/>
+                <a:latin typeface="Courier New" panose="02070309020205020404" pitchFamily="49" charset="0"/>
+                <a:cs typeface="Courier New" panose="02070309020205020404" pitchFamily="49" charset="0"/>
+              </a:rPr>
+              <a:t>.</a:t>
+            </a:r>
+            <a:r>
+              <a:rPr kumimoji="0" lang="en-US" altLang="en-US" sz="1400" b="1" i="0" u="none" strike="noStrike" cap="none" normalizeH="0" baseline="0" dirty="0" err="1" smtClean="0">
+                <a:ln>
+                  <a:noFill/>
+                </a:ln>
+                <a:solidFill>
+                  <a:srgbClr val="660E7A"/>
+                </a:solidFill>
+                <a:effectLst/>
+                <a:latin typeface="Courier New" panose="02070309020205020404" pitchFamily="49" charset="0"/>
+                <a:cs typeface="Courier New" panose="02070309020205020404" pitchFamily="49" charset="0"/>
+              </a:rPr>
+              <a:t>amount</a:t>
+            </a:r>
+            <a:r>
+              <a:rPr kumimoji="0" lang="en-US" altLang="en-US" sz="1400" b="1" i="0" u="none" strike="noStrike" cap="none" normalizeH="0" baseline="0" dirty="0" smtClean="0">
+                <a:ln>
+                  <a:noFill/>
+                </a:ln>
+                <a:solidFill>
+                  <a:srgbClr val="660E7A"/>
+                </a:solidFill>
+                <a:effectLst/>
+                <a:latin typeface="Courier New" panose="02070309020205020404" pitchFamily="49" charset="0"/>
+                <a:cs typeface="Courier New" panose="02070309020205020404" pitchFamily="49" charset="0"/>
+              </a:rPr>
+              <a:t> </a:t>
+            </a:r>
+            <a:r>
+              <a:rPr kumimoji="0" lang="en-US" altLang="en-US" sz="1400" b="0" i="0" u="none" strike="noStrike" cap="none" normalizeH="0" baseline="0" dirty="0" smtClean="0">
+                <a:ln>
+                  <a:noFill/>
+                </a:ln>
+                <a:solidFill>
+                  <a:srgbClr val="000000"/>
+                </a:solidFill>
+                <a:effectLst/>
+                <a:latin typeface="Courier New" panose="02070309020205020404" pitchFamily="49" charset="0"/>
+                <a:cs typeface="Courier New" panose="02070309020205020404" pitchFamily="49" charset="0"/>
+              </a:rPr>
+              <a:t>= amount;</a:t>
+            </a:r>
+            <a:br>
+              <a:rPr kumimoji="0" lang="en-US" altLang="en-US" sz="1400" b="0" i="0" u="none" strike="noStrike" cap="none" normalizeH="0" baseline="0" dirty="0" smtClean="0">
+                <a:ln>
+                  <a:noFill/>
+                </a:ln>
+                <a:solidFill>
+                  <a:srgbClr val="000000"/>
+                </a:solidFill>
+                <a:effectLst/>
+                <a:latin typeface="Courier New" panose="02070309020205020404" pitchFamily="49" charset="0"/>
+                <a:cs typeface="Courier New" panose="02070309020205020404" pitchFamily="49" charset="0"/>
+              </a:rPr>
+            </a:br>
+            <a:r>
+              <a:rPr kumimoji="0" lang="en-US" altLang="en-US" sz="1400" b="0" i="0" u="none" strike="noStrike" cap="none" normalizeH="0" baseline="0" dirty="0" smtClean="0">
+                <a:ln>
+                  <a:noFill/>
+                </a:ln>
+                <a:solidFill>
+                  <a:srgbClr val="000000"/>
+                </a:solidFill>
+                <a:effectLst/>
+                <a:latin typeface="Courier New" panose="02070309020205020404" pitchFamily="49" charset="0"/>
+                <a:cs typeface="Courier New" panose="02070309020205020404" pitchFamily="49" charset="0"/>
+              </a:rPr>
+              <a:t/>
+            </a:r>
+            <a:br>
+              <a:rPr kumimoji="0" lang="en-US" altLang="en-US" sz="1400" b="0" i="0" u="none" strike="noStrike" cap="none" normalizeH="0" baseline="0" dirty="0" smtClean="0">
+                <a:ln>
+                  <a:noFill/>
+                </a:ln>
+                <a:solidFill>
+                  <a:srgbClr val="000000"/>
+                </a:solidFill>
+                <a:effectLst/>
+                <a:latin typeface="Courier New" panose="02070309020205020404" pitchFamily="49" charset="0"/>
+                <a:cs typeface="Courier New" panose="02070309020205020404" pitchFamily="49" charset="0"/>
+              </a:rPr>
+            </a:br>
+            <a:r>
+              <a:rPr kumimoji="0" lang="en-US" altLang="en-US" sz="1400" b="0" i="0" u="none" strike="noStrike" cap="none" normalizeH="0" baseline="0" dirty="0" smtClean="0">
+                <a:ln>
+                  <a:noFill/>
+                </a:ln>
+                <a:solidFill>
+                  <a:srgbClr val="000000"/>
+                </a:solidFill>
+                <a:effectLst/>
+                <a:latin typeface="Courier New" panose="02070309020205020404" pitchFamily="49" charset="0"/>
+                <a:cs typeface="Courier New" panose="02070309020205020404" pitchFamily="49" charset="0"/>
+              </a:rPr>
+              <a:t>   </a:t>
+            </a:r>
+            <a:r>
+              <a:rPr kumimoji="0" lang="en-US" altLang="en-US" sz="1400" b="0" i="0" u="none" strike="noStrike" cap="none" normalizeH="0" baseline="0" dirty="0" err="1" smtClean="0">
+                <a:ln>
+                  <a:noFill/>
+                </a:ln>
+                <a:solidFill>
+                  <a:srgbClr val="000000"/>
+                </a:solidFill>
+                <a:effectLst/>
+                <a:latin typeface="Courier New" panose="02070309020205020404" pitchFamily="49" charset="0"/>
+                <a:cs typeface="Courier New" panose="02070309020205020404" pitchFamily="49" charset="0"/>
+              </a:rPr>
+              <a:t>SemanticBusinessRuleMap.</a:t>
+            </a:r>
+            <a:r>
+              <a:rPr kumimoji="0" lang="en-US" altLang="en-US" sz="1400" b="0" i="1" u="none" strike="noStrike" cap="none" normalizeH="0" baseline="0" dirty="0" err="1" smtClean="0">
+                <a:ln>
+                  <a:noFill/>
+                </a:ln>
+                <a:solidFill>
+                  <a:srgbClr val="000000"/>
+                </a:solidFill>
+                <a:effectLst/>
+                <a:latin typeface="Courier New" panose="02070309020205020404" pitchFamily="49" charset="0"/>
+                <a:cs typeface="Courier New" panose="02070309020205020404" pitchFamily="49" charset="0"/>
+              </a:rPr>
+              <a:t>satisfiedBy</a:t>
+            </a:r>
+            <a:r>
+              <a:rPr kumimoji="0" lang="en-US" altLang="en-US" sz="1400" b="0" i="0" u="none" strike="noStrike" cap="none" normalizeH="0" baseline="0" dirty="0" smtClean="0">
+                <a:ln>
+                  <a:noFill/>
+                </a:ln>
+                <a:solidFill>
+                  <a:srgbClr val="000000"/>
+                </a:solidFill>
+                <a:effectLst/>
+                <a:latin typeface="Courier New" panose="02070309020205020404" pitchFamily="49" charset="0"/>
+                <a:cs typeface="Courier New" panose="02070309020205020404" pitchFamily="49" charset="0"/>
+              </a:rPr>
+              <a:t>(</a:t>
+            </a:r>
+            <a:r>
+              <a:rPr kumimoji="0" lang="en-US" altLang="en-US" sz="1400" b="1" i="0" u="none" strike="noStrike" cap="none" normalizeH="0" baseline="0" dirty="0" smtClean="0">
+                <a:ln>
+                  <a:noFill/>
+                </a:ln>
+                <a:solidFill>
+                  <a:srgbClr val="000080"/>
+                </a:solidFill>
+                <a:effectLst/>
+                <a:latin typeface="Courier New" panose="02070309020205020404" pitchFamily="49" charset="0"/>
+                <a:cs typeface="Courier New" panose="02070309020205020404" pitchFamily="49" charset="0"/>
+              </a:rPr>
+              <a:t>this</a:t>
+            </a:r>
+            <a:r>
+              <a:rPr kumimoji="0" lang="en-US" altLang="en-US" sz="1400" b="0" i="0" u="none" strike="noStrike" cap="none" normalizeH="0" baseline="0" dirty="0" smtClean="0">
+                <a:ln>
+                  <a:noFill/>
+                </a:ln>
+                <a:solidFill>
+                  <a:srgbClr val="000000"/>
+                </a:solidFill>
+                <a:effectLst/>
+                <a:latin typeface="Courier New" panose="02070309020205020404" pitchFamily="49" charset="0"/>
+                <a:cs typeface="Courier New" panose="02070309020205020404" pitchFamily="49" charset="0"/>
+              </a:rPr>
+              <a:t>, </a:t>
+            </a:r>
+            <a:r>
+              <a:rPr kumimoji="0" lang="en-US" altLang="en-US" sz="1400" b="0" i="0" u="none" strike="noStrike" cap="none" normalizeH="0" baseline="0" dirty="0" err="1" smtClean="0">
+                <a:ln>
+                  <a:noFill/>
+                </a:ln>
+                <a:solidFill>
+                  <a:srgbClr val="000000"/>
+                </a:solidFill>
+                <a:effectLst/>
+                <a:latin typeface="Courier New" panose="02070309020205020404" pitchFamily="49" charset="0"/>
+                <a:cs typeface="Courier New" panose="02070309020205020404" pitchFamily="49" charset="0"/>
+              </a:rPr>
+              <a:t>validationMessages</a:t>
+            </a:r>
+            <a:r>
+              <a:rPr kumimoji="0" lang="en-US" altLang="en-US" sz="1400" b="0" i="0" u="none" strike="noStrike" cap="none" normalizeH="0" baseline="0" dirty="0" smtClean="0">
+                <a:ln>
+                  <a:noFill/>
+                </a:ln>
+                <a:solidFill>
+                  <a:srgbClr val="000000"/>
+                </a:solidFill>
+                <a:effectLst/>
+                <a:latin typeface="Courier New" panose="02070309020205020404" pitchFamily="49" charset="0"/>
+                <a:cs typeface="Courier New" panose="02070309020205020404" pitchFamily="49" charset="0"/>
+              </a:rPr>
+              <a:t>);</a:t>
+            </a:r>
+          </a:p>
+          <a:p>
+            <a:pPr marL="0" marR="0" lvl="0" indent="0" algn="l" defTabSz="914400" rtl="0" eaLnBrk="0" fontAlgn="base" latinLnBrk="0" hangingPunct="0">
+              <a:lnSpc>
+                <a:spcPct val="100000"/>
+              </a:lnSpc>
+              <a:spcBef>
+                <a:spcPct val="0"/>
+              </a:spcBef>
+              <a:spcAft>
+                <a:spcPct val="0"/>
+              </a:spcAft>
+              <a:buClrTx/>
+              <a:buSzTx/>
+              <a:buFontTx/>
+              <a:buNone/>
+              <a:tabLst/>
+            </a:pPr>
+            <a:r>
+              <a:rPr lang="en-US" altLang="en-US" sz="1400" dirty="0">
+                <a:solidFill>
+                  <a:srgbClr val="000000"/>
+                </a:solidFill>
+                <a:latin typeface="Courier New" panose="02070309020205020404" pitchFamily="49" charset="0"/>
+                <a:cs typeface="Courier New" panose="02070309020205020404" pitchFamily="49" charset="0"/>
+              </a:rPr>
+              <a:t>}</a:t>
+            </a:r>
+            <a:endParaRPr kumimoji="0" lang="en-US" altLang="en-US" sz="3600" b="0" i="0" u="none" strike="noStrike" cap="none" normalizeH="0" baseline="0" dirty="0" smtClean="0">
+              <a:ln>
+                <a:noFill/>
+              </a:ln>
+              <a:solidFill>
+                <a:schemeClr val="tx1"/>
+              </a:solidFill>
+              <a:effectLst/>
+              <a:latin typeface="Arial" panose="020B0604020202020204" pitchFamily="34" charset="0"/>
+            </a:endParaRPr>
+          </a:p>
+        </p:txBody>
+      </p:sp>
+    </p:spTree>
+    <p:extLst>
+      <p:ext uri="{BB962C8B-B14F-4D97-AF65-F5344CB8AC3E}">
+        <p14:creationId xmlns:p14="http://schemas.microsoft.com/office/powerpoint/2010/main" val="2709282526"/>
+      </p:ext>
+    </p:extLst>
+  </p:cSld>
+  <p:clrMapOvr>
+    <a:masterClrMapping/>
+  </p:clrMapOvr>
+  <p:timing>
+    <p:tnLst>
+      <p:par>
+        <p:cTn id="1" dur="indefinite" restart="never" nodeType="tmRoot"/>
+      </p:par>
+    </p:tnLst>
+  </p:timing>
+</p:sld>
+</file>
+
+<file path=ppt/slides/slide29.xml><?xml version="1.0" encoding="utf-8"?>
+<p:sld xmlns:a="http://schemas.openxmlformats.org/drawingml/2006/main" xmlns:r="http://schemas.openxmlformats.org/officeDocument/2006/relationships" xmlns:p="http://schemas.openxmlformats.org/presentationml/2006/main">
+  <p:cSld>
+    <p:spTree>
+      <p:nvGrpSpPr>
+        <p:cNvPr id="1" name=""/>
+        <p:cNvGrpSpPr/>
+        <p:nvPr/>
+      </p:nvGrpSpPr>
+      <p:grpSpPr>
+        <a:xfrm>
+          <a:off x="0" y="0"/>
+          <a:ext cx="0" cy="0"/>
+          <a:chOff x="0" y="0"/>
+          <a:chExt cx="0" cy="0"/>
+        </a:xfrm>
+      </p:grpSpPr>
+      <p:sp>
+        <p:nvSpPr>
+          <p:cNvPr id="2" name="Title 1"/>
+          <p:cNvSpPr>
+            <a:spLocks noGrp="1"/>
+          </p:cNvSpPr>
+          <p:nvPr>
+            <p:ph type="title"/>
+          </p:nvPr>
+        </p:nvSpPr>
+        <p:spPr/>
+        <p:txBody>
+          <a:bodyPr/>
+          <a:lstStyle/>
+          <a:p>
+            <a:r>
+              <a:rPr lang="en-US" dirty="0" smtClean="0"/>
               <a:t>Building our Payments domain</a:t>
             </a:r>
             <a:endParaRPr lang="en-US" dirty="0"/>
@@ -43602,609 +46842,6 @@
 </p:sld>
 </file>
 
-<file path=ppt/slides/slide28.xml><?xml version="1.0" encoding="utf-8"?>
-<p:sld xmlns:a="http://schemas.openxmlformats.org/drawingml/2006/main" xmlns:r="http://schemas.openxmlformats.org/officeDocument/2006/relationships" xmlns:p="http://schemas.openxmlformats.org/presentationml/2006/main">
-  <p:cSld>
-    <p:spTree>
-      <p:nvGrpSpPr>
-        <p:cNvPr id="1" name=""/>
-        <p:cNvGrpSpPr/>
-        <p:nvPr/>
-      </p:nvGrpSpPr>
-      <p:grpSpPr>
-        <a:xfrm>
-          <a:off x="0" y="0"/>
-          <a:ext cx="0" cy="0"/>
-          <a:chOff x="0" y="0"/>
-          <a:chExt cx="0" cy="0"/>
-        </a:xfrm>
-      </p:grpSpPr>
-      <p:sp>
-        <p:nvSpPr>
-          <p:cNvPr id="2" name="Title 1"/>
-          <p:cNvSpPr>
-            <a:spLocks noGrp="1"/>
-          </p:cNvSpPr>
-          <p:nvPr>
-            <p:ph type="title"/>
-          </p:nvPr>
-        </p:nvSpPr>
-        <p:spPr/>
-        <p:txBody>
-          <a:bodyPr/>
-          <a:lstStyle/>
-          <a:p>
-            <a:r>
-              <a:rPr lang="en-US" dirty="0" smtClean="0"/>
-              <a:t>Repositories</a:t>
-            </a:r>
-            <a:endParaRPr lang="en-US" dirty="0"/>
-          </a:p>
-        </p:txBody>
-      </p:sp>
-      <p:sp>
-        <p:nvSpPr>
-          <p:cNvPr id="3" name="Text Placeholder 2"/>
-          <p:cNvSpPr>
-            <a:spLocks noGrp="1"/>
-          </p:cNvSpPr>
-          <p:nvPr>
-            <p:ph type="body" sz="quarter" idx="10"/>
-          </p:nvPr>
-        </p:nvSpPr>
-        <p:spPr>
-          <a:xfrm>
-            <a:off x="1296000" y="2016000"/>
-            <a:ext cx="10446234" cy="4140000"/>
-          </a:xfrm>
-        </p:spPr>
-        <p:txBody>
-          <a:bodyPr/>
-          <a:lstStyle/>
-          <a:p>
-            <a:endParaRPr lang="en-US" dirty="0" smtClean="0"/>
-          </a:p>
-          <a:p>
-            <a:endParaRPr lang="en-US" dirty="0"/>
-          </a:p>
-          <a:p>
-            <a:endParaRPr lang="en-US" dirty="0" smtClean="0"/>
-          </a:p>
-          <a:p>
-            <a:pPr marL="0" indent="0">
-              <a:buNone/>
-            </a:pPr>
-            <a:r>
-              <a:rPr lang="en-US" sz="2200" dirty="0" smtClean="0"/>
-              <a:t>“Represent all objects of a certain type as a collection with querying capabilities.”</a:t>
-            </a:r>
-            <a:endParaRPr lang="en-US" sz="2200" dirty="0"/>
-          </a:p>
-        </p:txBody>
-      </p:sp>
-    </p:spTree>
-    <p:extLst>
-      <p:ext uri="{BB962C8B-B14F-4D97-AF65-F5344CB8AC3E}">
-        <p14:creationId xmlns:p14="http://schemas.microsoft.com/office/powerpoint/2010/main" val="1802502208"/>
-      </p:ext>
-    </p:extLst>
-  </p:cSld>
-  <p:clrMapOvr>
-    <a:masterClrMapping/>
-  </p:clrMapOvr>
-  <p:timing>
-    <p:tnLst>
-      <p:par>
-        <p:cTn id="1" dur="indefinite" restart="never" nodeType="tmRoot"/>
-      </p:par>
-    </p:tnLst>
-  </p:timing>
-</p:sld>
-</file>
-
-<file path=ppt/slides/slide29.xml><?xml version="1.0" encoding="utf-8"?>
-<p:sld xmlns:a="http://schemas.openxmlformats.org/drawingml/2006/main" xmlns:r="http://schemas.openxmlformats.org/officeDocument/2006/relationships" xmlns:p="http://schemas.openxmlformats.org/presentationml/2006/main">
-  <p:cSld>
-    <p:spTree>
-      <p:nvGrpSpPr>
-        <p:cNvPr id="1" name=""/>
-        <p:cNvGrpSpPr/>
-        <p:nvPr/>
-      </p:nvGrpSpPr>
-      <p:grpSpPr>
-        <a:xfrm>
-          <a:off x="0" y="0"/>
-          <a:ext cx="0" cy="0"/>
-          <a:chOff x="0" y="0"/>
-          <a:chExt cx="0" cy="0"/>
-        </a:xfrm>
-      </p:grpSpPr>
-      <p:sp>
-        <p:nvSpPr>
-          <p:cNvPr id="3" name="Title 2"/>
-          <p:cNvSpPr>
-            <a:spLocks noGrp="1"/>
-          </p:cNvSpPr>
-          <p:nvPr>
-            <p:ph type="title"/>
-          </p:nvPr>
-        </p:nvSpPr>
-        <p:spPr/>
-        <p:txBody>
-          <a:bodyPr/>
-          <a:lstStyle/>
-          <a:p>
-            <a:r>
-              <a:rPr lang="en-US" dirty="0"/>
-              <a:t>Repositories</a:t>
-            </a:r>
-          </a:p>
-        </p:txBody>
-      </p:sp>
-      <p:sp>
-        <p:nvSpPr>
-          <p:cNvPr id="5" name="Rectangle 2"/>
-          <p:cNvSpPr>
-            <a:spLocks noGrp="1" noChangeArrowheads="1"/>
-          </p:cNvSpPr>
-          <p:nvPr>
-            <p:ph idx="1"/>
-          </p:nvPr>
-        </p:nvSpPr>
-        <p:spPr bwMode="auto">
-          <a:xfrm>
-            <a:off x="1296000" y="1770673"/>
-            <a:ext cx="9864000" cy="4140000"/>
-          </a:xfrm>
-          <a:prstGeom prst="rect">
-            <a:avLst/>
-          </a:prstGeom>
-          <a:solidFill>
-            <a:srgbClr val="FFFFFF"/>
-          </a:solidFill>
-          <a:ln>
-            <a:noFill/>
-          </a:ln>
-          <a:effectLst/>
-          <a:extLst>
-            <a:ext uri="{91240B29-F687-4F45-9708-019B960494DF}">
-              <a14:hiddenLine xmlns:a14="http://schemas.microsoft.com/office/drawing/2010/main" w="9525">
-                <a:solidFill>
-                  <a:schemeClr val="tx1"/>
-                </a:solidFill>
-                <a:miter lim="800000"/>
-                <a:headEnd/>
-                <a:tailEnd/>
-              </a14:hiddenLine>
-            </a:ext>
-            <a:ext uri="{AF507438-7753-43E0-B8FC-AC1667EBCBE1}">
-              <a14:hiddenEffects xmlns:a14="http://schemas.microsoft.com/office/drawing/2010/main">
-                <a:effectLst>
-                  <a:outerShdw dist="35921" dir="2700000" algn="ctr" rotWithShape="0">
-                    <a:schemeClr val="bg2"/>
-                  </a:outerShdw>
-                </a:effectLst>
-              </a14:hiddenEffects>
-            </a:ext>
-          </a:extLst>
-        </p:spPr>
-        <p:txBody>
-          <a:bodyPr vert="horz" wrap="none" lIns="91440" tIns="45720" rIns="91440" bIns="45720" numCol="1" anchor="ctr" anchorCtr="0" compatLnSpc="1">
-            <a:prstTxWarp prst="textNoShape">
-              <a:avLst/>
-            </a:prstTxWarp>
-            <a:spAutoFit/>
-          </a:bodyPr>
-          <a:lstStyle/>
-          <a:p>
-            <a:pPr marL="0" marR="0" lvl="0" indent="0" algn="l" defTabSz="914400" rtl="0" eaLnBrk="0" fontAlgn="base" latinLnBrk="0" hangingPunct="0">
-              <a:lnSpc>
-                <a:spcPct val="100000"/>
-              </a:lnSpc>
-              <a:spcBef>
-                <a:spcPct val="0"/>
-              </a:spcBef>
-              <a:spcAft>
-                <a:spcPct val="0"/>
-              </a:spcAft>
-              <a:buClrTx/>
-              <a:buSzTx/>
-              <a:buFontTx/>
-              <a:buNone/>
-              <a:tabLst/>
-            </a:pPr>
-            <a:r>
-              <a:rPr kumimoji="0" lang="en-US" altLang="en-US" sz="1500" b="1" i="0" u="none" strike="noStrike" cap="none" normalizeH="0" baseline="0" dirty="0" smtClean="0">
-                <a:ln>
-                  <a:noFill/>
-                </a:ln>
-                <a:solidFill>
-                  <a:srgbClr val="000080"/>
-                </a:solidFill>
-                <a:effectLst/>
-                <a:latin typeface="Courier New" panose="02070309020205020404" pitchFamily="49" charset="0"/>
-                <a:cs typeface="Courier New" panose="02070309020205020404" pitchFamily="49" charset="0"/>
-              </a:rPr>
-              <a:t>public interface </a:t>
-            </a:r>
-            <a:r>
-              <a:rPr kumimoji="0" lang="en-US" altLang="en-US" sz="1500" b="0" i="0" u="none" strike="noStrike" cap="none" normalizeH="0" baseline="0" dirty="0" err="1" smtClean="0">
-                <a:ln>
-                  <a:noFill/>
-                </a:ln>
-                <a:solidFill>
-                  <a:srgbClr val="000000"/>
-                </a:solidFill>
-                <a:effectLst/>
-                <a:latin typeface="Courier New" panose="02070309020205020404" pitchFamily="49" charset="0"/>
-                <a:cs typeface="Courier New" panose="02070309020205020404" pitchFamily="49" charset="0"/>
-              </a:rPr>
-              <a:t>PaymentInstructionRepository</a:t>
-            </a:r>
-            <a:r>
-              <a:rPr kumimoji="0" lang="en-US" altLang="en-US" sz="1500" b="0" i="0" u="none" strike="noStrike" cap="none" normalizeH="0" baseline="0" dirty="0" smtClean="0">
-                <a:ln>
-                  <a:noFill/>
-                </a:ln>
-                <a:solidFill>
-                  <a:srgbClr val="000000"/>
-                </a:solidFill>
-                <a:effectLst/>
-                <a:latin typeface="Courier New" panose="02070309020205020404" pitchFamily="49" charset="0"/>
-                <a:cs typeface="Courier New" panose="02070309020205020404" pitchFamily="49" charset="0"/>
-              </a:rPr>
-              <a:t> {</a:t>
-            </a:r>
-            <a:br>
-              <a:rPr kumimoji="0" lang="en-US" altLang="en-US" sz="1500" b="0" i="0" u="none" strike="noStrike" cap="none" normalizeH="0" baseline="0" dirty="0" smtClean="0">
-                <a:ln>
-                  <a:noFill/>
-                </a:ln>
-                <a:solidFill>
-                  <a:srgbClr val="000000"/>
-                </a:solidFill>
-                <a:effectLst/>
-                <a:latin typeface="Courier New" panose="02070309020205020404" pitchFamily="49" charset="0"/>
-                <a:cs typeface="Courier New" panose="02070309020205020404" pitchFamily="49" charset="0"/>
-              </a:rPr>
-            </a:br>
-            <a:r>
-              <a:rPr kumimoji="0" lang="en-US" altLang="en-US" sz="1500" b="0" i="0" u="none" strike="noStrike" cap="none" normalizeH="0" baseline="0" dirty="0" smtClean="0">
-                <a:ln>
-                  <a:noFill/>
-                </a:ln>
-                <a:solidFill>
-                  <a:srgbClr val="000000"/>
-                </a:solidFill>
-                <a:effectLst/>
-                <a:latin typeface="Courier New" panose="02070309020205020404" pitchFamily="49" charset="0"/>
-                <a:cs typeface="Courier New" panose="02070309020205020404" pitchFamily="49" charset="0"/>
-              </a:rPr>
-              <a:t/>
-            </a:r>
-            <a:br>
-              <a:rPr kumimoji="0" lang="en-US" altLang="en-US" sz="1500" b="0" i="0" u="none" strike="noStrike" cap="none" normalizeH="0" baseline="0" dirty="0" smtClean="0">
-                <a:ln>
-                  <a:noFill/>
-                </a:ln>
-                <a:solidFill>
-                  <a:srgbClr val="000000"/>
-                </a:solidFill>
-                <a:effectLst/>
-                <a:latin typeface="Courier New" panose="02070309020205020404" pitchFamily="49" charset="0"/>
-                <a:cs typeface="Courier New" panose="02070309020205020404" pitchFamily="49" charset="0"/>
-              </a:rPr>
-            </a:br>
-            <a:r>
-              <a:rPr kumimoji="0" lang="en-US" altLang="en-US" sz="1500" b="0" i="0" u="none" strike="noStrike" cap="none" normalizeH="0" baseline="0" dirty="0" smtClean="0">
-                <a:ln>
-                  <a:noFill/>
-                </a:ln>
-                <a:solidFill>
-                  <a:srgbClr val="000000"/>
-                </a:solidFill>
-                <a:effectLst/>
-                <a:latin typeface="Courier New" panose="02070309020205020404" pitchFamily="49" charset="0"/>
-                <a:cs typeface="Courier New" panose="02070309020205020404" pitchFamily="49" charset="0"/>
-              </a:rPr>
-              <a:t>   </a:t>
-            </a:r>
-            <a:r>
-              <a:rPr kumimoji="0" lang="en-US" altLang="en-US" sz="1500" b="1" i="0" u="none" strike="noStrike" cap="none" normalizeH="0" baseline="0" dirty="0" smtClean="0">
-                <a:ln>
-                  <a:noFill/>
-                </a:ln>
-                <a:solidFill>
-                  <a:srgbClr val="000080"/>
-                </a:solidFill>
-                <a:effectLst/>
-                <a:latin typeface="Courier New" panose="02070309020205020404" pitchFamily="49" charset="0"/>
-                <a:cs typeface="Courier New" panose="02070309020205020404" pitchFamily="49" charset="0"/>
-              </a:rPr>
-              <a:t>void </a:t>
-            </a:r>
-            <a:r>
-              <a:rPr kumimoji="0" lang="en-US" altLang="en-US" sz="1500" b="0" i="0" u="none" strike="noStrike" cap="none" normalizeH="0" baseline="0" dirty="0" smtClean="0">
-                <a:ln>
-                  <a:noFill/>
-                </a:ln>
-                <a:solidFill>
-                  <a:srgbClr val="000000"/>
-                </a:solidFill>
-                <a:effectLst/>
-                <a:latin typeface="Courier New" panose="02070309020205020404" pitchFamily="49" charset="0"/>
-                <a:cs typeface="Courier New" panose="02070309020205020404" pitchFamily="49" charset="0"/>
-              </a:rPr>
-              <a:t>add(</a:t>
-            </a:r>
-            <a:r>
-              <a:rPr kumimoji="0" lang="en-US" altLang="en-US" sz="1500" b="0" i="0" u="none" strike="noStrike" cap="none" normalizeH="0" baseline="0" dirty="0" err="1" smtClean="0">
-                <a:ln>
-                  <a:noFill/>
-                </a:ln>
-                <a:solidFill>
-                  <a:srgbClr val="000000"/>
-                </a:solidFill>
-                <a:effectLst/>
-                <a:latin typeface="Courier New" panose="02070309020205020404" pitchFamily="49" charset="0"/>
-                <a:cs typeface="Courier New" panose="02070309020205020404" pitchFamily="49" charset="0"/>
-              </a:rPr>
-              <a:t>PaymentInstruction</a:t>
-            </a:r>
-            <a:r>
-              <a:rPr kumimoji="0" lang="en-US" altLang="en-US" sz="1500" b="0" i="0" u="none" strike="noStrike" cap="none" normalizeH="0" baseline="0" dirty="0" smtClean="0">
-                <a:ln>
-                  <a:noFill/>
-                </a:ln>
-                <a:solidFill>
-                  <a:srgbClr val="000000"/>
-                </a:solidFill>
-                <a:effectLst/>
-                <a:latin typeface="Courier New" panose="02070309020205020404" pitchFamily="49" charset="0"/>
-                <a:cs typeface="Courier New" panose="02070309020205020404" pitchFamily="49" charset="0"/>
-              </a:rPr>
-              <a:t> </a:t>
-            </a:r>
-            <a:r>
-              <a:rPr kumimoji="0" lang="en-US" altLang="en-US" sz="1500" b="0" i="0" u="none" strike="noStrike" cap="none" normalizeH="0" baseline="0" dirty="0" err="1" smtClean="0">
-                <a:ln>
-                  <a:noFill/>
-                </a:ln>
-                <a:solidFill>
-                  <a:srgbClr val="000000"/>
-                </a:solidFill>
-                <a:effectLst/>
-                <a:latin typeface="Courier New" panose="02070309020205020404" pitchFamily="49" charset="0"/>
-                <a:cs typeface="Courier New" panose="02070309020205020404" pitchFamily="49" charset="0"/>
-              </a:rPr>
-              <a:t>paymentInstruction</a:t>
-            </a:r>
-            <a:r>
-              <a:rPr kumimoji="0" lang="en-US" altLang="en-US" sz="1500" b="0" i="0" u="none" strike="noStrike" cap="none" normalizeH="0" baseline="0" dirty="0" smtClean="0">
-                <a:ln>
-                  <a:noFill/>
-                </a:ln>
-                <a:solidFill>
-                  <a:srgbClr val="000000"/>
-                </a:solidFill>
-                <a:effectLst/>
-                <a:latin typeface="Courier New" panose="02070309020205020404" pitchFamily="49" charset="0"/>
-                <a:cs typeface="Courier New" panose="02070309020205020404" pitchFamily="49" charset="0"/>
-              </a:rPr>
-              <a:t>);</a:t>
-            </a:r>
-            <a:br>
-              <a:rPr kumimoji="0" lang="en-US" altLang="en-US" sz="1500" b="0" i="0" u="none" strike="noStrike" cap="none" normalizeH="0" baseline="0" dirty="0" smtClean="0">
-                <a:ln>
-                  <a:noFill/>
-                </a:ln>
-                <a:solidFill>
-                  <a:srgbClr val="000000"/>
-                </a:solidFill>
-                <a:effectLst/>
-                <a:latin typeface="Courier New" panose="02070309020205020404" pitchFamily="49" charset="0"/>
-                <a:cs typeface="Courier New" panose="02070309020205020404" pitchFamily="49" charset="0"/>
-              </a:rPr>
-            </a:br>
-            <a:r>
-              <a:rPr kumimoji="0" lang="en-US" altLang="en-US" sz="1500" b="0" i="0" u="none" strike="noStrike" cap="none" normalizeH="0" baseline="0" dirty="0" smtClean="0">
-                <a:ln>
-                  <a:noFill/>
-                </a:ln>
-                <a:solidFill>
-                  <a:srgbClr val="000000"/>
-                </a:solidFill>
-                <a:effectLst/>
-                <a:latin typeface="Courier New" panose="02070309020205020404" pitchFamily="49" charset="0"/>
-                <a:cs typeface="Courier New" panose="02070309020205020404" pitchFamily="49" charset="0"/>
-              </a:rPr>
-              <a:t>   </a:t>
-            </a:r>
-            <a:br>
-              <a:rPr kumimoji="0" lang="en-US" altLang="en-US" sz="1500" b="0" i="0" u="none" strike="noStrike" cap="none" normalizeH="0" baseline="0" dirty="0" smtClean="0">
-                <a:ln>
-                  <a:noFill/>
-                </a:ln>
-                <a:solidFill>
-                  <a:srgbClr val="000000"/>
-                </a:solidFill>
-                <a:effectLst/>
-                <a:latin typeface="Courier New" panose="02070309020205020404" pitchFamily="49" charset="0"/>
-                <a:cs typeface="Courier New" panose="02070309020205020404" pitchFamily="49" charset="0"/>
-              </a:rPr>
-            </a:br>
-            <a:r>
-              <a:rPr kumimoji="0" lang="en-US" altLang="en-US" sz="1500" b="0" i="0" u="none" strike="noStrike" cap="none" normalizeH="0" baseline="0" dirty="0" smtClean="0">
-                <a:ln>
-                  <a:noFill/>
-                </a:ln>
-                <a:solidFill>
-                  <a:srgbClr val="000000"/>
-                </a:solidFill>
-                <a:effectLst/>
-                <a:latin typeface="Courier New" panose="02070309020205020404" pitchFamily="49" charset="0"/>
-                <a:cs typeface="Courier New" panose="02070309020205020404" pitchFamily="49" charset="0"/>
-              </a:rPr>
-              <a:t>   </a:t>
-            </a:r>
-            <a:r>
-              <a:rPr kumimoji="0" lang="en-US" altLang="en-US" sz="1500" b="0" i="0" u="none" strike="noStrike" cap="none" normalizeH="0" baseline="0" dirty="0" err="1" smtClean="0">
-                <a:ln>
-                  <a:noFill/>
-                </a:ln>
-                <a:solidFill>
-                  <a:srgbClr val="000000"/>
-                </a:solidFill>
-                <a:effectLst/>
-                <a:latin typeface="Courier New" panose="02070309020205020404" pitchFamily="49" charset="0"/>
-                <a:cs typeface="Courier New" panose="02070309020205020404" pitchFamily="49" charset="0"/>
-              </a:rPr>
-              <a:t>PaymentInstruction</a:t>
-            </a:r>
-            <a:r>
-              <a:rPr kumimoji="0" lang="en-US" altLang="en-US" sz="1500" b="0" i="0" u="none" strike="noStrike" cap="none" normalizeH="0" baseline="0" dirty="0" smtClean="0">
-                <a:ln>
-                  <a:noFill/>
-                </a:ln>
-                <a:solidFill>
-                  <a:srgbClr val="000000"/>
-                </a:solidFill>
-                <a:effectLst/>
-                <a:latin typeface="Courier New" panose="02070309020205020404" pitchFamily="49" charset="0"/>
-                <a:cs typeface="Courier New" panose="02070309020205020404" pitchFamily="49" charset="0"/>
-              </a:rPr>
-              <a:t> find(Long </a:t>
-            </a:r>
-            <a:r>
-              <a:rPr kumimoji="0" lang="en-US" altLang="en-US" sz="1500" b="0" i="0" u="none" strike="noStrike" cap="none" normalizeH="0" baseline="0" dirty="0" err="1" smtClean="0">
-                <a:ln>
-                  <a:noFill/>
-                </a:ln>
-                <a:solidFill>
-                  <a:srgbClr val="000000"/>
-                </a:solidFill>
-                <a:effectLst/>
-                <a:latin typeface="Courier New" panose="02070309020205020404" pitchFamily="49" charset="0"/>
-                <a:cs typeface="Courier New" panose="02070309020205020404" pitchFamily="49" charset="0"/>
-              </a:rPr>
-              <a:t>paymentInstructionId</a:t>
-            </a:r>
-            <a:r>
-              <a:rPr kumimoji="0" lang="en-US" altLang="en-US" sz="1500" b="0" i="0" u="none" strike="noStrike" cap="none" normalizeH="0" baseline="0" dirty="0" smtClean="0">
-                <a:ln>
-                  <a:noFill/>
-                </a:ln>
-                <a:solidFill>
-                  <a:srgbClr val="000000"/>
-                </a:solidFill>
-                <a:effectLst/>
-                <a:latin typeface="Courier New" panose="02070309020205020404" pitchFamily="49" charset="0"/>
-                <a:cs typeface="Courier New" panose="02070309020205020404" pitchFamily="49" charset="0"/>
-              </a:rPr>
-              <a:t>) </a:t>
-            </a:r>
-            <a:r>
-              <a:rPr kumimoji="0" lang="en-US" altLang="en-US" sz="1500" b="1" i="0" u="none" strike="noStrike" cap="none" normalizeH="0" baseline="0" dirty="0" smtClean="0">
-                <a:ln>
-                  <a:noFill/>
-                </a:ln>
-                <a:solidFill>
-                  <a:srgbClr val="000080"/>
-                </a:solidFill>
-                <a:effectLst/>
-                <a:latin typeface="Courier New" panose="02070309020205020404" pitchFamily="49" charset="0"/>
-                <a:cs typeface="Courier New" panose="02070309020205020404" pitchFamily="49" charset="0"/>
-              </a:rPr>
-              <a:t>throws </a:t>
-            </a:r>
-            <a:r>
-              <a:rPr kumimoji="0" lang="en-US" altLang="en-US" sz="1500" b="0" i="0" u="none" strike="noStrike" cap="none" normalizeH="0" baseline="0" dirty="0" err="1" smtClean="0">
-                <a:ln>
-                  <a:noFill/>
-                </a:ln>
-                <a:solidFill>
-                  <a:srgbClr val="000000"/>
-                </a:solidFill>
-                <a:effectLst/>
-                <a:latin typeface="Courier New" panose="02070309020205020404" pitchFamily="49" charset="0"/>
-                <a:cs typeface="Courier New" panose="02070309020205020404" pitchFamily="49" charset="0"/>
-              </a:rPr>
-              <a:t>BusinessRuleNotSatisfied</a:t>
-            </a:r>
-            <a:r>
-              <a:rPr kumimoji="0" lang="en-US" altLang="en-US" sz="1500" b="0" i="0" u="none" strike="noStrike" cap="none" normalizeH="0" baseline="0" dirty="0" smtClean="0">
-                <a:ln>
-                  <a:noFill/>
-                </a:ln>
-                <a:solidFill>
-                  <a:srgbClr val="000000"/>
-                </a:solidFill>
-                <a:effectLst/>
-                <a:latin typeface="Courier New" panose="02070309020205020404" pitchFamily="49" charset="0"/>
-                <a:cs typeface="Courier New" panose="02070309020205020404" pitchFamily="49" charset="0"/>
-              </a:rPr>
-              <a:t>;</a:t>
-            </a:r>
-            <a:br>
-              <a:rPr kumimoji="0" lang="en-US" altLang="en-US" sz="1500" b="0" i="0" u="none" strike="noStrike" cap="none" normalizeH="0" baseline="0" dirty="0" smtClean="0">
-                <a:ln>
-                  <a:noFill/>
-                </a:ln>
-                <a:solidFill>
-                  <a:srgbClr val="000000"/>
-                </a:solidFill>
-                <a:effectLst/>
-                <a:latin typeface="Courier New" panose="02070309020205020404" pitchFamily="49" charset="0"/>
-                <a:cs typeface="Courier New" panose="02070309020205020404" pitchFamily="49" charset="0"/>
-              </a:rPr>
-            </a:br>
-            <a:r>
-              <a:rPr kumimoji="0" lang="en-US" altLang="en-US" sz="1500" b="0" i="0" u="none" strike="noStrike" cap="none" normalizeH="0" baseline="0" dirty="0" smtClean="0">
-                <a:ln>
-                  <a:noFill/>
-                </a:ln>
-                <a:solidFill>
-                  <a:srgbClr val="000000"/>
-                </a:solidFill>
-                <a:effectLst/>
-                <a:latin typeface="Courier New" panose="02070309020205020404" pitchFamily="49" charset="0"/>
-                <a:cs typeface="Courier New" panose="02070309020205020404" pitchFamily="49" charset="0"/>
-              </a:rPr>
-              <a:t>}</a:t>
-            </a:r>
-            <a:endParaRPr kumimoji="0" lang="en-US" altLang="en-US" sz="1800" b="0" i="0" u="none" strike="noStrike" cap="none" normalizeH="0" baseline="0" dirty="0" smtClean="0">
-              <a:ln>
-                <a:noFill/>
-              </a:ln>
-              <a:solidFill>
-                <a:schemeClr val="tx1"/>
-              </a:solidFill>
-              <a:effectLst/>
-              <a:latin typeface="Arial" panose="020B0604020202020204" pitchFamily="34" charset="0"/>
-            </a:endParaRPr>
-          </a:p>
-        </p:txBody>
-      </p:sp>
-    </p:spTree>
-    <p:extLst>
-      <p:ext uri="{BB962C8B-B14F-4D97-AF65-F5344CB8AC3E}">
-        <p14:creationId xmlns:p14="http://schemas.microsoft.com/office/powerpoint/2010/main" val="3144209889"/>
-      </p:ext>
-    </p:extLst>
-  </p:cSld>
-  <p:clrMapOvr>
-    <a:masterClrMapping/>
-  </p:clrMapOvr>
-  <p:timing>
-    <p:tnLst>
-      <p:par>
-        <p:cTn id="1" dur="indefinite" restart="never" nodeType="tmRoot"/>
-      </p:par>
-    </p:tnLst>
-  </p:timing>
-</p:sld>
-</file>
-
 <file path=ppt/slides/slide3.xml><?xml version="1.0" encoding="utf-8"?>
 <p:sld xmlns:a="http://schemas.openxmlformats.org/drawingml/2006/main" xmlns:r="http://schemas.openxmlformats.org/officeDocument/2006/relationships" xmlns:p="http://schemas.openxmlformats.org/presentationml/2006/main">
   <p:cSld>
@@ -44361,6 +46998,609 @@
           <a:lstStyle/>
           <a:p>
             <a:r>
+              <a:rPr lang="en-US" dirty="0" smtClean="0"/>
+              <a:t>Repositories</a:t>
+            </a:r>
+            <a:endParaRPr lang="en-US" dirty="0"/>
+          </a:p>
+        </p:txBody>
+      </p:sp>
+      <p:sp>
+        <p:nvSpPr>
+          <p:cNvPr id="3" name="Text Placeholder 2"/>
+          <p:cNvSpPr>
+            <a:spLocks noGrp="1"/>
+          </p:cNvSpPr>
+          <p:nvPr>
+            <p:ph type="body" sz="quarter" idx="10"/>
+          </p:nvPr>
+        </p:nvSpPr>
+        <p:spPr>
+          <a:xfrm>
+            <a:off x="1296000" y="2016000"/>
+            <a:ext cx="10446234" cy="4140000"/>
+          </a:xfrm>
+        </p:spPr>
+        <p:txBody>
+          <a:bodyPr/>
+          <a:lstStyle/>
+          <a:p>
+            <a:endParaRPr lang="en-US" dirty="0" smtClean="0"/>
+          </a:p>
+          <a:p>
+            <a:endParaRPr lang="en-US" dirty="0"/>
+          </a:p>
+          <a:p>
+            <a:endParaRPr lang="en-US" dirty="0" smtClean="0"/>
+          </a:p>
+          <a:p>
+            <a:pPr marL="0" indent="0">
+              <a:buNone/>
+            </a:pPr>
+            <a:r>
+              <a:rPr lang="en-US" sz="2200" dirty="0" smtClean="0"/>
+              <a:t>“Represent all objects of a certain type as a collection with querying capabilities.”</a:t>
+            </a:r>
+            <a:endParaRPr lang="en-US" sz="2200" dirty="0"/>
+          </a:p>
+        </p:txBody>
+      </p:sp>
+    </p:spTree>
+    <p:extLst>
+      <p:ext uri="{BB962C8B-B14F-4D97-AF65-F5344CB8AC3E}">
+        <p14:creationId xmlns:p14="http://schemas.microsoft.com/office/powerpoint/2010/main" val="1802502208"/>
+      </p:ext>
+    </p:extLst>
+  </p:cSld>
+  <p:clrMapOvr>
+    <a:masterClrMapping/>
+  </p:clrMapOvr>
+  <p:timing>
+    <p:tnLst>
+      <p:par>
+        <p:cTn id="1" dur="indefinite" restart="never" nodeType="tmRoot"/>
+      </p:par>
+    </p:tnLst>
+  </p:timing>
+</p:sld>
+</file>
+
+<file path=ppt/slides/slide31.xml><?xml version="1.0" encoding="utf-8"?>
+<p:sld xmlns:a="http://schemas.openxmlformats.org/drawingml/2006/main" xmlns:r="http://schemas.openxmlformats.org/officeDocument/2006/relationships" xmlns:p="http://schemas.openxmlformats.org/presentationml/2006/main">
+  <p:cSld>
+    <p:spTree>
+      <p:nvGrpSpPr>
+        <p:cNvPr id="1" name=""/>
+        <p:cNvGrpSpPr/>
+        <p:nvPr/>
+      </p:nvGrpSpPr>
+      <p:grpSpPr>
+        <a:xfrm>
+          <a:off x="0" y="0"/>
+          <a:ext cx="0" cy="0"/>
+          <a:chOff x="0" y="0"/>
+          <a:chExt cx="0" cy="0"/>
+        </a:xfrm>
+      </p:grpSpPr>
+      <p:sp>
+        <p:nvSpPr>
+          <p:cNvPr id="3" name="Title 2"/>
+          <p:cNvSpPr>
+            <a:spLocks noGrp="1"/>
+          </p:cNvSpPr>
+          <p:nvPr>
+            <p:ph type="title"/>
+          </p:nvPr>
+        </p:nvSpPr>
+        <p:spPr/>
+        <p:txBody>
+          <a:bodyPr/>
+          <a:lstStyle/>
+          <a:p>
+            <a:r>
+              <a:rPr lang="en-US" dirty="0"/>
+              <a:t>Repositories</a:t>
+            </a:r>
+          </a:p>
+        </p:txBody>
+      </p:sp>
+      <p:sp>
+        <p:nvSpPr>
+          <p:cNvPr id="5" name="Rectangle 2"/>
+          <p:cNvSpPr>
+            <a:spLocks noGrp="1" noChangeArrowheads="1"/>
+          </p:cNvSpPr>
+          <p:nvPr>
+            <p:ph idx="1"/>
+          </p:nvPr>
+        </p:nvSpPr>
+        <p:spPr bwMode="auto">
+          <a:xfrm>
+            <a:off x="1296000" y="1770673"/>
+            <a:ext cx="9864000" cy="4140000"/>
+          </a:xfrm>
+          <a:prstGeom prst="rect">
+            <a:avLst/>
+          </a:prstGeom>
+          <a:solidFill>
+            <a:srgbClr val="FFFFFF"/>
+          </a:solidFill>
+          <a:ln>
+            <a:noFill/>
+          </a:ln>
+          <a:effectLst/>
+          <a:extLst>
+            <a:ext uri="{91240B29-F687-4F45-9708-019B960494DF}">
+              <a14:hiddenLine xmlns:a14="http://schemas.microsoft.com/office/drawing/2010/main" w="9525">
+                <a:solidFill>
+                  <a:schemeClr val="tx1"/>
+                </a:solidFill>
+                <a:miter lim="800000"/>
+                <a:headEnd/>
+                <a:tailEnd/>
+              </a14:hiddenLine>
+            </a:ext>
+            <a:ext uri="{AF507438-7753-43E0-B8FC-AC1667EBCBE1}">
+              <a14:hiddenEffects xmlns:a14="http://schemas.microsoft.com/office/drawing/2010/main">
+                <a:effectLst>
+                  <a:outerShdw dist="35921" dir="2700000" algn="ctr" rotWithShape="0">
+                    <a:schemeClr val="bg2"/>
+                  </a:outerShdw>
+                </a:effectLst>
+              </a14:hiddenEffects>
+            </a:ext>
+          </a:extLst>
+        </p:spPr>
+        <p:txBody>
+          <a:bodyPr vert="horz" wrap="none" lIns="91440" tIns="45720" rIns="91440" bIns="45720" numCol="1" anchor="ctr" anchorCtr="0" compatLnSpc="1">
+            <a:prstTxWarp prst="textNoShape">
+              <a:avLst/>
+            </a:prstTxWarp>
+            <a:spAutoFit/>
+          </a:bodyPr>
+          <a:lstStyle/>
+          <a:p>
+            <a:pPr marL="0" marR="0" lvl="0" indent="0" algn="l" defTabSz="914400" rtl="0" eaLnBrk="0" fontAlgn="base" latinLnBrk="0" hangingPunct="0">
+              <a:lnSpc>
+                <a:spcPct val="100000"/>
+              </a:lnSpc>
+              <a:spcBef>
+                <a:spcPct val="0"/>
+              </a:spcBef>
+              <a:spcAft>
+                <a:spcPct val="0"/>
+              </a:spcAft>
+              <a:buClrTx/>
+              <a:buSzTx/>
+              <a:buFontTx/>
+              <a:buNone/>
+              <a:tabLst/>
+            </a:pPr>
+            <a:r>
+              <a:rPr kumimoji="0" lang="en-US" altLang="en-US" sz="1500" b="1" i="0" u="none" strike="noStrike" cap="none" normalizeH="0" baseline="0" dirty="0" smtClean="0">
+                <a:ln>
+                  <a:noFill/>
+                </a:ln>
+                <a:solidFill>
+                  <a:srgbClr val="000080"/>
+                </a:solidFill>
+                <a:effectLst/>
+                <a:latin typeface="Courier New" panose="02070309020205020404" pitchFamily="49" charset="0"/>
+                <a:cs typeface="Courier New" panose="02070309020205020404" pitchFamily="49" charset="0"/>
+              </a:rPr>
+              <a:t>public interface </a:t>
+            </a:r>
+            <a:r>
+              <a:rPr kumimoji="0" lang="en-US" altLang="en-US" sz="1500" b="0" i="0" u="none" strike="noStrike" cap="none" normalizeH="0" baseline="0" dirty="0" err="1" smtClean="0">
+                <a:ln>
+                  <a:noFill/>
+                </a:ln>
+                <a:solidFill>
+                  <a:srgbClr val="000000"/>
+                </a:solidFill>
+                <a:effectLst/>
+                <a:latin typeface="Courier New" panose="02070309020205020404" pitchFamily="49" charset="0"/>
+                <a:cs typeface="Courier New" panose="02070309020205020404" pitchFamily="49" charset="0"/>
+              </a:rPr>
+              <a:t>PaymentInstructionRepository</a:t>
+            </a:r>
+            <a:r>
+              <a:rPr kumimoji="0" lang="en-US" altLang="en-US" sz="1500" b="0" i="0" u="none" strike="noStrike" cap="none" normalizeH="0" baseline="0" dirty="0" smtClean="0">
+                <a:ln>
+                  <a:noFill/>
+                </a:ln>
+                <a:solidFill>
+                  <a:srgbClr val="000000"/>
+                </a:solidFill>
+                <a:effectLst/>
+                <a:latin typeface="Courier New" panose="02070309020205020404" pitchFamily="49" charset="0"/>
+                <a:cs typeface="Courier New" panose="02070309020205020404" pitchFamily="49" charset="0"/>
+              </a:rPr>
+              <a:t> {</a:t>
+            </a:r>
+            <a:br>
+              <a:rPr kumimoji="0" lang="en-US" altLang="en-US" sz="1500" b="0" i="0" u="none" strike="noStrike" cap="none" normalizeH="0" baseline="0" dirty="0" smtClean="0">
+                <a:ln>
+                  <a:noFill/>
+                </a:ln>
+                <a:solidFill>
+                  <a:srgbClr val="000000"/>
+                </a:solidFill>
+                <a:effectLst/>
+                <a:latin typeface="Courier New" panose="02070309020205020404" pitchFamily="49" charset="0"/>
+                <a:cs typeface="Courier New" panose="02070309020205020404" pitchFamily="49" charset="0"/>
+              </a:rPr>
+            </a:br>
+            <a:r>
+              <a:rPr kumimoji="0" lang="en-US" altLang="en-US" sz="1500" b="0" i="0" u="none" strike="noStrike" cap="none" normalizeH="0" baseline="0" dirty="0" smtClean="0">
+                <a:ln>
+                  <a:noFill/>
+                </a:ln>
+                <a:solidFill>
+                  <a:srgbClr val="000000"/>
+                </a:solidFill>
+                <a:effectLst/>
+                <a:latin typeface="Courier New" panose="02070309020205020404" pitchFamily="49" charset="0"/>
+                <a:cs typeface="Courier New" panose="02070309020205020404" pitchFamily="49" charset="0"/>
+              </a:rPr>
+              <a:t/>
+            </a:r>
+            <a:br>
+              <a:rPr kumimoji="0" lang="en-US" altLang="en-US" sz="1500" b="0" i="0" u="none" strike="noStrike" cap="none" normalizeH="0" baseline="0" dirty="0" smtClean="0">
+                <a:ln>
+                  <a:noFill/>
+                </a:ln>
+                <a:solidFill>
+                  <a:srgbClr val="000000"/>
+                </a:solidFill>
+                <a:effectLst/>
+                <a:latin typeface="Courier New" panose="02070309020205020404" pitchFamily="49" charset="0"/>
+                <a:cs typeface="Courier New" panose="02070309020205020404" pitchFamily="49" charset="0"/>
+              </a:rPr>
+            </a:br>
+            <a:r>
+              <a:rPr kumimoji="0" lang="en-US" altLang="en-US" sz="1500" b="0" i="0" u="none" strike="noStrike" cap="none" normalizeH="0" baseline="0" dirty="0" smtClean="0">
+                <a:ln>
+                  <a:noFill/>
+                </a:ln>
+                <a:solidFill>
+                  <a:srgbClr val="000000"/>
+                </a:solidFill>
+                <a:effectLst/>
+                <a:latin typeface="Courier New" panose="02070309020205020404" pitchFamily="49" charset="0"/>
+                <a:cs typeface="Courier New" panose="02070309020205020404" pitchFamily="49" charset="0"/>
+              </a:rPr>
+              <a:t>   </a:t>
+            </a:r>
+            <a:r>
+              <a:rPr kumimoji="0" lang="en-US" altLang="en-US" sz="1500" b="1" i="0" u="none" strike="noStrike" cap="none" normalizeH="0" baseline="0" dirty="0" smtClean="0">
+                <a:ln>
+                  <a:noFill/>
+                </a:ln>
+                <a:solidFill>
+                  <a:srgbClr val="000080"/>
+                </a:solidFill>
+                <a:effectLst/>
+                <a:latin typeface="Courier New" panose="02070309020205020404" pitchFamily="49" charset="0"/>
+                <a:cs typeface="Courier New" panose="02070309020205020404" pitchFamily="49" charset="0"/>
+              </a:rPr>
+              <a:t>void </a:t>
+            </a:r>
+            <a:r>
+              <a:rPr kumimoji="0" lang="en-US" altLang="en-US" sz="1500" b="0" i="0" u="none" strike="noStrike" cap="none" normalizeH="0" baseline="0" dirty="0" smtClean="0">
+                <a:ln>
+                  <a:noFill/>
+                </a:ln>
+                <a:solidFill>
+                  <a:srgbClr val="000000"/>
+                </a:solidFill>
+                <a:effectLst/>
+                <a:latin typeface="Courier New" panose="02070309020205020404" pitchFamily="49" charset="0"/>
+                <a:cs typeface="Courier New" panose="02070309020205020404" pitchFamily="49" charset="0"/>
+              </a:rPr>
+              <a:t>add(</a:t>
+            </a:r>
+            <a:r>
+              <a:rPr kumimoji="0" lang="en-US" altLang="en-US" sz="1500" b="0" i="0" u="none" strike="noStrike" cap="none" normalizeH="0" baseline="0" dirty="0" err="1" smtClean="0">
+                <a:ln>
+                  <a:noFill/>
+                </a:ln>
+                <a:solidFill>
+                  <a:srgbClr val="000000"/>
+                </a:solidFill>
+                <a:effectLst/>
+                <a:latin typeface="Courier New" panose="02070309020205020404" pitchFamily="49" charset="0"/>
+                <a:cs typeface="Courier New" panose="02070309020205020404" pitchFamily="49" charset="0"/>
+              </a:rPr>
+              <a:t>PaymentInstruction</a:t>
+            </a:r>
+            <a:r>
+              <a:rPr kumimoji="0" lang="en-US" altLang="en-US" sz="1500" b="0" i="0" u="none" strike="noStrike" cap="none" normalizeH="0" baseline="0" dirty="0" smtClean="0">
+                <a:ln>
+                  <a:noFill/>
+                </a:ln>
+                <a:solidFill>
+                  <a:srgbClr val="000000"/>
+                </a:solidFill>
+                <a:effectLst/>
+                <a:latin typeface="Courier New" panose="02070309020205020404" pitchFamily="49" charset="0"/>
+                <a:cs typeface="Courier New" panose="02070309020205020404" pitchFamily="49" charset="0"/>
+              </a:rPr>
+              <a:t> </a:t>
+            </a:r>
+            <a:r>
+              <a:rPr kumimoji="0" lang="en-US" altLang="en-US" sz="1500" b="0" i="0" u="none" strike="noStrike" cap="none" normalizeH="0" baseline="0" dirty="0" err="1" smtClean="0">
+                <a:ln>
+                  <a:noFill/>
+                </a:ln>
+                <a:solidFill>
+                  <a:srgbClr val="000000"/>
+                </a:solidFill>
+                <a:effectLst/>
+                <a:latin typeface="Courier New" panose="02070309020205020404" pitchFamily="49" charset="0"/>
+                <a:cs typeface="Courier New" panose="02070309020205020404" pitchFamily="49" charset="0"/>
+              </a:rPr>
+              <a:t>paymentInstruction</a:t>
+            </a:r>
+            <a:r>
+              <a:rPr kumimoji="0" lang="en-US" altLang="en-US" sz="1500" b="0" i="0" u="none" strike="noStrike" cap="none" normalizeH="0" baseline="0" dirty="0" smtClean="0">
+                <a:ln>
+                  <a:noFill/>
+                </a:ln>
+                <a:solidFill>
+                  <a:srgbClr val="000000"/>
+                </a:solidFill>
+                <a:effectLst/>
+                <a:latin typeface="Courier New" panose="02070309020205020404" pitchFamily="49" charset="0"/>
+                <a:cs typeface="Courier New" panose="02070309020205020404" pitchFamily="49" charset="0"/>
+              </a:rPr>
+              <a:t>);</a:t>
+            </a:r>
+            <a:br>
+              <a:rPr kumimoji="0" lang="en-US" altLang="en-US" sz="1500" b="0" i="0" u="none" strike="noStrike" cap="none" normalizeH="0" baseline="0" dirty="0" smtClean="0">
+                <a:ln>
+                  <a:noFill/>
+                </a:ln>
+                <a:solidFill>
+                  <a:srgbClr val="000000"/>
+                </a:solidFill>
+                <a:effectLst/>
+                <a:latin typeface="Courier New" panose="02070309020205020404" pitchFamily="49" charset="0"/>
+                <a:cs typeface="Courier New" panose="02070309020205020404" pitchFamily="49" charset="0"/>
+              </a:rPr>
+            </a:br>
+            <a:r>
+              <a:rPr kumimoji="0" lang="en-US" altLang="en-US" sz="1500" b="0" i="0" u="none" strike="noStrike" cap="none" normalizeH="0" baseline="0" dirty="0" smtClean="0">
+                <a:ln>
+                  <a:noFill/>
+                </a:ln>
+                <a:solidFill>
+                  <a:srgbClr val="000000"/>
+                </a:solidFill>
+                <a:effectLst/>
+                <a:latin typeface="Courier New" panose="02070309020205020404" pitchFamily="49" charset="0"/>
+                <a:cs typeface="Courier New" panose="02070309020205020404" pitchFamily="49" charset="0"/>
+              </a:rPr>
+              <a:t>   </a:t>
+            </a:r>
+            <a:br>
+              <a:rPr kumimoji="0" lang="en-US" altLang="en-US" sz="1500" b="0" i="0" u="none" strike="noStrike" cap="none" normalizeH="0" baseline="0" dirty="0" smtClean="0">
+                <a:ln>
+                  <a:noFill/>
+                </a:ln>
+                <a:solidFill>
+                  <a:srgbClr val="000000"/>
+                </a:solidFill>
+                <a:effectLst/>
+                <a:latin typeface="Courier New" panose="02070309020205020404" pitchFamily="49" charset="0"/>
+                <a:cs typeface="Courier New" panose="02070309020205020404" pitchFamily="49" charset="0"/>
+              </a:rPr>
+            </a:br>
+            <a:r>
+              <a:rPr kumimoji="0" lang="en-US" altLang="en-US" sz="1500" b="0" i="0" u="none" strike="noStrike" cap="none" normalizeH="0" baseline="0" dirty="0" smtClean="0">
+                <a:ln>
+                  <a:noFill/>
+                </a:ln>
+                <a:solidFill>
+                  <a:srgbClr val="000000"/>
+                </a:solidFill>
+                <a:effectLst/>
+                <a:latin typeface="Courier New" panose="02070309020205020404" pitchFamily="49" charset="0"/>
+                <a:cs typeface="Courier New" panose="02070309020205020404" pitchFamily="49" charset="0"/>
+              </a:rPr>
+              <a:t>   </a:t>
+            </a:r>
+            <a:r>
+              <a:rPr kumimoji="0" lang="en-US" altLang="en-US" sz="1500" b="0" i="0" u="none" strike="noStrike" cap="none" normalizeH="0" baseline="0" dirty="0" err="1" smtClean="0">
+                <a:ln>
+                  <a:noFill/>
+                </a:ln>
+                <a:solidFill>
+                  <a:srgbClr val="000000"/>
+                </a:solidFill>
+                <a:effectLst/>
+                <a:latin typeface="Courier New" panose="02070309020205020404" pitchFamily="49" charset="0"/>
+                <a:cs typeface="Courier New" panose="02070309020205020404" pitchFamily="49" charset="0"/>
+              </a:rPr>
+              <a:t>PaymentInstruction</a:t>
+            </a:r>
+            <a:r>
+              <a:rPr kumimoji="0" lang="en-US" altLang="en-US" sz="1500" b="0" i="0" u="none" strike="noStrike" cap="none" normalizeH="0" baseline="0" dirty="0" smtClean="0">
+                <a:ln>
+                  <a:noFill/>
+                </a:ln>
+                <a:solidFill>
+                  <a:srgbClr val="000000"/>
+                </a:solidFill>
+                <a:effectLst/>
+                <a:latin typeface="Courier New" panose="02070309020205020404" pitchFamily="49" charset="0"/>
+                <a:cs typeface="Courier New" panose="02070309020205020404" pitchFamily="49" charset="0"/>
+              </a:rPr>
+              <a:t> find(Long </a:t>
+            </a:r>
+            <a:r>
+              <a:rPr kumimoji="0" lang="en-US" altLang="en-US" sz="1500" b="0" i="0" u="none" strike="noStrike" cap="none" normalizeH="0" baseline="0" dirty="0" err="1" smtClean="0">
+                <a:ln>
+                  <a:noFill/>
+                </a:ln>
+                <a:solidFill>
+                  <a:srgbClr val="000000"/>
+                </a:solidFill>
+                <a:effectLst/>
+                <a:latin typeface="Courier New" panose="02070309020205020404" pitchFamily="49" charset="0"/>
+                <a:cs typeface="Courier New" panose="02070309020205020404" pitchFamily="49" charset="0"/>
+              </a:rPr>
+              <a:t>paymentInstructionId</a:t>
+            </a:r>
+            <a:r>
+              <a:rPr kumimoji="0" lang="en-US" altLang="en-US" sz="1500" b="0" i="0" u="none" strike="noStrike" cap="none" normalizeH="0" baseline="0" dirty="0" smtClean="0">
+                <a:ln>
+                  <a:noFill/>
+                </a:ln>
+                <a:solidFill>
+                  <a:srgbClr val="000000"/>
+                </a:solidFill>
+                <a:effectLst/>
+                <a:latin typeface="Courier New" panose="02070309020205020404" pitchFamily="49" charset="0"/>
+                <a:cs typeface="Courier New" panose="02070309020205020404" pitchFamily="49" charset="0"/>
+              </a:rPr>
+              <a:t>) </a:t>
+            </a:r>
+            <a:r>
+              <a:rPr kumimoji="0" lang="en-US" altLang="en-US" sz="1500" b="1" i="0" u="none" strike="noStrike" cap="none" normalizeH="0" baseline="0" dirty="0" smtClean="0">
+                <a:ln>
+                  <a:noFill/>
+                </a:ln>
+                <a:solidFill>
+                  <a:srgbClr val="000080"/>
+                </a:solidFill>
+                <a:effectLst/>
+                <a:latin typeface="Courier New" panose="02070309020205020404" pitchFamily="49" charset="0"/>
+                <a:cs typeface="Courier New" panose="02070309020205020404" pitchFamily="49" charset="0"/>
+              </a:rPr>
+              <a:t>throws </a:t>
+            </a:r>
+            <a:r>
+              <a:rPr kumimoji="0" lang="en-US" altLang="en-US" sz="1500" b="0" i="0" u="none" strike="noStrike" cap="none" normalizeH="0" baseline="0" dirty="0" err="1" smtClean="0">
+                <a:ln>
+                  <a:noFill/>
+                </a:ln>
+                <a:solidFill>
+                  <a:srgbClr val="000000"/>
+                </a:solidFill>
+                <a:effectLst/>
+                <a:latin typeface="Courier New" panose="02070309020205020404" pitchFamily="49" charset="0"/>
+                <a:cs typeface="Courier New" panose="02070309020205020404" pitchFamily="49" charset="0"/>
+              </a:rPr>
+              <a:t>BusinessRuleNotSatisfied</a:t>
+            </a:r>
+            <a:r>
+              <a:rPr kumimoji="0" lang="en-US" altLang="en-US" sz="1500" b="0" i="0" u="none" strike="noStrike" cap="none" normalizeH="0" baseline="0" dirty="0" smtClean="0">
+                <a:ln>
+                  <a:noFill/>
+                </a:ln>
+                <a:solidFill>
+                  <a:srgbClr val="000000"/>
+                </a:solidFill>
+                <a:effectLst/>
+                <a:latin typeface="Courier New" panose="02070309020205020404" pitchFamily="49" charset="0"/>
+                <a:cs typeface="Courier New" panose="02070309020205020404" pitchFamily="49" charset="0"/>
+              </a:rPr>
+              <a:t>;</a:t>
+            </a:r>
+            <a:br>
+              <a:rPr kumimoji="0" lang="en-US" altLang="en-US" sz="1500" b="0" i="0" u="none" strike="noStrike" cap="none" normalizeH="0" baseline="0" dirty="0" smtClean="0">
+                <a:ln>
+                  <a:noFill/>
+                </a:ln>
+                <a:solidFill>
+                  <a:srgbClr val="000000"/>
+                </a:solidFill>
+                <a:effectLst/>
+                <a:latin typeface="Courier New" panose="02070309020205020404" pitchFamily="49" charset="0"/>
+                <a:cs typeface="Courier New" panose="02070309020205020404" pitchFamily="49" charset="0"/>
+              </a:rPr>
+            </a:br>
+            <a:r>
+              <a:rPr kumimoji="0" lang="en-US" altLang="en-US" sz="1500" b="0" i="0" u="none" strike="noStrike" cap="none" normalizeH="0" baseline="0" dirty="0" smtClean="0">
+                <a:ln>
+                  <a:noFill/>
+                </a:ln>
+                <a:solidFill>
+                  <a:srgbClr val="000000"/>
+                </a:solidFill>
+                <a:effectLst/>
+                <a:latin typeface="Courier New" panose="02070309020205020404" pitchFamily="49" charset="0"/>
+                <a:cs typeface="Courier New" panose="02070309020205020404" pitchFamily="49" charset="0"/>
+              </a:rPr>
+              <a:t>}</a:t>
+            </a:r>
+            <a:endParaRPr kumimoji="0" lang="en-US" altLang="en-US" sz="1800" b="0" i="0" u="none" strike="noStrike" cap="none" normalizeH="0" baseline="0" dirty="0" smtClean="0">
+              <a:ln>
+                <a:noFill/>
+              </a:ln>
+              <a:solidFill>
+                <a:schemeClr val="tx1"/>
+              </a:solidFill>
+              <a:effectLst/>
+              <a:latin typeface="Arial" panose="020B0604020202020204" pitchFamily="34" charset="0"/>
+            </a:endParaRPr>
+          </a:p>
+        </p:txBody>
+      </p:sp>
+    </p:spTree>
+    <p:extLst>
+      <p:ext uri="{BB962C8B-B14F-4D97-AF65-F5344CB8AC3E}">
+        <p14:creationId xmlns:p14="http://schemas.microsoft.com/office/powerpoint/2010/main" val="3144209889"/>
+      </p:ext>
+    </p:extLst>
+  </p:cSld>
+  <p:clrMapOvr>
+    <a:masterClrMapping/>
+  </p:clrMapOvr>
+  <p:timing>
+    <p:tnLst>
+      <p:par>
+        <p:cTn id="1" dur="indefinite" restart="never" nodeType="tmRoot"/>
+      </p:par>
+    </p:tnLst>
+  </p:timing>
+</p:sld>
+</file>
+
+<file path=ppt/slides/slide32.xml><?xml version="1.0" encoding="utf-8"?>
+<p:sld xmlns:a="http://schemas.openxmlformats.org/drawingml/2006/main" xmlns:r="http://schemas.openxmlformats.org/officeDocument/2006/relationships" xmlns:p="http://schemas.openxmlformats.org/presentationml/2006/main">
+  <p:cSld>
+    <p:spTree>
+      <p:nvGrpSpPr>
+        <p:cNvPr id="1" name=""/>
+        <p:cNvGrpSpPr/>
+        <p:nvPr/>
+      </p:nvGrpSpPr>
+      <p:grpSpPr>
+        <a:xfrm>
+          <a:off x="0" y="0"/>
+          <a:ext cx="0" cy="0"/>
+          <a:chOff x="0" y="0"/>
+          <a:chExt cx="0" cy="0"/>
+        </a:xfrm>
+      </p:grpSpPr>
+      <p:sp>
+        <p:nvSpPr>
+          <p:cNvPr id="2" name="Title 1"/>
+          <p:cNvSpPr>
+            <a:spLocks noGrp="1"/>
+          </p:cNvSpPr>
+          <p:nvPr>
+            <p:ph type="title"/>
+          </p:nvPr>
+        </p:nvSpPr>
+        <p:spPr/>
+        <p:txBody>
+          <a:bodyPr/>
+          <a:lstStyle/>
+          <a:p>
+            <a:r>
               <a:rPr lang="en-US" dirty="0"/>
               <a:t>Repositories</a:t>
             </a:r>
@@ -45287,7 +48527,7 @@
 </p:sld>
 </file>
 
-<file path=ppt/slides/slide31.xml><?xml version="1.0" encoding="utf-8"?>
+<file path=ppt/slides/slide33.xml><?xml version="1.0" encoding="utf-8"?>
 <p:sld xmlns:a="http://schemas.openxmlformats.org/drawingml/2006/main" xmlns:r="http://schemas.openxmlformats.org/officeDocument/2006/relationships" xmlns:p="http://schemas.openxmlformats.org/presentationml/2006/main">
   <p:cSld>
     <p:spTree>
@@ -47176,7 +50416,7 @@
 </p:sld>
 </file>
 
-<file path=ppt/slides/slide32.xml><?xml version="1.0" encoding="utf-8"?>
+<file path=ppt/slides/slide34.xml><?xml version="1.0" encoding="utf-8"?>
 <p:sld xmlns:a="http://schemas.openxmlformats.org/drawingml/2006/main" xmlns:r="http://schemas.openxmlformats.org/officeDocument/2006/relationships" xmlns:p="http://schemas.openxmlformats.org/presentationml/2006/main">
   <p:cSld>
     <p:spTree>
@@ -47288,7 +50528,7 @@
 </p:sld>
 </file>
 
-<file path=ppt/slides/slide33.xml><?xml version="1.0" encoding="utf-8"?>
+<file path=ppt/slides/slide35.xml><?xml version="1.0" encoding="utf-8"?>
 <p:sld xmlns:a="http://schemas.openxmlformats.org/drawingml/2006/main" xmlns:r="http://schemas.openxmlformats.org/officeDocument/2006/relationships" xmlns:p="http://schemas.openxmlformats.org/presentationml/2006/main">
   <p:cSld>
     <p:spTree>
@@ -47355,7 +50595,7 @@
 </p:sld>
 </file>
 
-<file path=ppt/slides/slide34.xml><?xml version="1.0" encoding="utf-8"?>
+<file path=ppt/slides/slide36.xml><?xml version="1.0" encoding="utf-8"?>
 <p:sld xmlns:a="http://schemas.openxmlformats.org/drawingml/2006/main" xmlns:r="http://schemas.openxmlformats.org/officeDocument/2006/relationships" xmlns:p="http://schemas.openxmlformats.org/presentationml/2006/main">
   <p:cSld>
     <p:spTree>
@@ -47533,7 +50773,7 @@
 </p:sld>
 </file>
 
-<file path=ppt/slides/slide35.xml><?xml version="1.0" encoding="utf-8"?>
+<file path=ppt/slides/slide37.xml><?xml version="1.0" encoding="utf-8"?>
 <p:sld xmlns:a="http://schemas.openxmlformats.org/drawingml/2006/main" xmlns:r="http://schemas.openxmlformats.org/officeDocument/2006/relationships" xmlns:p="http://schemas.openxmlformats.org/presentationml/2006/main">
   <p:cSld>
     <p:spTree>
@@ -47675,7 +50915,7 @@
 </p:sld>
 </file>
 
-<file path=ppt/slides/slide36.xml><?xml version="1.0" encoding="utf-8"?>
+<file path=ppt/slides/slide38.xml><?xml version="1.0" encoding="utf-8"?>
 <p:sld xmlns:a="http://schemas.openxmlformats.org/drawingml/2006/main" xmlns:r="http://schemas.openxmlformats.org/officeDocument/2006/relationships" xmlns:p="http://schemas.openxmlformats.org/presentationml/2006/main">
   <p:cSld>
     <p:spTree>
@@ -51247,12 +54487,6 @@
 </file>
 
 <file path=customXml/item1.xml><?xml version="1.0" encoding="utf-8"?>
-<p:properties xmlns:p="http://schemas.microsoft.com/office/2006/metadata/properties" xmlns:xsi="http://www.w3.org/2001/XMLSchema-instance" xmlns:pc="http://schemas.microsoft.com/office/infopath/2007/PartnerControls">
-  <documentManagement/>
-</p:properties>
-</file>
-
-<file path=customXml/item2.xml><?xml version="1.0" encoding="utf-8"?>
 <ct:contentTypeSchema xmlns:ct="http://schemas.microsoft.com/office/2006/metadata/contentType" xmlns:ma="http://schemas.microsoft.com/office/2006/metadata/properties/metaAttributes" ct:_="" ma:_="" ma:contentTypeName="Document" ma:contentTypeID="0x0101000858805C9A31ED4698AA5994F7540466" ma:contentTypeVersion="1" ma:contentTypeDescription="Een nieuw document maken." ma:contentTypeScope="" ma:versionID="5cab34e6f8d54d32c51f192539e9981c">
   <xsd:schema xmlns:xsd="http://www.w3.org/2001/XMLSchema" xmlns:xs="http://www.w3.org/2001/XMLSchema" xmlns:p="http://schemas.microsoft.com/office/2006/metadata/properties" xmlns:ns2="a73fd6a0-a740-4ca0-a47f-6beba88ccc77" targetNamespace="http://schemas.microsoft.com/office/2006/metadata/properties" ma:root="true" ma:fieldsID="10b3ae9c115bae24efdfd9076c93080b" ns2:_="">
     <xsd:import namespace="a73fd6a0-a740-4ca0-a47f-6beba88ccc77"/>
@@ -51392,6 +54626,12 @@
 </ct:contentTypeSchema>
 </file>
 
+<file path=customXml/item2.xml><?xml version="1.0" encoding="utf-8"?>
+<p:properties xmlns:p="http://schemas.microsoft.com/office/2006/metadata/properties" xmlns:xsi="http://www.w3.org/2001/XMLSchema-instance" xmlns:pc="http://schemas.microsoft.com/office/infopath/2007/PartnerControls">
+  <documentManagement/>
+</p:properties>
+</file>
+
 <file path=customXml/item3.xml><?xml version="1.0" encoding="utf-8"?>
 <?mso-contentType ?>
 <FormTemplates xmlns="http://schemas.microsoft.com/sharepoint/v3/contenttype/forms">
@@ -51402,22 +54642,6 @@
 </file>
 
 <file path=customXml/itemProps1.xml><?xml version="1.0" encoding="utf-8"?>
-<ds:datastoreItem xmlns:ds="http://schemas.openxmlformats.org/officeDocument/2006/customXml" ds:itemID="{F8AE8C2F-0717-4D42-B44A-CAECCF122A1A}">
-  <ds:schemaRefs>
-    <ds:schemaRef ds:uri="http://schemas.microsoft.com/office/2006/documentManagement/types"/>
-    <ds:schemaRef ds:uri="http://purl.org/dc/terms/"/>
-    <ds:schemaRef ds:uri="http://schemas.openxmlformats.org/package/2006/metadata/core-properties"/>
-    <ds:schemaRef ds:uri="http://purl.org/dc/dcmitype/"/>
-    <ds:schemaRef ds:uri="http://schemas.microsoft.com/office/infopath/2007/PartnerControls"/>
-    <ds:schemaRef ds:uri="http://purl.org/dc/elements/1.1/"/>
-    <ds:schemaRef ds:uri="http://schemas.microsoft.com/office/2006/metadata/properties"/>
-    <ds:schemaRef ds:uri="a73fd6a0-a740-4ca0-a47f-6beba88ccc77"/>
-    <ds:schemaRef ds:uri="http://www.w3.org/XML/1998/namespace"/>
-  </ds:schemaRefs>
-</ds:datastoreItem>
-</file>
-
-<file path=customXml/itemProps2.xml><?xml version="1.0" encoding="utf-8"?>
 <ds:datastoreItem xmlns:ds="http://schemas.openxmlformats.org/officeDocument/2006/customXml" ds:itemID="{9AC0CDE9-3E35-44FD-A63A-9795CF527D47}">
   <ds:schemaRefs>
     <ds:schemaRef ds:uri="http://schemas.microsoft.com/office/2006/metadata/contentType"/>
@@ -51435,6 +54659,22 @@
 </ds:datastoreItem>
 </file>
 
+<file path=customXml/itemProps2.xml><?xml version="1.0" encoding="utf-8"?>
+<ds:datastoreItem xmlns:ds="http://schemas.openxmlformats.org/officeDocument/2006/customXml" ds:itemID="{F8AE8C2F-0717-4D42-B44A-CAECCF122A1A}">
+  <ds:schemaRefs>
+    <ds:schemaRef ds:uri="http://schemas.microsoft.com/office/2006/documentManagement/types"/>
+    <ds:schemaRef ds:uri="http://purl.org/dc/terms/"/>
+    <ds:schemaRef ds:uri="http://schemas.openxmlformats.org/package/2006/metadata/core-properties"/>
+    <ds:schemaRef ds:uri="http://purl.org/dc/dcmitype/"/>
+    <ds:schemaRef ds:uri="http://schemas.microsoft.com/office/infopath/2007/PartnerControls"/>
+    <ds:schemaRef ds:uri="http://purl.org/dc/elements/1.1/"/>
+    <ds:schemaRef ds:uri="http://schemas.microsoft.com/office/2006/metadata/properties"/>
+    <ds:schemaRef ds:uri="a73fd6a0-a740-4ca0-a47f-6beba88ccc77"/>
+    <ds:schemaRef ds:uri="http://www.w3.org/XML/1998/namespace"/>
+  </ds:schemaRefs>
+</ds:datastoreItem>
+</file>
+
 <file path=customXml/itemProps3.xml><?xml version="1.0" encoding="utf-8"?>
 <ds:datastoreItem xmlns:ds="http://schemas.openxmlformats.org/officeDocument/2006/customXml" ds:itemID="{4522A51C-073F-4C45-9170-ECE5951F4DEA}">
   <ds:schemaRefs>
